--- a/Presentation & bonus files/DZC++ (5).pptx
+++ b/Presentation & bonus files/DZC++ (5).pptx
@@ -25,19 +25,22 @@
     <p:sldId id="292" r:id="rId19"/>
     <p:sldId id="259" r:id="rId20"/>
     <p:sldId id="290" r:id="rId21"/>
-    <p:sldId id="267" r:id="rId22"/>
-    <p:sldId id="295" r:id="rId23"/>
-    <p:sldId id="296" r:id="rId24"/>
-    <p:sldId id="266" r:id="rId25"/>
-    <p:sldId id="283" r:id="rId26"/>
-    <p:sldId id="280" r:id="rId27"/>
-    <p:sldId id="270" r:id="rId28"/>
-    <p:sldId id="276" r:id="rId29"/>
-    <p:sldId id="272" r:id="rId30"/>
-    <p:sldId id="278" r:id="rId31"/>
-    <p:sldId id="279" r:id="rId32"/>
-    <p:sldId id="282" r:id="rId33"/>
-    <p:sldId id="268" r:id="rId34"/>
+    <p:sldId id="297" r:id="rId22"/>
+    <p:sldId id="298" r:id="rId23"/>
+    <p:sldId id="299" r:id="rId24"/>
+    <p:sldId id="267" r:id="rId25"/>
+    <p:sldId id="295" r:id="rId26"/>
+    <p:sldId id="296" r:id="rId27"/>
+    <p:sldId id="266" r:id="rId28"/>
+    <p:sldId id="283" r:id="rId29"/>
+    <p:sldId id="280" r:id="rId30"/>
+    <p:sldId id="270" r:id="rId31"/>
+    <p:sldId id="276" r:id="rId32"/>
+    <p:sldId id="272" r:id="rId33"/>
+    <p:sldId id="278" r:id="rId34"/>
+    <p:sldId id="279" r:id="rId35"/>
+    <p:sldId id="282" r:id="rId36"/>
+    <p:sldId id="268" r:id="rId37"/>
   </p:sldIdLst>
   <p:sldSz cx="12192000" cy="6858000"/>
   <p:notesSz cx="6858000" cy="9144000"/>
@@ -308,7 +311,7 @@
           <a:p>
             <a:fld id="{9BB7A8CF-79EF-40B5-A1C3-F85DA4EAB5F0}" type="datetimeFigureOut">
               <a:rPr lang="ru-RU" smtClean="0"/>
-              <a:t>17.11.2023</a:t>
+              <a:t>20.11.2023</a:t>
             </a:fld>
             <a:endParaRPr lang="ru-RU" dirty="0"/>
           </a:p>
@@ -446,7 +449,7 @@
           <a:p>
             <a:fld id="{9BB7A8CF-79EF-40B5-A1C3-F85DA4EAB5F0}" type="datetimeFigureOut">
               <a:rPr lang="ru-RU" smtClean="0"/>
-              <a:t>17.11.2023</a:t>
+              <a:t>20.11.2023</a:t>
             </a:fld>
             <a:endParaRPr lang="ru-RU"/>
           </a:p>
@@ -636,7 +639,7 @@
           <a:p>
             <a:fld id="{9BB7A8CF-79EF-40B5-A1C3-F85DA4EAB5F0}" type="datetimeFigureOut">
               <a:rPr lang="ru-RU" smtClean="0"/>
-              <a:t>17.11.2023</a:t>
+              <a:t>20.11.2023</a:t>
             </a:fld>
             <a:endParaRPr lang="ru-RU"/>
           </a:p>
@@ -865,7 +868,7 @@
           <a:p>
             <a:fld id="{9BB7A8CF-79EF-40B5-A1C3-F85DA4EAB5F0}" type="datetimeFigureOut">
               <a:rPr lang="ru-RU" smtClean="0"/>
-              <a:t>17.11.2023</a:t>
+              <a:t>20.11.2023</a:t>
             </a:fld>
             <a:endParaRPr lang="ru-RU"/>
           </a:p>
@@ -1080,7 +1083,7 @@
           <a:p>
             <a:fld id="{9BB7A8CF-79EF-40B5-A1C3-F85DA4EAB5F0}" type="datetimeFigureOut">
               <a:rPr lang="ru-RU" smtClean="0"/>
-              <a:t>17.11.2023</a:t>
+              <a:t>20.11.2023</a:t>
             </a:fld>
             <a:endParaRPr lang="ru-RU"/>
           </a:p>
@@ -1321,7 +1324,7 @@
           <a:p>
             <a:fld id="{9BB7A8CF-79EF-40B5-A1C3-F85DA4EAB5F0}" type="datetimeFigureOut">
               <a:rPr lang="ru-RU" smtClean="0"/>
-              <a:t>17.11.2023</a:t>
+              <a:t>20.11.2023</a:t>
             </a:fld>
             <a:endParaRPr lang="ru-RU"/>
           </a:p>
@@ -1697,7 +1700,7 @@
           <a:p>
             <a:fld id="{9BB7A8CF-79EF-40B5-A1C3-F85DA4EAB5F0}" type="datetimeFigureOut">
               <a:rPr lang="ru-RU" smtClean="0"/>
-              <a:t>17.11.2023</a:t>
+              <a:t>20.11.2023</a:t>
             </a:fld>
             <a:endParaRPr lang="ru-RU"/>
           </a:p>
@@ -1826,7 +1829,7 @@
           <a:p>
             <a:fld id="{9BB7A8CF-79EF-40B5-A1C3-F85DA4EAB5F0}" type="datetimeFigureOut">
               <a:rPr lang="ru-RU" smtClean="0"/>
-              <a:t>17.11.2023</a:t>
+              <a:t>20.11.2023</a:t>
             </a:fld>
             <a:endParaRPr lang="ru-RU"/>
           </a:p>
@@ -1933,7 +1936,7 @@
           <a:p>
             <a:fld id="{9BB7A8CF-79EF-40B5-A1C3-F85DA4EAB5F0}" type="datetimeFigureOut">
               <a:rPr lang="ru-RU" smtClean="0"/>
-              <a:t>17.11.2023</a:t>
+              <a:t>20.11.2023</a:t>
             </a:fld>
             <a:endParaRPr lang="ru-RU"/>
           </a:p>
@@ -2220,7 +2223,7 @@
           <a:p>
             <a:fld id="{9BB7A8CF-79EF-40B5-A1C3-F85DA4EAB5F0}" type="datetimeFigureOut">
               <a:rPr lang="ru-RU" smtClean="0"/>
-              <a:t>17.11.2023</a:t>
+              <a:t>20.11.2023</a:t>
             </a:fld>
             <a:endParaRPr lang="ru-RU"/>
           </a:p>
@@ -2484,7 +2487,7 @@
           <a:p>
             <a:fld id="{9BB7A8CF-79EF-40B5-A1C3-F85DA4EAB5F0}" type="datetimeFigureOut">
               <a:rPr lang="ru-RU" smtClean="0"/>
-              <a:t>17.11.2023</a:t>
+              <a:t>20.11.2023</a:t>
             </a:fld>
             <a:endParaRPr lang="ru-RU"/>
           </a:p>
@@ -2707,7 +2710,7 @@
           <a:p>
             <a:fld id="{9BB7A8CF-79EF-40B5-A1C3-F85DA4EAB5F0}" type="datetimeFigureOut">
               <a:rPr lang="ru-RU" smtClean="0"/>
-              <a:t>17.11.2023</a:t>
+              <a:t>20.11.2023</a:t>
             </a:fld>
             <a:endParaRPr lang="ru-RU"/>
           </a:p>
@@ -3282,7 +3285,7 @@
           <p:cNvPr id="2" name="Заголовок 1">
             <a:extLst>
               <a:ext uri="{FF2B5EF4-FFF2-40B4-BE49-F238E27FC236}">
-                <a16:creationId xmlns:a16="http://schemas.microsoft.com/office/drawing/2014/main" id="{1AF28BD5-B5B6-6337-6B1F-FFF5D8A0484A}"/>
+                <a16:creationId xmlns:a16="http://schemas.microsoft.com/office/drawing/2014/main" xmlns="" id="{1AF28BD5-B5B6-6337-6B1F-FFF5D8A0484A}"/>
               </a:ext>
             </a:extLst>
           </p:cNvPr>
@@ -3307,7 +3310,7 @@
           <p:cNvPr id="3" name="Объект 2">
             <a:extLst>
               <a:ext uri="{FF2B5EF4-FFF2-40B4-BE49-F238E27FC236}">
-                <a16:creationId xmlns:a16="http://schemas.microsoft.com/office/drawing/2014/main" id="{87CF25F9-861B-31B6-C355-E5BD4E55DC2C}"/>
+                <a16:creationId xmlns:a16="http://schemas.microsoft.com/office/drawing/2014/main" xmlns="" id="{87CF25F9-861B-31B6-C355-E5BD4E55DC2C}"/>
               </a:ext>
             </a:extLst>
           </p:cNvPr>
@@ -3332,7 +3335,7 @@
           <p:cNvPr id="5" name="Рисунок 4">
             <a:extLst>
               <a:ext uri="{FF2B5EF4-FFF2-40B4-BE49-F238E27FC236}">
-                <a16:creationId xmlns:a16="http://schemas.microsoft.com/office/drawing/2014/main" id="{18CB85A7-752F-1875-5CF3-55157EE70E03}"/>
+                <a16:creationId xmlns:a16="http://schemas.microsoft.com/office/drawing/2014/main" xmlns="" id="{18CB85A7-752F-1875-5CF3-55157EE70E03}"/>
               </a:ext>
             </a:extLst>
           </p:cNvPr>
@@ -3362,7 +3365,7 @@
           <p:cNvPr id="6" name="Рисунок 5">
             <a:extLst>
               <a:ext uri="{FF2B5EF4-FFF2-40B4-BE49-F238E27FC236}">
-                <a16:creationId xmlns:a16="http://schemas.microsoft.com/office/drawing/2014/main" id="{7B126F59-65A6-8E3F-F5A9-88281124287F}"/>
+                <a16:creationId xmlns:a16="http://schemas.microsoft.com/office/drawing/2014/main" xmlns="" id="{7B126F59-65A6-8E3F-F5A9-88281124287F}"/>
               </a:ext>
             </a:extLst>
           </p:cNvPr>
@@ -3434,7 +3437,7 @@
           <p:cNvPr id="2" name="Заголовок 1">
             <a:extLst>
               <a:ext uri="{FF2B5EF4-FFF2-40B4-BE49-F238E27FC236}">
-                <a16:creationId xmlns:a16="http://schemas.microsoft.com/office/drawing/2014/main" id="{0E7E5643-9E34-D7F6-B822-7DCCBD0D8F5E}"/>
+                <a16:creationId xmlns:a16="http://schemas.microsoft.com/office/drawing/2014/main" xmlns="" id="{0E7E5643-9E34-D7F6-B822-7DCCBD0D8F5E}"/>
               </a:ext>
             </a:extLst>
           </p:cNvPr>
@@ -3459,7 +3462,7 @@
           <p:cNvPr id="3" name="Объект 2">
             <a:extLst>
               <a:ext uri="{FF2B5EF4-FFF2-40B4-BE49-F238E27FC236}">
-                <a16:creationId xmlns:a16="http://schemas.microsoft.com/office/drawing/2014/main" id="{2440F4E2-BEA6-59D8-2B8F-16B7D88DF1E5}"/>
+                <a16:creationId xmlns:a16="http://schemas.microsoft.com/office/drawing/2014/main" xmlns="" id="{2440F4E2-BEA6-59D8-2B8F-16B7D88DF1E5}"/>
               </a:ext>
             </a:extLst>
           </p:cNvPr>
@@ -3484,7 +3487,7 @@
           <p:cNvPr id="7" name="Рисунок 6">
             <a:extLst>
               <a:ext uri="{FF2B5EF4-FFF2-40B4-BE49-F238E27FC236}">
-                <a16:creationId xmlns:a16="http://schemas.microsoft.com/office/drawing/2014/main" id="{9B28780E-8046-91D3-AA0B-8FD3D2C171DF}"/>
+                <a16:creationId xmlns:a16="http://schemas.microsoft.com/office/drawing/2014/main" xmlns="" id="{9B28780E-8046-91D3-AA0B-8FD3D2C171DF}"/>
               </a:ext>
             </a:extLst>
           </p:cNvPr>
@@ -3556,7 +3559,7 @@
           <p:cNvPr id="2" name="Заголовок 1">
             <a:extLst>
               <a:ext uri="{FF2B5EF4-FFF2-40B4-BE49-F238E27FC236}">
-                <a16:creationId xmlns:a16="http://schemas.microsoft.com/office/drawing/2014/main" id="{317CC6B9-498D-1612-425C-5DFFE76CCF94}"/>
+                <a16:creationId xmlns:a16="http://schemas.microsoft.com/office/drawing/2014/main" xmlns="" id="{317CC6B9-498D-1612-425C-5DFFE76CCF94}"/>
               </a:ext>
             </a:extLst>
           </p:cNvPr>
@@ -3591,7 +3594,7 @@
           <p:cNvPr id="5" name="Рисунок 4">
             <a:extLst>
               <a:ext uri="{FF2B5EF4-FFF2-40B4-BE49-F238E27FC236}">
-                <a16:creationId xmlns:a16="http://schemas.microsoft.com/office/drawing/2014/main" id="{3C0D1B96-0651-720E-0FDA-2DBF3FA9D12E}"/>
+                <a16:creationId xmlns:a16="http://schemas.microsoft.com/office/drawing/2014/main" xmlns="" id="{3C0D1B96-0651-720E-0FDA-2DBF3FA9D12E}"/>
               </a:ext>
             </a:extLst>
           </p:cNvPr>
@@ -3621,7 +3624,7 @@
           <p:cNvPr id="11" name="Рисунок 10">
             <a:extLst>
               <a:ext uri="{FF2B5EF4-FFF2-40B4-BE49-F238E27FC236}">
-                <a16:creationId xmlns:a16="http://schemas.microsoft.com/office/drawing/2014/main" id="{6B8CA537-5C42-A3E3-5682-B377B15577E4}"/>
+                <a16:creationId xmlns:a16="http://schemas.microsoft.com/office/drawing/2014/main" xmlns="" id="{6B8CA537-5C42-A3E3-5682-B377B15577E4}"/>
               </a:ext>
             </a:extLst>
           </p:cNvPr>
@@ -3651,7 +3654,7 @@
           <p:cNvPr id="13" name="Рисунок 12">
             <a:extLst>
               <a:ext uri="{FF2B5EF4-FFF2-40B4-BE49-F238E27FC236}">
-                <a16:creationId xmlns:a16="http://schemas.microsoft.com/office/drawing/2014/main" id="{600E99D6-D24D-0CF4-78D0-25E37FCFED65}"/>
+                <a16:creationId xmlns:a16="http://schemas.microsoft.com/office/drawing/2014/main" xmlns="" id="{600E99D6-D24D-0CF4-78D0-25E37FCFED65}"/>
               </a:ext>
             </a:extLst>
           </p:cNvPr>
@@ -3681,7 +3684,7 @@
           <p:cNvPr id="15" name="Рисунок 14">
             <a:extLst>
               <a:ext uri="{FF2B5EF4-FFF2-40B4-BE49-F238E27FC236}">
-                <a16:creationId xmlns:a16="http://schemas.microsoft.com/office/drawing/2014/main" id="{C7FFEF8A-DFEF-9158-4843-A0BD01057025}"/>
+                <a16:creationId xmlns:a16="http://schemas.microsoft.com/office/drawing/2014/main" xmlns="" id="{C7FFEF8A-DFEF-9158-4843-A0BD01057025}"/>
               </a:ext>
             </a:extLst>
           </p:cNvPr>
@@ -3753,7 +3756,7 @@
           <p:cNvPr id="2" name="Заголовок 1">
             <a:extLst>
               <a:ext uri="{FF2B5EF4-FFF2-40B4-BE49-F238E27FC236}">
-                <a16:creationId xmlns:a16="http://schemas.microsoft.com/office/drawing/2014/main" id="{6CC1C6CE-6A0F-A207-82DE-78D5D8DD6E16}"/>
+                <a16:creationId xmlns:a16="http://schemas.microsoft.com/office/drawing/2014/main" xmlns="" id="{6CC1C6CE-6A0F-A207-82DE-78D5D8DD6E16}"/>
               </a:ext>
             </a:extLst>
           </p:cNvPr>
@@ -3783,7 +3786,7 @@
           <p:cNvPr id="3" name="Объект 2">
             <a:extLst>
               <a:ext uri="{FF2B5EF4-FFF2-40B4-BE49-F238E27FC236}">
-                <a16:creationId xmlns:a16="http://schemas.microsoft.com/office/drawing/2014/main" id="{BBFBE341-38AA-4C89-8120-96EBF3A1D374}"/>
+                <a16:creationId xmlns:a16="http://schemas.microsoft.com/office/drawing/2014/main" xmlns="" id="{BBFBE341-38AA-4C89-8120-96EBF3A1D374}"/>
               </a:ext>
             </a:extLst>
           </p:cNvPr>
@@ -3821,7 +3824,7 @@
           <p:cNvPr id="5" name="Рисунок 4">
             <a:extLst>
               <a:ext uri="{FF2B5EF4-FFF2-40B4-BE49-F238E27FC236}">
-                <a16:creationId xmlns:a16="http://schemas.microsoft.com/office/drawing/2014/main" id="{39ED3E42-895B-46FD-627E-99A151B3BA36}"/>
+                <a16:creationId xmlns:a16="http://schemas.microsoft.com/office/drawing/2014/main" xmlns="" id="{39ED3E42-895B-46FD-627E-99A151B3BA36}"/>
               </a:ext>
             </a:extLst>
           </p:cNvPr>
@@ -3851,7 +3854,7 @@
           <p:cNvPr id="6" name="TextBox 5">
             <a:extLst>
               <a:ext uri="{FF2B5EF4-FFF2-40B4-BE49-F238E27FC236}">
-                <a16:creationId xmlns:a16="http://schemas.microsoft.com/office/drawing/2014/main" id="{1593C4B7-4B8E-6659-A254-5C3EBBD6A3A3}"/>
+                <a16:creationId xmlns:a16="http://schemas.microsoft.com/office/drawing/2014/main" xmlns="" id="{1593C4B7-4B8E-6659-A254-5C3EBBD6A3A3}"/>
               </a:ext>
             </a:extLst>
           </p:cNvPr>
@@ -3895,7 +3898,7 @@
           <p:cNvPr id="7" name="TextBox 6">
             <a:extLst>
               <a:ext uri="{FF2B5EF4-FFF2-40B4-BE49-F238E27FC236}">
-                <a16:creationId xmlns:a16="http://schemas.microsoft.com/office/drawing/2014/main" id="{63DC35DB-A6B2-065D-77BE-6AD792585C3D}"/>
+                <a16:creationId xmlns:a16="http://schemas.microsoft.com/office/drawing/2014/main" xmlns="" id="{63DC35DB-A6B2-065D-77BE-6AD792585C3D}"/>
               </a:ext>
             </a:extLst>
           </p:cNvPr>
@@ -3939,7 +3942,7 @@
           <p:cNvPr id="8" name="TextBox 7">
             <a:extLst>
               <a:ext uri="{FF2B5EF4-FFF2-40B4-BE49-F238E27FC236}">
-                <a16:creationId xmlns:a16="http://schemas.microsoft.com/office/drawing/2014/main" id="{7CF469CE-AC03-96A9-2BDE-6F33E18A1564}"/>
+                <a16:creationId xmlns:a16="http://schemas.microsoft.com/office/drawing/2014/main" xmlns="" id="{7CF469CE-AC03-96A9-2BDE-6F33E18A1564}"/>
               </a:ext>
             </a:extLst>
           </p:cNvPr>
@@ -4025,7 +4028,7 @@
           <p:cNvPr id="2" name="Заголовок 1">
             <a:extLst>
               <a:ext uri="{FF2B5EF4-FFF2-40B4-BE49-F238E27FC236}">
-                <a16:creationId xmlns:a16="http://schemas.microsoft.com/office/drawing/2014/main" id="{CEA7845D-74AE-297A-E070-9DDF879E0861}"/>
+                <a16:creationId xmlns:a16="http://schemas.microsoft.com/office/drawing/2014/main" xmlns="" id="{CEA7845D-74AE-297A-E070-9DDF879E0861}"/>
               </a:ext>
             </a:extLst>
           </p:cNvPr>
@@ -4050,7 +4053,7 @@
           <p:cNvPr id="3" name="Объект 2">
             <a:extLst>
               <a:ext uri="{FF2B5EF4-FFF2-40B4-BE49-F238E27FC236}">
-                <a16:creationId xmlns:a16="http://schemas.microsoft.com/office/drawing/2014/main" id="{757A2B68-BC07-3C9F-314D-E157055904CE}"/>
+                <a16:creationId xmlns:a16="http://schemas.microsoft.com/office/drawing/2014/main" xmlns="" id="{757A2B68-BC07-3C9F-314D-E157055904CE}"/>
               </a:ext>
             </a:extLst>
           </p:cNvPr>
@@ -4075,7 +4078,7 @@
           <p:cNvPr id="5" name="Рисунок 4">
             <a:extLst>
               <a:ext uri="{FF2B5EF4-FFF2-40B4-BE49-F238E27FC236}">
-                <a16:creationId xmlns:a16="http://schemas.microsoft.com/office/drawing/2014/main" id="{099847F3-CA78-E1FA-0F38-3DCA46B57F6B}"/>
+                <a16:creationId xmlns:a16="http://schemas.microsoft.com/office/drawing/2014/main" xmlns="" id="{099847F3-CA78-E1FA-0F38-3DCA46B57F6B}"/>
               </a:ext>
             </a:extLst>
           </p:cNvPr>
@@ -4105,7 +4108,7 @@
           <p:cNvPr id="7" name="Рисунок 6">
             <a:extLst>
               <a:ext uri="{FF2B5EF4-FFF2-40B4-BE49-F238E27FC236}">
-                <a16:creationId xmlns:a16="http://schemas.microsoft.com/office/drawing/2014/main" id="{0C555369-96F9-D689-79C8-12C30166D596}"/>
+                <a16:creationId xmlns:a16="http://schemas.microsoft.com/office/drawing/2014/main" xmlns="" id="{0C555369-96F9-D689-79C8-12C30166D596}"/>
               </a:ext>
             </a:extLst>
           </p:cNvPr>
@@ -4177,7 +4180,7 @@
           <p:cNvPr id="2" name="Заголовок 1">
             <a:extLst>
               <a:ext uri="{FF2B5EF4-FFF2-40B4-BE49-F238E27FC236}">
-                <a16:creationId xmlns:a16="http://schemas.microsoft.com/office/drawing/2014/main" id="{59796EA0-1BDF-AFB1-E1D2-8582D2F412C4}"/>
+                <a16:creationId xmlns:a16="http://schemas.microsoft.com/office/drawing/2014/main" xmlns="" id="{59796EA0-1BDF-AFB1-E1D2-8582D2F412C4}"/>
               </a:ext>
             </a:extLst>
           </p:cNvPr>
@@ -4202,7 +4205,7 @@
           <p:cNvPr id="3" name="Объект 2">
             <a:extLst>
               <a:ext uri="{FF2B5EF4-FFF2-40B4-BE49-F238E27FC236}">
-                <a16:creationId xmlns:a16="http://schemas.microsoft.com/office/drawing/2014/main" id="{50E28B27-84C9-9E06-F146-3D90DDF5CBF8}"/>
+                <a16:creationId xmlns:a16="http://schemas.microsoft.com/office/drawing/2014/main" xmlns="" id="{50E28B27-84C9-9E06-F146-3D90DDF5CBF8}"/>
               </a:ext>
             </a:extLst>
           </p:cNvPr>
@@ -4227,7 +4230,7 @@
           <p:cNvPr id="5" name="Рисунок 4">
             <a:extLst>
               <a:ext uri="{FF2B5EF4-FFF2-40B4-BE49-F238E27FC236}">
-                <a16:creationId xmlns:a16="http://schemas.microsoft.com/office/drawing/2014/main" id="{254B7E9F-50FF-FCAD-4BE2-765C26B960FF}"/>
+                <a16:creationId xmlns:a16="http://schemas.microsoft.com/office/drawing/2014/main" xmlns="" id="{254B7E9F-50FF-FCAD-4BE2-765C26B960FF}"/>
               </a:ext>
             </a:extLst>
           </p:cNvPr>
@@ -4299,7 +4302,7 @@
           <p:cNvPr id="2" name="Заголовок 1">
             <a:extLst>
               <a:ext uri="{FF2B5EF4-FFF2-40B4-BE49-F238E27FC236}">
-                <a16:creationId xmlns:a16="http://schemas.microsoft.com/office/drawing/2014/main" id="{ED00802D-2FBA-7A81-C022-F82C40D2B19F}"/>
+                <a16:creationId xmlns:a16="http://schemas.microsoft.com/office/drawing/2014/main" xmlns="" id="{ED00802D-2FBA-7A81-C022-F82C40D2B19F}"/>
               </a:ext>
             </a:extLst>
           </p:cNvPr>
@@ -4324,7 +4327,7 @@
           <p:cNvPr id="3" name="Объект 2">
             <a:extLst>
               <a:ext uri="{FF2B5EF4-FFF2-40B4-BE49-F238E27FC236}">
-                <a16:creationId xmlns:a16="http://schemas.microsoft.com/office/drawing/2014/main" id="{F8D31219-CF3C-B7C8-E16E-C5C6507AACB8}"/>
+                <a16:creationId xmlns:a16="http://schemas.microsoft.com/office/drawing/2014/main" xmlns="" id="{F8D31219-CF3C-B7C8-E16E-C5C6507AACB8}"/>
               </a:ext>
             </a:extLst>
           </p:cNvPr>
@@ -4349,7 +4352,7 @@
           <p:cNvPr id="7" name="Рисунок 6">
             <a:extLst>
               <a:ext uri="{FF2B5EF4-FFF2-40B4-BE49-F238E27FC236}">
-                <a16:creationId xmlns:a16="http://schemas.microsoft.com/office/drawing/2014/main" id="{A7DB505C-DA42-E749-1819-2DF5AE472645}"/>
+                <a16:creationId xmlns:a16="http://schemas.microsoft.com/office/drawing/2014/main" xmlns="" id="{A7DB505C-DA42-E749-1819-2DF5AE472645}"/>
               </a:ext>
             </a:extLst>
           </p:cNvPr>
@@ -4379,7 +4382,7 @@
           <p:cNvPr id="9" name="Рисунок 8">
             <a:extLst>
               <a:ext uri="{FF2B5EF4-FFF2-40B4-BE49-F238E27FC236}">
-                <a16:creationId xmlns:a16="http://schemas.microsoft.com/office/drawing/2014/main" id="{9CE3B71C-7B7A-11F6-588F-FD0C6E7BB4C9}"/>
+                <a16:creationId xmlns:a16="http://schemas.microsoft.com/office/drawing/2014/main" xmlns="" id="{9CE3B71C-7B7A-11F6-588F-FD0C6E7BB4C9}"/>
               </a:ext>
             </a:extLst>
           </p:cNvPr>
@@ -4451,7 +4454,7 @@
           <p:cNvPr id="2" name="Заголовок 1">
             <a:extLst>
               <a:ext uri="{FF2B5EF4-FFF2-40B4-BE49-F238E27FC236}">
-                <a16:creationId xmlns:a16="http://schemas.microsoft.com/office/drawing/2014/main" id="{0E04F6CB-D878-DB72-D776-10A854DFADEB}"/>
+                <a16:creationId xmlns:a16="http://schemas.microsoft.com/office/drawing/2014/main" xmlns="" id="{0E04F6CB-D878-DB72-D776-10A854DFADEB}"/>
               </a:ext>
             </a:extLst>
           </p:cNvPr>
@@ -4476,7 +4479,7 @@
           <p:cNvPr id="3" name="Объект 2">
             <a:extLst>
               <a:ext uri="{FF2B5EF4-FFF2-40B4-BE49-F238E27FC236}">
-                <a16:creationId xmlns:a16="http://schemas.microsoft.com/office/drawing/2014/main" id="{B441549B-F59D-DB95-AD6E-D546056CC384}"/>
+                <a16:creationId xmlns:a16="http://schemas.microsoft.com/office/drawing/2014/main" xmlns="" id="{B441549B-F59D-DB95-AD6E-D546056CC384}"/>
               </a:ext>
             </a:extLst>
           </p:cNvPr>
@@ -4501,7 +4504,7 @@
           <p:cNvPr id="5" name="Рисунок 4">
             <a:extLst>
               <a:ext uri="{FF2B5EF4-FFF2-40B4-BE49-F238E27FC236}">
-                <a16:creationId xmlns:a16="http://schemas.microsoft.com/office/drawing/2014/main" id="{EB8BB53E-AD51-7A91-89AB-AF5C06BE8A7A}"/>
+                <a16:creationId xmlns:a16="http://schemas.microsoft.com/office/drawing/2014/main" xmlns="" id="{EB8BB53E-AD51-7A91-89AB-AF5C06BE8A7A}"/>
               </a:ext>
             </a:extLst>
           </p:cNvPr>
@@ -4573,7 +4576,7 @@
           <p:cNvPr id="2" name="Заголовок 1">
             <a:extLst>
               <a:ext uri="{FF2B5EF4-FFF2-40B4-BE49-F238E27FC236}">
-                <a16:creationId xmlns:a16="http://schemas.microsoft.com/office/drawing/2014/main" id="{438B3F1C-D47E-D326-884F-A4E485B8B80A}"/>
+                <a16:creationId xmlns:a16="http://schemas.microsoft.com/office/drawing/2014/main" xmlns="" id="{438B3F1C-D47E-D326-884F-A4E485B8B80A}"/>
               </a:ext>
             </a:extLst>
           </p:cNvPr>
@@ -4598,7 +4601,7 @@
           <p:cNvPr id="3" name="Объект 2">
             <a:extLst>
               <a:ext uri="{FF2B5EF4-FFF2-40B4-BE49-F238E27FC236}">
-                <a16:creationId xmlns:a16="http://schemas.microsoft.com/office/drawing/2014/main" id="{F5065895-C117-37B4-C512-AE7F588ABBEE}"/>
+                <a16:creationId xmlns:a16="http://schemas.microsoft.com/office/drawing/2014/main" xmlns="" id="{F5065895-C117-37B4-C512-AE7F588ABBEE}"/>
               </a:ext>
             </a:extLst>
           </p:cNvPr>
@@ -4623,7 +4626,7 @@
           <p:cNvPr id="5" name="Рисунок 4">
             <a:extLst>
               <a:ext uri="{FF2B5EF4-FFF2-40B4-BE49-F238E27FC236}">
-                <a16:creationId xmlns:a16="http://schemas.microsoft.com/office/drawing/2014/main" id="{84951931-E013-1321-B59E-4D5E8501A706}"/>
+                <a16:creationId xmlns:a16="http://schemas.microsoft.com/office/drawing/2014/main" xmlns="" id="{84951931-E013-1321-B59E-4D5E8501A706}"/>
               </a:ext>
             </a:extLst>
           </p:cNvPr>
@@ -7857,7 +7860,7 @@
           <p:cNvPr id="2" name="Заголовок 1">
             <a:extLst>
               <a:ext uri="{FF2B5EF4-FFF2-40B4-BE49-F238E27FC236}">
-                <a16:creationId xmlns:a16="http://schemas.microsoft.com/office/drawing/2014/main" id="{96D5A06D-374B-4CA8-4A74-57799945F72B}"/>
+                <a16:creationId xmlns:a16="http://schemas.microsoft.com/office/drawing/2014/main" xmlns="" id="{96D5A06D-374B-4CA8-4A74-57799945F72B}"/>
               </a:ext>
             </a:extLst>
           </p:cNvPr>
@@ -7891,7 +7894,7 @@
           <p:cNvPr id="3" name="Объект 2">
             <a:extLst>
               <a:ext uri="{FF2B5EF4-FFF2-40B4-BE49-F238E27FC236}">
-                <a16:creationId xmlns:a16="http://schemas.microsoft.com/office/drawing/2014/main" id="{B55845D0-D72C-3C92-E55F-DD652ED18EFF}"/>
+                <a16:creationId xmlns:a16="http://schemas.microsoft.com/office/drawing/2014/main" xmlns="" id="{B55845D0-D72C-3C92-E55F-DD652ED18EFF}"/>
               </a:ext>
             </a:extLst>
           </p:cNvPr>
@@ -7916,7 +7919,7 @@
           <p:cNvPr id="5" name="Рисунок 4">
             <a:extLst>
               <a:ext uri="{FF2B5EF4-FFF2-40B4-BE49-F238E27FC236}">
-                <a16:creationId xmlns:a16="http://schemas.microsoft.com/office/drawing/2014/main" id="{B62C4C22-886D-950C-E70B-E34A4B8774F9}"/>
+                <a16:creationId xmlns:a16="http://schemas.microsoft.com/office/drawing/2014/main" xmlns="" id="{B62C4C22-886D-950C-E70B-E34A4B8774F9}"/>
               </a:ext>
             </a:extLst>
           </p:cNvPr>
@@ -7988,7 +7991,7 @@
           <p:cNvPr id="2" name="Заголовок 1">
             <a:extLst>
               <a:ext uri="{FF2B5EF4-FFF2-40B4-BE49-F238E27FC236}">
-                <a16:creationId xmlns:a16="http://schemas.microsoft.com/office/drawing/2014/main" id="{262BE45D-C37E-DDA6-E4BD-609A17A07EB4}"/>
+                <a16:creationId xmlns:a16="http://schemas.microsoft.com/office/drawing/2014/main" xmlns="" id="{262BE45D-C37E-DDA6-E4BD-609A17A07EB4}"/>
               </a:ext>
             </a:extLst>
           </p:cNvPr>
@@ -8013,7 +8016,7 @@
           <p:cNvPr id="3" name="Объект 2">
             <a:extLst>
               <a:ext uri="{FF2B5EF4-FFF2-40B4-BE49-F238E27FC236}">
-                <a16:creationId xmlns:a16="http://schemas.microsoft.com/office/drawing/2014/main" id="{B5989D6D-8A7A-D39F-3066-B602AF16F357}"/>
+                <a16:creationId xmlns:a16="http://schemas.microsoft.com/office/drawing/2014/main" xmlns="" id="{B5989D6D-8A7A-D39F-3066-B602AF16F357}"/>
               </a:ext>
             </a:extLst>
           </p:cNvPr>
@@ -8038,7 +8041,7 @@
           <p:cNvPr id="5" name="Рисунок 4">
             <a:extLst>
               <a:ext uri="{FF2B5EF4-FFF2-40B4-BE49-F238E27FC236}">
-                <a16:creationId xmlns:a16="http://schemas.microsoft.com/office/drawing/2014/main" id="{14A5AA02-D769-17D1-BCC1-A65F0B55B9F6}"/>
+                <a16:creationId xmlns:a16="http://schemas.microsoft.com/office/drawing/2014/main" xmlns="" id="{14A5AA02-D769-17D1-BCC1-A65F0B55B9F6}"/>
               </a:ext>
             </a:extLst>
           </p:cNvPr>
@@ -8089,6 +8092,276 @@
 </file>
 
 <file path=ppt/slides/slide21.xml><?xml version="1.0" encoding="utf-8"?>
+<p:sld xmlns:a="http://schemas.openxmlformats.org/drawingml/2006/main" xmlns:r="http://schemas.openxmlformats.org/officeDocument/2006/relationships" xmlns:p="http://schemas.openxmlformats.org/presentationml/2006/main">
+  <p:cSld>
+    <p:spTree>
+      <p:nvGrpSpPr>
+        <p:cNvPr id="1" name=""/>
+        <p:cNvGrpSpPr/>
+        <p:nvPr/>
+      </p:nvGrpSpPr>
+      <p:grpSpPr>
+        <a:xfrm>
+          <a:off x="0" y="0"/>
+          <a:ext cx="0" cy="0"/>
+          <a:chOff x="0" y="0"/>
+          <a:chExt cx="0" cy="0"/>
+        </a:xfrm>
+      </p:grpSpPr>
+      <p:sp>
+        <p:nvSpPr>
+          <p:cNvPr id="2" name="Заголовок 1"/>
+          <p:cNvSpPr>
+            <a:spLocks noGrp="1"/>
+          </p:cNvSpPr>
+          <p:nvPr>
+            <p:ph type="title"/>
+          </p:nvPr>
+        </p:nvSpPr>
+        <p:spPr/>
+        <p:txBody>
+          <a:bodyPr/>
+          <a:lstStyle/>
+          <a:p>
+            <a:endParaRPr lang="ru-RU"/>
+          </a:p>
+        </p:txBody>
+      </p:sp>
+      <p:pic>
+        <p:nvPicPr>
+          <p:cNvPr id="5" name="Объект 4"/>
+          <p:cNvPicPr>
+            <a:picLocks noGrp="1" noChangeAspect="1"/>
+          </p:cNvPicPr>
+          <p:nvPr>
+            <p:ph idx="1"/>
+          </p:nvPr>
+        </p:nvPicPr>
+        <p:blipFill>
+          <a:blip r:embed="rId2">
+            <a:extLst>
+              <a:ext uri="{28A0092B-C50C-407E-A947-70E740481C1C}">
+                <a14:useLocalDpi xmlns:a14="http://schemas.microsoft.com/office/drawing/2010/main" val="0"/>
+              </a:ext>
+            </a:extLst>
+          </a:blip>
+          <a:stretch>
+            <a:fillRect/>
+          </a:stretch>
+        </p:blipFill>
+        <p:spPr>
+          <a:xfrm>
+            <a:off x="0" y="1311146"/>
+            <a:ext cx="11285798" cy="4792599"/>
+          </a:xfrm>
+        </p:spPr>
+      </p:pic>
+    </p:spTree>
+    <p:extLst>
+      <p:ext uri="{BB962C8B-B14F-4D97-AF65-F5344CB8AC3E}">
+        <p14:creationId xmlns:p14="http://schemas.microsoft.com/office/powerpoint/2010/main" val="3718143761"/>
+      </p:ext>
+    </p:extLst>
+  </p:cSld>
+  <p:clrMapOvr>
+    <a:masterClrMapping/>
+  </p:clrMapOvr>
+  <mc:AlternateContent xmlns:mc="http://schemas.openxmlformats.org/markup-compatibility/2006">
+    <mc:Choice xmlns:p14="http://schemas.microsoft.com/office/powerpoint/2010/main" Requires="p14">
+      <p:transition spd="slow" p14:dur="1600">
+        <p14:conveyor dir="l"/>
+      </p:transition>
+    </mc:Choice>
+    <mc:Fallback>
+      <p:transition spd="slow">
+        <p:fade/>
+      </p:transition>
+    </mc:Fallback>
+  </mc:AlternateContent>
+</p:sld>
+</file>
+
+<file path=ppt/slides/slide22.xml><?xml version="1.0" encoding="utf-8"?>
+<p:sld xmlns:a="http://schemas.openxmlformats.org/drawingml/2006/main" xmlns:r="http://schemas.openxmlformats.org/officeDocument/2006/relationships" xmlns:p="http://schemas.openxmlformats.org/presentationml/2006/main">
+  <p:cSld>
+    <p:spTree>
+      <p:nvGrpSpPr>
+        <p:cNvPr id="1" name=""/>
+        <p:cNvGrpSpPr/>
+        <p:nvPr/>
+      </p:nvGrpSpPr>
+      <p:grpSpPr>
+        <a:xfrm>
+          <a:off x="0" y="0"/>
+          <a:ext cx="0" cy="0"/>
+          <a:chOff x="0" y="0"/>
+          <a:chExt cx="0" cy="0"/>
+        </a:xfrm>
+      </p:grpSpPr>
+      <p:sp>
+        <p:nvSpPr>
+          <p:cNvPr id="2" name="Заголовок 1"/>
+          <p:cNvSpPr>
+            <a:spLocks noGrp="1"/>
+          </p:cNvSpPr>
+          <p:nvPr>
+            <p:ph type="title"/>
+          </p:nvPr>
+        </p:nvSpPr>
+        <p:spPr/>
+        <p:txBody>
+          <a:bodyPr/>
+          <a:lstStyle/>
+          <a:p>
+            <a:endParaRPr lang="ru-RU"/>
+          </a:p>
+        </p:txBody>
+      </p:sp>
+      <p:pic>
+        <p:nvPicPr>
+          <p:cNvPr id="4" name="Объект 3"/>
+          <p:cNvPicPr>
+            <a:picLocks noGrp="1" noChangeAspect="1"/>
+          </p:cNvPicPr>
+          <p:nvPr>
+            <p:ph idx="1"/>
+          </p:nvPr>
+        </p:nvPicPr>
+        <p:blipFill>
+          <a:blip r:embed="rId2">
+            <a:extLst>
+              <a:ext uri="{28A0092B-C50C-407E-A947-70E740481C1C}">
+                <a14:useLocalDpi xmlns:a14="http://schemas.microsoft.com/office/drawing/2010/main" val="0"/>
+              </a:ext>
+            </a:extLst>
+          </a:blip>
+          <a:stretch>
+            <a:fillRect/>
+          </a:stretch>
+        </p:blipFill>
+        <p:spPr>
+          <a:xfrm>
+            <a:off x="0" y="1311146"/>
+            <a:ext cx="11765599" cy="4412998"/>
+          </a:xfrm>
+        </p:spPr>
+      </p:pic>
+    </p:spTree>
+    <p:extLst>
+      <p:ext uri="{BB962C8B-B14F-4D97-AF65-F5344CB8AC3E}">
+        <p14:creationId xmlns:p14="http://schemas.microsoft.com/office/powerpoint/2010/main" val="2211779490"/>
+      </p:ext>
+    </p:extLst>
+  </p:cSld>
+  <p:clrMapOvr>
+    <a:masterClrMapping/>
+  </p:clrMapOvr>
+  <mc:AlternateContent xmlns:mc="http://schemas.openxmlformats.org/markup-compatibility/2006">
+    <mc:Choice xmlns:p14="http://schemas.microsoft.com/office/powerpoint/2010/main" Requires="p14">
+      <p:transition spd="slow" p14:dur="1600">
+        <p14:conveyor dir="l"/>
+      </p:transition>
+    </mc:Choice>
+    <mc:Fallback>
+      <p:transition spd="slow">
+        <p:fade/>
+      </p:transition>
+    </mc:Fallback>
+  </mc:AlternateContent>
+</p:sld>
+</file>
+
+<file path=ppt/slides/slide23.xml><?xml version="1.0" encoding="utf-8"?>
+<p:sld xmlns:a="http://schemas.openxmlformats.org/drawingml/2006/main" xmlns:r="http://schemas.openxmlformats.org/officeDocument/2006/relationships" xmlns:p="http://schemas.openxmlformats.org/presentationml/2006/main">
+  <p:cSld>
+    <p:spTree>
+      <p:nvGrpSpPr>
+        <p:cNvPr id="1" name=""/>
+        <p:cNvGrpSpPr/>
+        <p:nvPr/>
+      </p:nvGrpSpPr>
+      <p:grpSpPr>
+        <a:xfrm>
+          <a:off x="0" y="0"/>
+          <a:ext cx="0" cy="0"/>
+          <a:chOff x="0" y="0"/>
+          <a:chExt cx="0" cy="0"/>
+        </a:xfrm>
+      </p:grpSpPr>
+      <p:sp>
+        <p:nvSpPr>
+          <p:cNvPr id="2" name="Заголовок 1"/>
+          <p:cNvSpPr>
+            <a:spLocks noGrp="1"/>
+          </p:cNvSpPr>
+          <p:nvPr>
+            <p:ph type="title"/>
+          </p:nvPr>
+        </p:nvSpPr>
+        <p:spPr/>
+        <p:txBody>
+          <a:bodyPr/>
+          <a:lstStyle/>
+          <a:p>
+            <a:endParaRPr lang="ru-RU"/>
+          </a:p>
+        </p:txBody>
+      </p:sp>
+      <p:pic>
+        <p:nvPicPr>
+          <p:cNvPr id="4" name="Объект 3"/>
+          <p:cNvPicPr>
+            <a:picLocks noGrp="1" noChangeAspect="1"/>
+          </p:cNvPicPr>
+          <p:nvPr>
+            <p:ph idx="1"/>
+          </p:nvPr>
+        </p:nvPicPr>
+        <p:blipFill>
+          <a:blip r:embed="rId2">
+            <a:extLst>
+              <a:ext uri="{28A0092B-C50C-407E-A947-70E740481C1C}">
+                <a14:useLocalDpi xmlns:a14="http://schemas.microsoft.com/office/drawing/2010/main" val="0"/>
+              </a:ext>
+            </a:extLst>
+          </a:blip>
+          <a:stretch>
+            <a:fillRect/>
+          </a:stretch>
+        </p:blipFill>
+        <p:spPr>
+          <a:xfrm>
+            <a:off x="-1" y="1311146"/>
+            <a:ext cx="10814897" cy="4220974"/>
+          </a:xfrm>
+        </p:spPr>
+      </p:pic>
+    </p:spTree>
+    <p:extLst>
+      <p:ext uri="{BB962C8B-B14F-4D97-AF65-F5344CB8AC3E}">
+        <p14:creationId xmlns:p14="http://schemas.microsoft.com/office/powerpoint/2010/main" val="2304293095"/>
+      </p:ext>
+    </p:extLst>
+  </p:cSld>
+  <p:clrMapOvr>
+    <a:masterClrMapping/>
+  </p:clrMapOvr>
+  <mc:AlternateContent xmlns:mc="http://schemas.openxmlformats.org/markup-compatibility/2006">
+    <mc:Choice xmlns:p14="http://schemas.microsoft.com/office/powerpoint/2010/main" Requires="p14">
+      <p:transition spd="slow" p14:dur="1600">
+        <p14:conveyor dir="l"/>
+      </p:transition>
+    </mc:Choice>
+    <mc:Fallback>
+      <p:transition spd="slow">
+        <p:fade/>
+      </p:transition>
+    </mc:Fallback>
+  </mc:AlternateContent>
+</p:sld>
+</file>
+
+<file path=ppt/slides/slide24.xml><?xml version="1.0" encoding="utf-8"?>
 <p:sld xmlns:a="http://schemas.openxmlformats.org/drawingml/2006/main" xmlns:r="http://schemas.openxmlformats.org/officeDocument/2006/relationships" xmlns:p="http://schemas.openxmlformats.org/presentationml/2006/main">
   <p:cSld>
     <p:spTree>
@@ -8588,7 +8861,7 @@
 </p:sld>
 </file>
 
-<file path=ppt/slides/slide22.xml><?xml version="1.0" encoding="utf-8"?>
+<file path=ppt/slides/slide25.xml><?xml version="1.0" encoding="utf-8"?>
 <p:sld xmlns:a="http://schemas.openxmlformats.org/drawingml/2006/main" xmlns:r="http://schemas.openxmlformats.org/officeDocument/2006/relationships" xmlns:p="http://schemas.openxmlformats.org/presentationml/2006/main">
   <p:cSld>
     <p:spTree>
@@ -8610,7 +8883,7 @@
           <p:cNvPr id="2" name="Заголовок 1">
             <a:extLst>
               <a:ext uri="{FF2B5EF4-FFF2-40B4-BE49-F238E27FC236}">
-                <a16:creationId xmlns:a16="http://schemas.microsoft.com/office/drawing/2014/main" id="{A3732BAE-8A3F-D79B-2ABD-B14A3765276F}"/>
+                <a16:creationId xmlns:a16="http://schemas.microsoft.com/office/drawing/2014/main" xmlns="" id="{A3732BAE-8A3F-D79B-2ABD-B14A3765276F}"/>
               </a:ext>
             </a:extLst>
           </p:cNvPr>
@@ -8635,7 +8908,7 @@
           <p:cNvPr id="3" name="Объект 2">
             <a:extLst>
               <a:ext uri="{FF2B5EF4-FFF2-40B4-BE49-F238E27FC236}">
-                <a16:creationId xmlns:a16="http://schemas.microsoft.com/office/drawing/2014/main" id="{6926BF9A-6005-6792-2EC1-0585F8A5AF40}"/>
+                <a16:creationId xmlns:a16="http://schemas.microsoft.com/office/drawing/2014/main" xmlns="" id="{6926BF9A-6005-6792-2EC1-0585F8A5AF40}"/>
               </a:ext>
             </a:extLst>
           </p:cNvPr>
@@ -8660,7 +8933,7 @@
           <p:cNvPr id="4" name="Заголовок 1">
             <a:extLst>
               <a:ext uri="{FF2B5EF4-FFF2-40B4-BE49-F238E27FC236}">
-                <a16:creationId xmlns:a16="http://schemas.microsoft.com/office/drawing/2014/main" id="{616EB321-6BB3-9DB7-EA04-86200C0ABE36}"/>
+                <a16:creationId xmlns:a16="http://schemas.microsoft.com/office/drawing/2014/main" xmlns="" id="{616EB321-6BB3-9DB7-EA04-86200C0ABE36}"/>
               </a:ext>
             </a:extLst>
           </p:cNvPr>
@@ -8871,7 +9144,7 @@
 </p:sld>
 </file>
 
-<file path=ppt/slides/slide23.xml><?xml version="1.0" encoding="utf-8"?>
+<file path=ppt/slides/slide26.xml><?xml version="1.0" encoding="utf-8"?>
 <p:sld xmlns:a="http://schemas.openxmlformats.org/drawingml/2006/main" xmlns:r="http://schemas.openxmlformats.org/officeDocument/2006/relationships" xmlns:p="http://schemas.openxmlformats.org/presentationml/2006/main">
   <p:cSld>
     <p:spTree>
@@ -8893,7 +9166,7 @@
           <p:cNvPr id="2" name="Заголовок 1">
             <a:extLst>
               <a:ext uri="{FF2B5EF4-FFF2-40B4-BE49-F238E27FC236}">
-                <a16:creationId xmlns:a16="http://schemas.microsoft.com/office/drawing/2014/main" id="{5F268B84-BD0E-A667-5281-A198C258FF5E}"/>
+                <a16:creationId xmlns:a16="http://schemas.microsoft.com/office/drawing/2014/main" xmlns="" id="{5F268B84-BD0E-A667-5281-A198C258FF5E}"/>
               </a:ext>
             </a:extLst>
           </p:cNvPr>
@@ -8918,7 +9191,7 @@
           <p:cNvPr id="3" name="Объект 2">
             <a:extLst>
               <a:ext uri="{FF2B5EF4-FFF2-40B4-BE49-F238E27FC236}">
-                <a16:creationId xmlns:a16="http://schemas.microsoft.com/office/drawing/2014/main" id="{D7B180D4-D78B-8A3F-2188-1C1EDC8D0BDE}"/>
+                <a16:creationId xmlns:a16="http://schemas.microsoft.com/office/drawing/2014/main" xmlns="" id="{D7B180D4-D78B-8A3F-2188-1C1EDC8D0BDE}"/>
               </a:ext>
             </a:extLst>
           </p:cNvPr>
@@ -8943,7 +9216,7 @@
           <p:cNvPr id="4" name="Рисунок 3">
             <a:extLst>
               <a:ext uri="{FF2B5EF4-FFF2-40B4-BE49-F238E27FC236}">
-                <a16:creationId xmlns:a16="http://schemas.microsoft.com/office/drawing/2014/main" id="{B7F97280-BA4D-1DB7-B2A3-D49BD7B2A7E0}"/>
+                <a16:creationId xmlns:a16="http://schemas.microsoft.com/office/drawing/2014/main" xmlns="" id="{B7F97280-BA4D-1DB7-B2A3-D49BD7B2A7E0}"/>
               </a:ext>
             </a:extLst>
           </p:cNvPr>
@@ -9111,7 +9384,7 @@
 </p:sld>
 </file>
 
-<file path=ppt/slides/slide24.xml><?xml version="1.0" encoding="utf-8"?>
+<file path=ppt/slides/slide27.xml><?xml version="1.0" encoding="utf-8"?>
 <p:sld xmlns:a="http://schemas.openxmlformats.org/drawingml/2006/main" xmlns:r="http://schemas.openxmlformats.org/officeDocument/2006/relationships" xmlns:p="http://schemas.openxmlformats.org/presentationml/2006/main">
   <p:cSld>
     <p:spTree>
@@ -9525,7 +9798,7 @@
           <p:cNvPr id="3" name="Рисунок 2">
             <a:extLst>
               <a:ext uri="{FF2B5EF4-FFF2-40B4-BE49-F238E27FC236}">
-                <a16:creationId xmlns:a16="http://schemas.microsoft.com/office/drawing/2014/main" id="{42FA720C-D720-9FCB-6109-F4ADCEA0071F}"/>
+                <a16:creationId xmlns:a16="http://schemas.microsoft.com/office/drawing/2014/main" xmlns="" id="{42FA720C-D720-9FCB-6109-F4ADCEA0071F}"/>
               </a:ext>
             </a:extLst>
           </p:cNvPr>
@@ -10656,7 +10929,7 @@
 </p:sld>
 </file>
 
-<file path=ppt/slides/slide25.xml><?xml version="1.0" encoding="utf-8"?>
+<file path=ppt/slides/slide28.xml><?xml version="1.0" encoding="utf-8"?>
 <p:sld xmlns:a="http://schemas.openxmlformats.org/drawingml/2006/main" xmlns:r="http://schemas.openxmlformats.org/officeDocument/2006/relationships" xmlns:p="http://schemas.openxmlformats.org/presentationml/2006/main">
   <p:cSld>
     <p:spTree>
@@ -10678,7 +10951,7 @@
           <p:cNvPr id="2" name="Заголовок 1">
             <a:extLst>
               <a:ext uri="{FF2B5EF4-FFF2-40B4-BE49-F238E27FC236}">
-                <a16:creationId xmlns:a16="http://schemas.microsoft.com/office/drawing/2014/main" id="{B10D2DE4-F911-4FCC-BC6D-DD44F8E1A5F8}"/>
+                <a16:creationId xmlns:a16="http://schemas.microsoft.com/office/drawing/2014/main" xmlns="" id="{B10D2DE4-F911-4FCC-BC6D-DD44F8E1A5F8}"/>
               </a:ext>
             </a:extLst>
           </p:cNvPr>
@@ -10703,7 +10976,7 @@
           <p:cNvPr id="3" name="Объект 2">
             <a:extLst>
               <a:ext uri="{FF2B5EF4-FFF2-40B4-BE49-F238E27FC236}">
-                <a16:creationId xmlns:a16="http://schemas.microsoft.com/office/drawing/2014/main" id="{75A4424E-A07B-8012-1F48-D7474359F055}"/>
+                <a16:creationId xmlns:a16="http://schemas.microsoft.com/office/drawing/2014/main" xmlns="" id="{75A4424E-A07B-8012-1F48-D7474359F055}"/>
               </a:ext>
             </a:extLst>
           </p:cNvPr>
@@ -10728,7 +11001,7 @@
           <p:cNvPr id="4" name="Рисунок 3">
             <a:extLst>
               <a:ext uri="{FF2B5EF4-FFF2-40B4-BE49-F238E27FC236}">
-                <a16:creationId xmlns:a16="http://schemas.microsoft.com/office/drawing/2014/main" id="{F9FB96FB-FA61-9FC9-6D87-D48CB30D143E}"/>
+                <a16:creationId xmlns:a16="http://schemas.microsoft.com/office/drawing/2014/main" xmlns="" id="{F9FB96FB-FA61-9FC9-6D87-D48CB30D143E}"/>
               </a:ext>
             </a:extLst>
           </p:cNvPr>
@@ -10861,7 +11134,7 @@
 </p:sld>
 </file>
 
-<file path=ppt/slides/slide26.xml><?xml version="1.0" encoding="utf-8"?>
+<file path=ppt/slides/slide29.xml><?xml version="1.0" encoding="utf-8"?>
 <p:sld xmlns:a="http://schemas.openxmlformats.org/drawingml/2006/main" xmlns:r="http://schemas.openxmlformats.org/officeDocument/2006/relationships" xmlns:p="http://schemas.openxmlformats.org/presentationml/2006/main">
   <p:cSld>
     <p:spTree>
@@ -10883,7 +11156,7 @@
           <p:cNvPr id="2" name="Заголовок 1">
             <a:extLst>
               <a:ext uri="{FF2B5EF4-FFF2-40B4-BE49-F238E27FC236}">
-                <a16:creationId xmlns:a16="http://schemas.microsoft.com/office/drawing/2014/main" id="{ACCE8EAF-E6CB-1845-6F8F-0F0214E22699}"/>
+                <a16:creationId xmlns:a16="http://schemas.microsoft.com/office/drawing/2014/main" xmlns="" id="{ACCE8EAF-E6CB-1845-6F8F-0F0214E22699}"/>
               </a:ext>
             </a:extLst>
           </p:cNvPr>
@@ -10908,7 +11181,7 @@
           <p:cNvPr id="3" name="Объект 2">
             <a:extLst>
               <a:ext uri="{FF2B5EF4-FFF2-40B4-BE49-F238E27FC236}">
-                <a16:creationId xmlns:a16="http://schemas.microsoft.com/office/drawing/2014/main" id="{AAC7EABF-DC8F-5CAF-BE7E-2E2DD1834E06}"/>
+                <a16:creationId xmlns:a16="http://schemas.microsoft.com/office/drawing/2014/main" xmlns="" id="{AAC7EABF-DC8F-5CAF-BE7E-2E2DD1834E06}"/>
               </a:ext>
             </a:extLst>
           </p:cNvPr>
@@ -10933,7 +11206,7 @@
           <p:cNvPr id="5" name="Рисунок 4">
             <a:extLst>
               <a:ext uri="{FF2B5EF4-FFF2-40B4-BE49-F238E27FC236}">
-                <a16:creationId xmlns:a16="http://schemas.microsoft.com/office/drawing/2014/main" id="{E9D6E630-6FBB-0311-40CD-294FEF04F55F}"/>
+                <a16:creationId xmlns:a16="http://schemas.microsoft.com/office/drawing/2014/main" xmlns="" id="{E9D6E630-6FBB-0311-40CD-294FEF04F55F}"/>
               </a:ext>
             </a:extLst>
           </p:cNvPr>
@@ -10962,2552 +11235,6 @@
     <p:extLst>
       <p:ext uri="{BB962C8B-B14F-4D97-AF65-F5344CB8AC3E}">
         <p14:creationId xmlns:p14="http://schemas.microsoft.com/office/powerpoint/2010/main" val="4041203990"/>
-      </p:ext>
-    </p:extLst>
-  </p:cSld>
-  <p:clrMapOvr>
-    <a:masterClrMapping/>
-  </p:clrMapOvr>
-  <mc:AlternateContent xmlns:mc="http://schemas.openxmlformats.org/markup-compatibility/2006" xmlns:p14="http://schemas.microsoft.com/office/powerpoint/2010/main">
-    <mc:Choice Requires="p14">
-      <p:transition spd="slow" p14:dur="1600">
-        <p14:conveyor dir="l"/>
-      </p:transition>
-    </mc:Choice>
-    <mc:Fallback xmlns="">
-      <p:transition spd="slow">
-        <p:fade/>
-      </p:transition>
-    </mc:Fallback>
-  </mc:AlternateContent>
-</p:sld>
-</file>
-
-<file path=ppt/slides/slide27.xml><?xml version="1.0" encoding="utf-8"?>
-<p:sld xmlns:a="http://schemas.openxmlformats.org/drawingml/2006/main" xmlns:r="http://schemas.openxmlformats.org/officeDocument/2006/relationships" xmlns:p="http://schemas.openxmlformats.org/presentationml/2006/main">
-  <p:cSld>
-    <p:spTree>
-      <p:nvGrpSpPr>
-        <p:cNvPr id="1" name=""/>
-        <p:cNvGrpSpPr/>
-        <p:nvPr/>
-      </p:nvGrpSpPr>
-      <p:grpSpPr>
-        <a:xfrm>
-          <a:off x="0" y="0"/>
-          <a:ext cx="0" cy="0"/>
-          <a:chOff x="0" y="0"/>
-          <a:chExt cx="0" cy="0"/>
-        </a:xfrm>
-      </p:grpSpPr>
-      <p:graphicFrame>
-        <p:nvGraphicFramePr>
-          <p:cNvPr id="5" name="Таблица 4">
-            <a:extLst>
-              <a:ext uri="{FF2B5EF4-FFF2-40B4-BE49-F238E27FC236}">
-                <a16:creationId xmlns:a16="http://schemas.microsoft.com/office/drawing/2014/main" id="{4952D306-988C-CB5C-78B2-EAB0E370439F}"/>
-              </a:ext>
-            </a:extLst>
-          </p:cNvPr>
-          <p:cNvGraphicFramePr>
-            <a:graphicFrameLocks noGrp="1"/>
-          </p:cNvGraphicFramePr>
-          <p:nvPr>
-            <p:extLst>
-              <p:ext uri="{D42A27DB-BD31-4B8C-83A1-F6EECF244321}">
-                <p14:modId xmlns:p14="http://schemas.microsoft.com/office/powerpoint/2010/main" val="3311870221"/>
-              </p:ext>
-            </p:extLst>
-          </p:nvPr>
-        </p:nvGraphicFramePr>
-        <p:xfrm>
-          <a:off x="3375378" y="502920"/>
-          <a:ext cx="8461022" cy="5852160"/>
-        </p:xfrm>
-        <a:graphic>
-          <a:graphicData uri="http://schemas.openxmlformats.org/drawingml/2006/table">
-            <a:tbl>
-              <a:tblPr firstRow="1" bandRow="1">
-                <a:tableStyleId>{5C22544A-7EE6-4342-B048-85BDC9FD1C3A}</a:tableStyleId>
-              </a:tblPr>
-              <a:tblGrid>
-                <a:gridCol w="4230511">
-                  <a:extLst>
-                    <a:ext uri="{9D8B030D-6E8A-4147-A177-3AD203B41FA5}">
-                      <a16:colId xmlns:a16="http://schemas.microsoft.com/office/drawing/2014/main" val="3548131193"/>
-                    </a:ext>
-                  </a:extLst>
-                </a:gridCol>
-                <a:gridCol w="4230511">
-                  <a:extLst>
-                    <a:ext uri="{9D8B030D-6E8A-4147-A177-3AD203B41FA5}">
-                      <a16:colId xmlns:a16="http://schemas.microsoft.com/office/drawing/2014/main" val="798492654"/>
-                    </a:ext>
-                  </a:extLst>
-                </a:gridCol>
-              </a:tblGrid>
-              <a:tr h="328436">
-                <a:tc>
-                  <a:txBody>
-                    <a:bodyPr/>
-                    <a:lstStyle/>
-                    <a:p>
-                      <a:r>
-                        <a:rPr lang="en-US" dirty="0"/>
-                        <a:t>Algorithm name</a:t>
-                      </a:r>
-                    </a:p>
-                  </a:txBody>
-                  <a:tcPr>
-                    <a:solidFill>
-                      <a:srgbClr val="A4B2D8"/>
-                    </a:solidFill>
-                  </a:tcPr>
-                </a:tc>
-                <a:tc>
-                  <a:txBody>
-                    <a:bodyPr/>
-                    <a:lstStyle/>
-                    <a:p>
-                      <a:r>
-                        <a:rPr lang="en-US" dirty="0"/>
-                        <a:t>Time consumption (milliseconds)</a:t>
-                      </a:r>
-                    </a:p>
-                  </a:txBody>
-                  <a:tcPr>
-                    <a:solidFill>
-                      <a:srgbClr val="A4B2D8"/>
-                    </a:solidFill>
-                  </a:tcPr>
-                </a:tc>
-                <a:extLst>
-                  <a:ext uri="{0D108BD9-81ED-4DB2-BD59-A6C34878D82A}">
-                    <a16:rowId xmlns:a16="http://schemas.microsoft.com/office/drawing/2014/main" val="2796281045"/>
-                  </a:ext>
-                </a:extLst>
-              </a:tr>
-              <a:tr h="328436">
-                <a:tc>
-                  <a:txBody>
-                    <a:bodyPr/>
-                    <a:lstStyle/>
-                    <a:p>
-                      <a:r>
-                        <a:rPr lang="en-US" dirty="0"/>
-                        <a:t>Naïve</a:t>
-                      </a:r>
-                    </a:p>
-                  </a:txBody>
-                  <a:tcPr/>
-                </a:tc>
-                <a:tc>
-                  <a:txBody>
-                    <a:bodyPr/>
-                    <a:lstStyle/>
-                    <a:p>
-                      <a:r>
-                        <a:rPr lang="en-US" dirty="0"/>
-                        <a:t>0.6</a:t>
-                      </a:r>
-                    </a:p>
-                  </a:txBody>
-                  <a:tcPr/>
-                </a:tc>
-                <a:extLst>
-                  <a:ext uri="{0D108BD9-81ED-4DB2-BD59-A6C34878D82A}">
-                    <a16:rowId xmlns:a16="http://schemas.microsoft.com/office/drawing/2014/main" val="3713335356"/>
-                  </a:ext>
-                </a:extLst>
-              </a:tr>
-              <a:tr h="328436">
-                <a:tc>
-                  <a:txBody>
-                    <a:bodyPr/>
-                    <a:lstStyle/>
-                    <a:p>
-                      <a:r>
-                        <a:rPr lang="en-US" dirty="0"/>
-                        <a:t>Knuth-Morris-Pratt</a:t>
-                      </a:r>
-                    </a:p>
-                  </a:txBody>
-                  <a:tcPr/>
-                </a:tc>
-                <a:tc>
-                  <a:txBody>
-                    <a:bodyPr/>
-                    <a:lstStyle/>
-                    <a:p>
-                      <a:r>
-                        <a:rPr lang="en-US" dirty="0"/>
-                        <a:t>0.5</a:t>
-                      </a:r>
-                    </a:p>
-                  </a:txBody>
-                  <a:tcPr/>
-                </a:tc>
-                <a:extLst>
-                  <a:ext uri="{0D108BD9-81ED-4DB2-BD59-A6C34878D82A}">
-                    <a16:rowId xmlns:a16="http://schemas.microsoft.com/office/drawing/2014/main" val="2529639451"/>
-                  </a:ext>
-                </a:extLst>
-              </a:tr>
-              <a:tr h="328436">
-                <a:tc>
-                  <a:txBody>
-                    <a:bodyPr/>
-                    <a:lstStyle/>
-                    <a:p>
-                      <a:r>
-                        <a:rPr lang="en-US" dirty="0"/>
-                        <a:t>Boyer-Moore</a:t>
-                      </a:r>
-                    </a:p>
-                  </a:txBody>
-                  <a:tcPr/>
-                </a:tc>
-                <a:tc>
-                  <a:txBody>
-                    <a:bodyPr/>
-                    <a:lstStyle/>
-                    <a:p>
-                      <a:r>
-                        <a:rPr lang="en-US" dirty="0"/>
-                        <a:t>0.3</a:t>
-                      </a:r>
-                    </a:p>
-                  </a:txBody>
-                  <a:tcPr/>
-                </a:tc>
-                <a:extLst>
-                  <a:ext uri="{0D108BD9-81ED-4DB2-BD59-A6C34878D82A}">
-                    <a16:rowId xmlns:a16="http://schemas.microsoft.com/office/drawing/2014/main" val="901445339"/>
-                  </a:ext>
-                </a:extLst>
-              </a:tr>
-              <a:tr h="328436">
-                <a:tc>
-                  <a:txBody>
-                    <a:bodyPr/>
-                    <a:lstStyle/>
-                    <a:p>
-                      <a:r>
-                        <a:rPr lang="en-US" dirty="0"/>
-                        <a:t>Rabin-Karp</a:t>
-                      </a:r>
-                    </a:p>
-                  </a:txBody>
-                  <a:tcPr/>
-                </a:tc>
-                <a:tc>
-                  <a:txBody>
-                    <a:bodyPr/>
-                    <a:lstStyle/>
-                    <a:p>
-                      <a:r>
-                        <a:rPr lang="en-US" dirty="0"/>
-                        <a:t>0.4</a:t>
-                      </a:r>
-                    </a:p>
-                  </a:txBody>
-                  <a:tcPr/>
-                </a:tc>
-                <a:extLst>
-                  <a:ext uri="{0D108BD9-81ED-4DB2-BD59-A6C34878D82A}">
-                    <a16:rowId xmlns:a16="http://schemas.microsoft.com/office/drawing/2014/main" val="3389220492"/>
-                  </a:ext>
-                </a:extLst>
-              </a:tr>
-              <a:tr h="328436">
-                <a:tc>
-                  <a:txBody>
-                    <a:bodyPr/>
-                    <a:lstStyle/>
-                    <a:p>
-                      <a:r>
-                        <a:rPr lang="en-US" dirty="0"/>
-                        <a:t>Shift-Or</a:t>
-                      </a:r>
-                    </a:p>
-                  </a:txBody>
-                  <a:tcPr/>
-                </a:tc>
-                <a:tc>
-                  <a:txBody>
-                    <a:bodyPr/>
-                    <a:lstStyle/>
-                    <a:p>
-                      <a:r>
-                        <a:rPr lang="en-US" dirty="0"/>
-                        <a:t>0.1</a:t>
-                      </a:r>
-                    </a:p>
-                  </a:txBody>
-                  <a:tcPr/>
-                </a:tc>
-                <a:extLst>
-                  <a:ext uri="{0D108BD9-81ED-4DB2-BD59-A6C34878D82A}">
-                    <a16:rowId xmlns:a16="http://schemas.microsoft.com/office/drawing/2014/main" val="2089200656"/>
-                  </a:ext>
-                </a:extLst>
-              </a:tr>
-              <a:tr h="328436">
-                <a:tc>
-                  <a:txBody>
-                    <a:bodyPr/>
-                    <a:lstStyle/>
-                    <a:p>
-                      <a:r>
-                        <a:rPr lang="en-US" dirty="0"/>
-                        <a:t>Naïve</a:t>
-                      </a:r>
-                    </a:p>
-                  </a:txBody>
-                  <a:tcPr/>
-                </a:tc>
-                <a:tc>
-                  <a:txBody>
-                    <a:bodyPr/>
-                    <a:lstStyle/>
-                    <a:p>
-                      <a:r>
-                        <a:rPr lang="en-US" dirty="0"/>
-                        <a:t>0.5</a:t>
-                      </a:r>
-                    </a:p>
-                  </a:txBody>
-                  <a:tcPr/>
-                </a:tc>
-                <a:extLst>
-                  <a:ext uri="{0D108BD9-81ED-4DB2-BD59-A6C34878D82A}">
-                    <a16:rowId xmlns:a16="http://schemas.microsoft.com/office/drawing/2014/main" val="4118949036"/>
-                  </a:ext>
-                </a:extLst>
-              </a:tr>
-              <a:tr h="328436">
-                <a:tc>
-                  <a:txBody>
-                    <a:bodyPr/>
-                    <a:lstStyle/>
-                    <a:p>
-                      <a:r>
-                        <a:rPr lang="en-US" dirty="0"/>
-                        <a:t>Knuth-Morris-Pratt</a:t>
-                      </a:r>
-                    </a:p>
-                  </a:txBody>
-                  <a:tcPr/>
-                </a:tc>
-                <a:tc>
-                  <a:txBody>
-                    <a:bodyPr/>
-                    <a:lstStyle/>
-                    <a:p>
-                      <a:r>
-                        <a:rPr lang="en-US" dirty="0"/>
-                        <a:t>0.4</a:t>
-                      </a:r>
-                    </a:p>
-                  </a:txBody>
-                  <a:tcPr/>
-                </a:tc>
-                <a:extLst>
-                  <a:ext uri="{0D108BD9-81ED-4DB2-BD59-A6C34878D82A}">
-                    <a16:rowId xmlns:a16="http://schemas.microsoft.com/office/drawing/2014/main" val="3362606704"/>
-                  </a:ext>
-                </a:extLst>
-              </a:tr>
-              <a:tr h="328436">
-                <a:tc>
-                  <a:txBody>
-                    <a:bodyPr/>
-                    <a:lstStyle/>
-                    <a:p>
-                      <a:r>
-                        <a:rPr lang="en-US" dirty="0"/>
-                        <a:t>Boyer-Moore</a:t>
-                      </a:r>
-                    </a:p>
-                  </a:txBody>
-                  <a:tcPr/>
-                </a:tc>
-                <a:tc>
-                  <a:txBody>
-                    <a:bodyPr/>
-                    <a:lstStyle/>
-                    <a:p>
-                      <a:r>
-                        <a:rPr lang="en-US" dirty="0"/>
-                        <a:t>0.3</a:t>
-                      </a:r>
-                    </a:p>
-                  </a:txBody>
-                  <a:tcPr/>
-                </a:tc>
-                <a:extLst>
-                  <a:ext uri="{0D108BD9-81ED-4DB2-BD59-A6C34878D82A}">
-                    <a16:rowId xmlns:a16="http://schemas.microsoft.com/office/drawing/2014/main" val="3791329073"/>
-                  </a:ext>
-                </a:extLst>
-              </a:tr>
-              <a:tr h="328436">
-                <a:tc>
-                  <a:txBody>
-                    <a:bodyPr/>
-                    <a:lstStyle/>
-                    <a:p>
-                      <a:r>
-                        <a:rPr lang="en-US" dirty="0"/>
-                        <a:t>Rabin-Karp</a:t>
-                      </a:r>
-                    </a:p>
-                  </a:txBody>
-                  <a:tcPr/>
-                </a:tc>
-                <a:tc>
-                  <a:txBody>
-                    <a:bodyPr/>
-                    <a:lstStyle/>
-                    <a:p>
-                      <a:r>
-                        <a:rPr lang="en-US" dirty="0"/>
-                        <a:t>0.45</a:t>
-                      </a:r>
-                    </a:p>
-                  </a:txBody>
-                  <a:tcPr/>
-                </a:tc>
-                <a:extLst>
-                  <a:ext uri="{0D108BD9-81ED-4DB2-BD59-A6C34878D82A}">
-                    <a16:rowId xmlns:a16="http://schemas.microsoft.com/office/drawing/2014/main" val="3209349693"/>
-                  </a:ext>
-                </a:extLst>
-              </a:tr>
-              <a:tr h="328436">
-                <a:tc>
-                  <a:txBody>
-                    <a:bodyPr/>
-                    <a:lstStyle/>
-                    <a:p>
-                      <a:r>
-                        <a:rPr lang="en-US" dirty="0"/>
-                        <a:t>Shift-Or</a:t>
-                      </a:r>
-                    </a:p>
-                  </a:txBody>
-                  <a:tcPr/>
-                </a:tc>
-                <a:tc>
-                  <a:txBody>
-                    <a:bodyPr/>
-                    <a:lstStyle/>
-                    <a:p>
-                      <a:r>
-                        <a:rPr lang="en-US" dirty="0"/>
-                        <a:t>0.4</a:t>
-                      </a:r>
-                    </a:p>
-                  </a:txBody>
-                  <a:tcPr/>
-                </a:tc>
-                <a:extLst>
-                  <a:ext uri="{0D108BD9-81ED-4DB2-BD59-A6C34878D82A}">
-                    <a16:rowId xmlns:a16="http://schemas.microsoft.com/office/drawing/2014/main" val="1975650176"/>
-                  </a:ext>
-                </a:extLst>
-              </a:tr>
-              <a:tr h="328436">
-                <a:tc>
-                  <a:txBody>
-                    <a:bodyPr/>
-                    <a:lstStyle/>
-                    <a:p>
-                      <a:r>
-                        <a:rPr lang="en-US" dirty="0"/>
-                        <a:t>Naïve</a:t>
-                      </a:r>
-                    </a:p>
-                  </a:txBody>
-                  <a:tcPr/>
-                </a:tc>
-                <a:tc>
-                  <a:txBody>
-                    <a:bodyPr/>
-                    <a:lstStyle/>
-                    <a:p>
-                      <a:r>
-                        <a:rPr lang="en-US" dirty="0"/>
-                        <a:t>1.3</a:t>
-                      </a:r>
-                    </a:p>
-                  </a:txBody>
-                  <a:tcPr/>
-                </a:tc>
-                <a:extLst>
-                  <a:ext uri="{0D108BD9-81ED-4DB2-BD59-A6C34878D82A}">
-                    <a16:rowId xmlns:a16="http://schemas.microsoft.com/office/drawing/2014/main" val="3451020826"/>
-                  </a:ext>
-                </a:extLst>
-              </a:tr>
-              <a:tr h="328436">
-                <a:tc>
-                  <a:txBody>
-                    <a:bodyPr/>
-                    <a:lstStyle/>
-                    <a:p>
-                      <a:r>
-                        <a:rPr lang="en-US" dirty="0"/>
-                        <a:t>Knuth-Morris-Pratt</a:t>
-                      </a:r>
-                    </a:p>
-                  </a:txBody>
-                  <a:tcPr/>
-                </a:tc>
-                <a:tc>
-                  <a:txBody>
-                    <a:bodyPr/>
-                    <a:lstStyle/>
-                    <a:p>
-                      <a:r>
-                        <a:rPr lang="en-US" dirty="0"/>
-                        <a:t>2.1</a:t>
-                      </a:r>
-                    </a:p>
-                  </a:txBody>
-                  <a:tcPr/>
-                </a:tc>
-                <a:extLst>
-                  <a:ext uri="{0D108BD9-81ED-4DB2-BD59-A6C34878D82A}">
-                    <a16:rowId xmlns:a16="http://schemas.microsoft.com/office/drawing/2014/main" val="4289574791"/>
-                  </a:ext>
-                </a:extLst>
-              </a:tr>
-              <a:tr h="328436">
-                <a:tc>
-                  <a:txBody>
-                    <a:bodyPr/>
-                    <a:lstStyle/>
-                    <a:p>
-                      <a:r>
-                        <a:rPr lang="en-US" dirty="0"/>
-                        <a:t>Boyer-Moore</a:t>
-                      </a:r>
-                    </a:p>
-                  </a:txBody>
-                  <a:tcPr/>
-                </a:tc>
-                <a:tc>
-                  <a:txBody>
-                    <a:bodyPr/>
-                    <a:lstStyle/>
-                    <a:p>
-                      <a:r>
-                        <a:rPr lang="en-US" dirty="0"/>
-                        <a:t>0.5</a:t>
-                      </a:r>
-                    </a:p>
-                  </a:txBody>
-                  <a:tcPr/>
-                </a:tc>
-                <a:extLst>
-                  <a:ext uri="{0D108BD9-81ED-4DB2-BD59-A6C34878D82A}">
-                    <a16:rowId xmlns:a16="http://schemas.microsoft.com/office/drawing/2014/main" val="2978295479"/>
-                  </a:ext>
-                </a:extLst>
-              </a:tr>
-              <a:tr h="328436">
-                <a:tc>
-                  <a:txBody>
-                    <a:bodyPr/>
-                    <a:lstStyle/>
-                    <a:p>
-                      <a:r>
-                        <a:rPr lang="en-US" dirty="0"/>
-                        <a:t>Rabin-Karp</a:t>
-                      </a:r>
-                    </a:p>
-                  </a:txBody>
-                  <a:tcPr/>
-                </a:tc>
-                <a:tc>
-                  <a:txBody>
-                    <a:bodyPr/>
-                    <a:lstStyle/>
-                    <a:p>
-                      <a:r>
-                        <a:rPr lang="en-US" dirty="0"/>
-                        <a:t>1.8</a:t>
-                      </a:r>
-                    </a:p>
-                  </a:txBody>
-                  <a:tcPr/>
-                </a:tc>
-                <a:extLst>
-                  <a:ext uri="{0D108BD9-81ED-4DB2-BD59-A6C34878D82A}">
-                    <a16:rowId xmlns:a16="http://schemas.microsoft.com/office/drawing/2014/main" val="3398165297"/>
-                  </a:ext>
-                </a:extLst>
-              </a:tr>
-              <a:tr h="328436">
-                <a:tc>
-                  <a:txBody>
-                    <a:bodyPr/>
-                    <a:lstStyle/>
-                    <a:p>
-                      <a:r>
-                        <a:rPr lang="en-US" dirty="0"/>
-                        <a:t>Shift-Or</a:t>
-                      </a:r>
-                    </a:p>
-                  </a:txBody>
-                  <a:tcPr/>
-                </a:tc>
-                <a:tc>
-                  <a:txBody>
-                    <a:bodyPr/>
-                    <a:lstStyle/>
-                    <a:p>
-                      <a:r>
-                        <a:rPr lang="en-US" dirty="0"/>
-                        <a:t>2.2</a:t>
-                      </a:r>
-                    </a:p>
-                  </a:txBody>
-                  <a:tcPr/>
-                </a:tc>
-                <a:extLst>
-                  <a:ext uri="{0D108BD9-81ED-4DB2-BD59-A6C34878D82A}">
-                    <a16:rowId xmlns:a16="http://schemas.microsoft.com/office/drawing/2014/main" val="3238298678"/>
-                  </a:ext>
-                </a:extLst>
-              </a:tr>
-            </a:tbl>
-          </a:graphicData>
-        </a:graphic>
-      </p:graphicFrame>
-      <p:sp>
-        <p:nvSpPr>
-          <p:cNvPr id="6" name="Прямоугольник 5">
-            <a:extLst>
-              <a:ext uri="{FF2B5EF4-FFF2-40B4-BE49-F238E27FC236}">
-                <a16:creationId xmlns:a16="http://schemas.microsoft.com/office/drawing/2014/main" id="{CCA8B701-0FF1-D8AF-2DD6-25A91B1BCABC}"/>
-              </a:ext>
-            </a:extLst>
-          </p:cNvPr>
-          <p:cNvSpPr/>
-          <p:nvPr/>
-        </p:nvSpPr>
-        <p:spPr>
-          <a:xfrm>
-            <a:off x="1659467" y="880533"/>
-            <a:ext cx="1715911" cy="1817511"/>
-          </a:xfrm>
-          <a:prstGeom prst="rect">
-            <a:avLst/>
-          </a:prstGeom>
-          <a:noFill/>
-          <a:ln>
-            <a:solidFill>
-              <a:schemeClr val="tx1"/>
-            </a:solidFill>
-          </a:ln>
-        </p:spPr>
-        <p:style>
-          <a:lnRef idx="2">
-            <a:schemeClr val="accent1">
-              <a:shade val="15000"/>
-            </a:schemeClr>
-          </a:lnRef>
-          <a:fillRef idx="1">
-            <a:schemeClr val="accent1"/>
-          </a:fillRef>
-          <a:effectRef idx="0">
-            <a:schemeClr val="accent1"/>
-          </a:effectRef>
-          <a:fontRef idx="minor">
-            <a:schemeClr val="lt1"/>
-          </a:fontRef>
-        </p:style>
-        <p:txBody>
-          <a:bodyPr rtlCol="0" anchor="ctr"/>
-          <a:lstStyle/>
-          <a:p>
-            <a:pPr algn="ctr"/>
-            <a:r>
-              <a:rPr lang="en-US" dirty="0">
-                <a:solidFill>
-                  <a:sysClr val="windowText" lastClr="000000"/>
-                </a:solidFill>
-              </a:rPr>
-              <a:t>Length: 20</a:t>
-            </a:r>
-          </a:p>
-        </p:txBody>
-      </p:sp>
-      <p:sp>
-        <p:nvSpPr>
-          <p:cNvPr id="8" name="Прямоугольник 7">
-            <a:extLst>
-              <a:ext uri="{FF2B5EF4-FFF2-40B4-BE49-F238E27FC236}">
-                <a16:creationId xmlns:a16="http://schemas.microsoft.com/office/drawing/2014/main" id="{725AEC3B-E23C-1531-B51B-33BEF347AC58}"/>
-              </a:ext>
-            </a:extLst>
-          </p:cNvPr>
-          <p:cNvSpPr/>
-          <p:nvPr/>
-        </p:nvSpPr>
-        <p:spPr>
-          <a:xfrm>
-            <a:off x="1659467" y="2698044"/>
-            <a:ext cx="1715911" cy="1817511"/>
-          </a:xfrm>
-          <a:prstGeom prst="rect">
-            <a:avLst/>
-          </a:prstGeom>
-          <a:noFill/>
-          <a:ln>
-            <a:solidFill>
-              <a:schemeClr val="tx1"/>
-            </a:solidFill>
-          </a:ln>
-        </p:spPr>
-        <p:style>
-          <a:lnRef idx="2">
-            <a:schemeClr val="accent1">
-              <a:shade val="15000"/>
-            </a:schemeClr>
-          </a:lnRef>
-          <a:fillRef idx="1">
-            <a:schemeClr val="accent1"/>
-          </a:fillRef>
-          <a:effectRef idx="0">
-            <a:schemeClr val="accent1"/>
-          </a:effectRef>
-          <a:fontRef idx="minor">
-            <a:schemeClr val="lt1"/>
-          </a:fontRef>
-        </p:style>
-        <p:txBody>
-          <a:bodyPr rtlCol="0" anchor="ctr"/>
-          <a:lstStyle/>
-          <a:p>
-            <a:pPr algn="ctr"/>
-            <a:r>
-              <a:rPr lang="en-US" dirty="0">
-                <a:solidFill>
-                  <a:sysClr val="windowText" lastClr="000000"/>
-                </a:solidFill>
-              </a:rPr>
-              <a:t>Length: </a:t>
-            </a:r>
-            <a:r>
-              <a:rPr lang="ru-RU" dirty="0">
-                <a:solidFill>
-                  <a:sysClr val="windowText" lastClr="000000"/>
-                </a:solidFill>
-              </a:rPr>
-              <a:t>100</a:t>
-            </a:r>
-            <a:r>
-              <a:rPr lang="en-US" dirty="0">
-                <a:solidFill>
-                  <a:sysClr val="windowText" lastClr="000000"/>
-                </a:solidFill>
-              </a:rPr>
-              <a:t>0</a:t>
-            </a:r>
-          </a:p>
-        </p:txBody>
-      </p:sp>
-      <p:sp>
-        <p:nvSpPr>
-          <p:cNvPr id="9" name="Прямоугольник 8">
-            <a:extLst>
-              <a:ext uri="{FF2B5EF4-FFF2-40B4-BE49-F238E27FC236}">
-                <a16:creationId xmlns:a16="http://schemas.microsoft.com/office/drawing/2014/main" id="{30C80BF9-0928-9C04-8217-E7BBD8024509}"/>
-              </a:ext>
-            </a:extLst>
-          </p:cNvPr>
-          <p:cNvSpPr/>
-          <p:nvPr/>
-        </p:nvSpPr>
-        <p:spPr>
-          <a:xfrm>
-            <a:off x="1659466" y="4515555"/>
-            <a:ext cx="1715911" cy="1817511"/>
-          </a:xfrm>
-          <a:prstGeom prst="rect">
-            <a:avLst/>
-          </a:prstGeom>
-          <a:noFill/>
-          <a:ln>
-            <a:solidFill>
-              <a:schemeClr val="tx1"/>
-            </a:solidFill>
-          </a:ln>
-        </p:spPr>
-        <p:style>
-          <a:lnRef idx="2">
-            <a:schemeClr val="accent1">
-              <a:shade val="15000"/>
-            </a:schemeClr>
-          </a:lnRef>
-          <a:fillRef idx="1">
-            <a:schemeClr val="accent1"/>
-          </a:fillRef>
-          <a:effectRef idx="0">
-            <a:schemeClr val="accent1"/>
-          </a:effectRef>
-          <a:fontRef idx="minor">
-            <a:schemeClr val="lt1"/>
-          </a:fontRef>
-        </p:style>
-        <p:txBody>
-          <a:bodyPr rtlCol="0" anchor="ctr"/>
-          <a:lstStyle/>
-          <a:p>
-            <a:pPr algn="ctr"/>
-            <a:r>
-              <a:rPr lang="en-US" dirty="0">
-                <a:solidFill>
-                  <a:sysClr val="windowText" lastClr="000000"/>
-                </a:solidFill>
-              </a:rPr>
-              <a:t>Length: 1</a:t>
-            </a:r>
-            <a:r>
-              <a:rPr lang="ru-RU" dirty="0">
-                <a:solidFill>
-                  <a:sysClr val="windowText" lastClr="000000"/>
-                </a:solidFill>
-              </a:rPr>
-              <a:t>0</a:t>
-            </a:r>
-            <a:r>
-              <a:rPr lang="en-US" dirty="0">
-                <a:solidFill>
-                  <a:sysClr val="windowText" lastClr="000000"/>
-                </a:solidFill>
-              </a:rPr>
-              <a:t>000</a:t>
-            </a:r>
-          </a:p>
-        </p:txBody>
-      </p:sp>
-      <p:sp>
-        <p:nvSpPr>
-          <p:cNvPr id="10" name="TextBox 9">
-            <a:extLst>
-              <a:ext uri="{FF2B5EF4-FFF2-40B4-BE49-F238E27FC236}">
-                <a16:creationId xmlns:a16="http://schemas.microsoft.com/office/drawing/2014/main" id="{F4A98620-A4EC-0D62-B04A-C884C7CCEA42}"/>
-              </a:ext>
-            </a:extLst>
-          </p:cNvPr>
-          <p:cNvSpPr txBox="1"/>
-          <p:nvPr/>
-        </p:nvSpPr>
-        <p:spPr>
-          <a:xfrm>
-            <a:off x="431389" y="234202"/>
-            <a:ext cx="2212622" cy="646331"/>
-          </a:xfrm>
-          <a:prstGeom prst="rect">
-            <a:avLst/>
-          </a:prstGeom>
-          <a:noFill/>
-        </p:spPr>
-        <p:txBody>
-          <a:bodyPr wrap="square" rtlCol="0">
-            <a:spAutoFit/>
-          </a:bodyPr>
-          <a:lstStyle/>
-          <a:p>
-            <a:r>
-              <a:rPr lang="en-US" dirty="0"/>
-              <a:t>Release </a:t>
-            </a:r>
-            <a:endParaRPr lang="ru-RU" dirty="0"/>
-          </a:p>
-          <a:p>
-            <a:r>
-              <a:rPr lang="en-US" dirty="0"/>
-              <a:t>data</a:t>
-            </a:r>
-          </a:p>
-        </p:txBody>
-      </p:sp>
-    </p:spTree>
-    <p:extLst>
-      <p:ext uri="{BB962C8B-B14F-4D97-AF65-F5344CB8AC3E}">
-        <p14:creationId xmlns:p14="http://schemas.microsoft.com/office/powerpoint/2010/main" val="3993714427"/>
-      </p:ext>
-    </p:extLst>
-  </p:cSld>
-  <p:clrMapOvr>
-    <a:masterClrMapping/>
-  </p:clrMapOvr>
-  <mc:AlternateContent xmlns:mc="http://schemas.openxmlformats.org/markup-compatibility/2006" xmlns:p14="http://schemas.microsoft.com/office/powerpoint/2010/main">
-    <mc:Choice Requires="p14">
-      <p:transition spd="slow" p14:dur="1600">
-        <p14:conveyor dir="l"/>
-      </p:transition>
-    </mc:Choice>
-    <mc:Fallback xmlns="">
-      <p:transition spd="slow">
-        <p:fade/>
-      </p:transition>
-    </mc:Fallback>
-  </mc:AlternateContent>
-</p:sld>
-</file>
-
-<file path=ppt/slides/slide28.xml><?xml version="1.0" encoding="utf-8"?>
-<p:sld xmlns:a="http://schemas.openxmlformats.org/drawingml/2006/main" xmlns:r="http://schemas.openxmlformats.org/officeDocument/2006/relationships" xmlns:p="http://schemas.openxmlformats.org/presentationml/2006/main">
-  <p:cSld>
-    <p:spTree>
-      <p:nvGrpSpPr>
-        <p:cNvPr id="1" name=""/>
-        <p:cNvGrpSpPr/>
-        <p:nvPr/>
-      </p:nvGrpSpPr>
-      <p:grpSpPr>
-        <a:xfrm>
-          <a:off x="0" y="0"/>
-          <a:ext cx="0" cy="0"/>
-          <a:chOff x="0" y="0"/>
-          <a:chExt cx="0" cy="0"/>
-        </a:xfrm>
-      </p:grpSpPr>
-      <p:graphicFrame>
-        <p:nvGraphicFramePr>
-          <p:cNvPr id="5" name="Таблица 4">
-            <a:extLst>
-              <a:ext uri="{FF2B5EF4-FFF2-40B4-BE49-F238E27FC236}">
-                <a16:creationId xmlns:a16="http://schemas.microsoft.com/office/drawing/2014/main" id="{4952D306-988C-CB5C-78B2-EAB0E370439F}"/>
-              </a:ext>
-            </a:extLst>
-          </p:cNvPr>
-          <p:cNvGraphicFramePr>
-            <a:graphicFrameLocks noGrp="1"/>
-          </p:cNvGraphicFramePr>
-          <p:nvPr/>
-        </p:nvGraphicFramePr>
-        <p:xfrm>
-          <a:off x="3375378" y="502920"/>
-          <a:ext cx="8461022" cy="5852160"/>
-        </p:xfrm>
-        <a:graphic>
-          <a:graphicData uri="http://schemas.openxmlformats.org/drawingml/2006/table">
-            <a:tbl>
-              <a:tblPr firstRow="1" bandRow="1">
-                <a:tableStyleId>{5C22544A-7EE6-4342-B048-85BDC9FD1C3A}</a:tableStyleId>
-              </a:tblPr>
-              <a:tblGrid>
-                <a:gridCol w="4230511">
-                  <a:extLst>
-                    <a:ext uri="{9D8B030D-6E8A-4147-A177-3AD203B41FA5}">
-                      <a16:colId xmlns:a16="http://schemas.microsoft.com/office/drawing/2014/main" val="3548131193"/>
-                    </a:ext>
-                  </a:extLst>
-                </a:gridCol>
-                <a:gridCol w="4230511">
-                  <a:extLst>
-                    <a:ext uri="{9D8B030D-6E8A-4147-A177-3AD203B41FA5}">
-                      <a16:colId xmlns:a16="http://schemas.microsoft.com/office/drawing/2014/main" val="798492654"/>
-                    </a:ext>
-                  </a:extLst>
-                </a:gridCol>
-              </a:tblGrid>
-              <a:tr h="328436">
-                <a:tc>
-                  <a:txBody>
-                    <a:bodyPr/>
-                    <a:lstStyle/>
-                    <a:p>
-                      <a:r>
-                        <a:rPr lang="en-US" dirty="0"/>
-                        <a:t>Algorithm name</a:t>
-                      </a:r>
-                    </a:p>
-                  </a:txBody>
-                  <a:tcPr>
-                    <a:solidFill>
-                      <a:srgbClr val="A4B2D8"/>
-                    </a:solidFill>
-                  </a:tcPr>
-                </a:tc>
-                <a:tc>
-                  <a:txBody>
-                    <a:bodyPr/>
-                    <a:lstStyle/>
-                    <a:p>
-                      <a:r>
-                        <a:rPr lang="en-US" dirty="0"/>
-                        <a:t>Time consumption (milliseconds)</a:t>
-                      </a:r>
-                    </a:p>
-                  </a:txBody>
-                  <a:tcPr>
-                    <a:solidFill>
-                      <a:srgbClr val="A4B2D8"/>
-                    </a:solidFill>
-                  </a:tcPr>
-                </a:tc>
-                <a:extLst>
-                  <a:ext uri="{0D108BD9-81ED-4DB2-BD59-A6C34878D82A}">
-                    <a16:rowId xmlns:a16="http://schemas.microsoft.com/office/drawing/2014/main" val="2796281045"/>
-                  </a:ext>
-                </a:extLst>
-              </a:tr>
-              <a:tr h="328436">
-                <a:tc>
-                  <a:txBody>
-                    <a:bodyPr/>
-                    <a:lstStyle/>
-                    <a:p>
-                      <a:r>
-                        <a:rPr lang="en-US" dirty="0"/>
-                        <a:t>Naïve</a:t>
-                      </a:r>
-                    </a:p>
-                  </a:txBody>
-                  <a:tcPr/>
-                </a:tc>
-                <a:tc>
-                  <a:txBody>
-                    <a:bodyPr/>
-                    <a:lstStyle/>
-                    <a:p>
-                      <a:pPr marL="0" marR="0" lvl="0" indent="0" algn="l" defTabSz="914400" rtl="0" eaLnBrk="1" fontAlgn="auto" latinLnBrk="0" hangingPunct="1">
-                        <a:lnSpc>
-                          <a:spcPct val="100000"/>
-                        </a:lnSpc>
-                        <a:spcBef>
-                          <a:spcPts val="0"/>
-                        </a:spcBef>
-                        <a:spcAft>
-                          <a:spcPts val="0"/>
-                        </a:spcAft>
-                        <a:buClrTx/>
-                        <a:buSzTx/>
-                        <a:buFontTx/>
-                        <a:buNone/>
-                        <a:tabLst/>
-                        <a:defRPr/>
-                      </a:pPr>
-                      <a:r>
-                        <a:rPr lang="en-US" dirty="0"/>
-                        <a:t>121</a:t>
-                      </a:r>
-                    </a:p>
-                  </a:txBody>
-                  <a:tcPr/>
-                </a:tc>
-                <a:extLst>
-                  <a:ext uri="{0D108BD9-81ED-4DB2-BD59-A6C34878D82A}">
-                    <a16:rowId xmlns:a16="http://schemas.microsoft.com/office/drawing/2014/main" val="3713335356"/>
-                  </a:ext>
-                </a:extLst>
-              </a:tr>
-              <a:tr h="328436">
-                <a:tc>
-                  <a:txBody>
-                    <a:bodyPr/>
-                    <a:lstStyle/>
-                    <a:p>
-                      <a:r>
-                        <a:rPr lang="en-US" dirty="0"/>
-                        <a:t>Knuth-Morris-Pratt</a:t>
-                      </a:r>
-                    </a:p>
-                  </a:txBody>
-                  <a:tcPr/>
-                </a:tc>
-                <a:tc>
-                  <a:txBody>
-                    <a:bodyPr/>
-                    <a:lstStyle/>
-                    <a:p>
-                      <a:pPr marL="0" marR="0" lvl="0" indent="0" algn="l" defTabSz="914400" rtl="0" eaLnBrk="1" fontAlgn="auto" latinLnBrk="0" hangingPunct="1">
-                        <a:lnSpc>
-                          <a:spcPct val="100000"/>
-                        </a:lnSpc>
-                        <a:spcBef>
-                          <a:spcPts val="0"/>
-                        </a:spcBef>
-                        <a:spcAft>
-                          <a:spcPts val="0"/>
-                        </a:spcAft>
-                        <a:buClrTx/>
-                        <a:buSzTx/>
-                        <a:buFontTx/>
-                        <a:buNone/>
-                        <a:tabLst/>
-                        <a:defRPr/>
-                      </a:pPr>
-                      <a:r>
-                        <a:rPr lang="en-US" dirty="0"/>
-                        <a:t>97</a:t>
-                      </a:r>
-                    </a:p>
-                  </a:txBody>
-                  <a:tcPr/>
-                </a:tc>
-                <a:extLst>
-                  <a:ext uri="{0D108BD9-81ED-4DB2-BD59-A6C34878D82A}">
-                    <a16:rowId xmlns:a16="http://schemas.microsoft.com/office/drawing/2014/main" val="2529639451"/>
-                  </a:ext>
-                </a:extLst>
-              </a:tr>
-              <a:tr h="328436">
-                <a:tc>
-                  <a:txBody>
-                    <a:bodyPr/>
-                    <a:lstStyle/>
-                    <a:p>
-                      <a:r>
-                        <a:rPr lang="en-US" dirty="0"/>
-                        <a:t>Boyer-Moore</a:t>
-                      </a:r>
-                    </a:p>
-                  </a:txBody>
-                  <a:tcPr/>
-                </a:tc>
-                <a:tc>
-                  <a:txBody>
-                    <a:bodyPr/>
-                    <a:lstStyle/>
-                    <a:p>
-                      <a:r>
-                        <a:rPr lang="en-US" dirty="0"/>
-                        <a:t>123</a:t>
-                      </a:r>
-                    </a:p>
-                  </a:txBody>
-                  <a:tcPr/>
-                </a:tc>
-                <a:extLst>
-                  <a:ext uri="{0D108BD9-81ED-4DB2-BD59-A6C34878D82A}">
-                    <a16:rowId xmlns:a16="http://schemas.microsoft.com/office/drawing/2014/main" val="901445339"/>
-                  </a:ext>
-                </a:extLst>
-              </a:tr>
-              <a:tr h="328436">
-                <a:tc>
-                  <a:txBody>
-                    <a:bodyPr/>
-                    <a:lstStyle/>
-                    <a:p>
-                      <a:r>
-                        <a:rPr lang="en-US" dirty="0"/>
-                        <a:t>Rabin-Karp</a:t>
-                      </a:r>
-                    </a:p>
-                  </a:txBody>
-                  <a:tcPr/>
-                </a:tc>
-                <a:tc>
-                  <a:txBody>
-                    <a:bodyPr/>
-                    <a:lstStyle/>
-                    <a:p>
-                      <a:r>
-                        <a:rPr lang="en-US" dirty="0"/>
-                        <a:t>151</a:t>
-                      </a:r>
-                    </a:p>
-                  </a:txBody>
-                  <a:tcPr/>
-                </a:tc>
-                <a:extLst>
-                  <a:ext uri="{0D108BD9-81ED-4DB2-BD59-A6C34878D82A}">
-                    <a16:rowId xmlns:a16="http://schemas.microsoft.com/office/drawing/2014/main" val="3389220492"/>
-                  </a:ext>
-                </a:extLst>
-              </a:tr>
-              <a:tr h="328436">
-                <a:tc>
-                  <a:txBody>
-                    <a:bodyPr/>
-                    <a:lstStyle/>
-                    <a:p>
-                      <a:r>
-                        <a:rPr lang="en-US" dirty="0"/>
-                        <a:t>Shift-Or</a:t>
-                      </a:r>
-                    </a:p>
-                  </a:txBody>
-                  <a:tcPr/>
-                </a:tc>
-                <a:tc>
-                  <a:txBody>
-                    <a:bodyPr/>
-                    <a:lstStyle/>
-                    <a:p>
-                      <a:r>
-                        <a:rPr lang="en-US" dirty="0"/>
-                        <a:t>92.5</a:t>
-                      </a:r>
-                    </a:p>
-                  </a:txBody>
-                  <a:tcPr/>
-                </a:tc>
-                <a:extLst>
-                  <a:ext uri="{0D108BD9-81ED-4DB2-BD59-A6C34878D82A}">
-                    <a16:rowId xmlns:a16="http://schemas.microsoft.com/office/drawing/2014/main" val="2089200656"/>
-                  </a:ext>
-                </a:extLst>
-              </a:tr>
-              <a:tr h="328436">
-                <a:tc>
-                  <a:txBody>
-                    <a:bodyPr/>
-                    <a:lstStyle/>
-                    <a:p>
-                      <a:r>
-                        <a:rPr lang="en-US" dirty="0"/>
-                        <a:t>Naïve</a:t>
-                      </a:r>
-                    </a:p>
-                  </a:txBody>
-                  <a:tcPr/>
-                </a:tc>
-                <a:tc>
-                  <a:txBody>
-                    <a:bodyPr/>
-                    <a:lstStyle/>
-                    <a:p>
-                      <a:r>
-                        <a:rPr lang="ru-RU" dirty="0"/>
-                        <a:t>2803</a:t>
-                      </a:r>
-                      <a:endParaRPr lang="en-US" dirty="0"/>
-                    </a:p>
-                  </a:txBody>
-                  <a:tcPr/>
-                </a:tc>
-                <a:extLst>
-                  <a:ext uri="{0D108BD9-81ED-4DB2-BD59-A6C34878D82A}">
-                    <a16:rowId xmlns:a16="http://schemas.microsoft.com/office/drawing/2014/main" val="4118949036"/>
-                  </a:ext>
-                </a:extLst>
-              </a:tr>
-              <a:tr h="328436">
-                <a:tc>
-                  <a:txBody>
-                    <a:bodyPr/>
-                    <a:lstStyle/>
-                    <a:p>
-                      <a:r>
-                        <a:rPr lang="en-US" dirty="0"/>
-                        <a:t>Knuth-Morris-Pratt</a:t>
-                      </a:r>
-                    </a:p>
-                  </a:txBody>
-                  <a:tcPr/>
-                </a:tc>
-                <a:tc>
-                  <a:txBody>
-                    <a:bodyPr/>
-                    <a:lstStyle/>
-                    <a:p>
-                      <a:r>
-                        <a:rPr lang="ru-RU" dirty="0"/>
-                        <a:t>2822</a:t>
-                      </a:r>
-                      <a:endParaRPr lang="en-US" dirty="0"/>
-                    </a:p>
-                  </a:txBody>
-                  <a:tcPr/>
-                </a:tc>
-                <a:extLst>
-                  <a:ext uri="{0D108BD9-81ED-4DB2-BD59-A6C34878D82A}">
-                    <a16:rowId xmlns:a16="http://schemas.microsoft.com/office/drawing/2014/main" val="3362606704"/>
-                  </a:ext>
-                </a:extLst>
-              </a:tr>
-              <a:tr h="328436">
-                <a:tc>
-                  <a:txBody>
-                    <a:bodyPr/>
-                    <a:lstStyle/>
-                    <a:p>
-                      <a:r>
-                        <a:rPr lang="en-US" dirty="0"/>
-                        <a:t>Boyer-Moore</a:t>
-                      </a:r>
-                    </a:p>
-                  </a:txBody>
-                  <a:tcPr/>
-                </a:tc>
-                <a:tc>
-                  <a:txBody>
-                    <a:bodyPr/>
-                    <a:lstStyle/>
-                    <a:p>
-                      <a:r>
-                        <a:rPr lang="en-US" dirty="0"/>
-                        <a:t>3028</a:t>
-                      </a:r>
-                    </a:p>
-                  </a:txBody>
-                  <a:tcPr/>
-                </a:tc>
-                <a:extLst>
-                  <a:ext uri="{0D108BD9-81ED-4DB2-BD59-A6C34878D82A}">
-                    <a16:rowId xmlns:a16="http://schemas.microsoft.com/office/drawing/2014/main" val="3791329073"/>
-                  </a:ext>
-                </a:extLst>
-              </a:tr>
-              <a:tr h="328436">
-                <a:tc>
-                  <a:txBody>
-                    <a:bodyPr/>
-                    <a:lstStyle/>
-                    <a:p>
-                      <a:r>
-                        <a:rPr lang="en-US" dirty="0"/>
-                        <a:t>Rabin-Karp</a:t>
-                      </a:r>
-                    </a:p>
-                  </a:txBody>
-                  <a:tcPr/>
-                </a:tc>
-                <a:tc>
-                  <a:txBody>
-                    <a:bodyPr/>
-                    <a:lstStyle/>
-                    <a:p>
-                      <a:r>
-                        <a:rPr lang="ru-RU" dirty="0"/>
-                        <a:t>3142</a:t>
-                      </a:r>
-                      <a:endParaRPr lang="en-US" dirty="0"/>
-                    </a:p>
-                  </a:txBody>
-                  <a:tcPr/>
-                </a:tc>
-                <a:extLst>
-                  <a:ext uri="{0D108BD9-81ED-4DB2-BD59-A6C34878D82A}">
-                    <a16:rowId xmlns:a16="http://schemas.microsoft.com/office/drawing/2014/main" val="3209349693"/>
-                  </a:ext>
-                </a:extLst>
-              </a:tr>
-              <a:tr h="328436">
-                <a:tc>
-                  <a:txBody>
-                    <a:bodyPr/>
-                    <a:lstStyle/>
-                    <a:p>
-                      <a:r>
-                        <a:rPr lang="en-US" dirty="0"/>
-                        <a:t>Shift-Or</a:t>
-                      </a:r>
-                    </a:p>
-                  </a:txBody>
-                  <a:tcPr/>
-                </a:tc>
-                <a:tc>
-                  <a:txBody>
-                    <a:bodyPr/>
-                    <a:lstStyle/>
-                    <a:p>
-                      <a:r>
-                        <a:rPr lang="ru-RU" dirty="0"/>
-                        <a:t>1972</a:t>
-                      </a:r>
-                      <a:endParaRPr lang="en-US" dirty="0"/>
-                    </a:p>
-                  </a:txBody>
-                  <a:tcPr/>
-                </a:tc>
-                <a:extLst>
-                  <a:ext uri="{0D108BD9-81ED-4DB2-BD59-A6C34878D82A}">
-                    <a16:rowId xmlns:a16="http://schemas.microsoft.com/office/drawing/2014/main" val="1975650176"/>
-                  </a:ext>
-                </a:extLst>
-              </a:tr>
-              <a:tr h="328436">
-                <a:tc>
-                  <a:txBody>
-                    <a:bodyPr/>
-                    <a:lstStyle/>
-                    <a:p>
-                      <a:r>
-                        <a:rPr lang="en-US" dirty="0"/>
-                        <a:t>Naïve</a:t>
-                      </a:r>
-                    </a:p>
-                  </a:txBody>
-                  <a:tcPr/>
-                </a:tc>
-                <a:tc>
-                  <a:txBody>
-                    <a:bodyPr/>
-                    <a:lstStyle/>
-                    <a:p>
-                      <a:r>
-                        <a:rPr lang="ru-RU" dirty="0"/>
-                        <a:t>33</a:t>
-                      </a:r>
-                      <a:endParaRPr lang="en-US" dirty="0"/>
-                    </a:p>
-                  </a:txBody>
-                  <a:tcPr/>
-                </a:tc>
-                <a:extLst>
-                  <a:ext uri="{0D108BD9-81ED-4DB2-BD59-A6C34878D82A}">
-                    <a16:rowId xmlns:a16="http://schemas.microsoft.com/office/drawing/2014/main" val="3451020826"/>
-                  </a:ext>
-                </a:extLst>
-              </a:tr>
-              <a:tr h="328436">
-                <a:tc>
-                  <a:txBody>
-                    <a:bodyPr/>
-                    <a:lstStyle/>
-                    <a:p>
-                      <a:r>
-                        <a:rPr lang="en-US" dirty="0"/>
-                        <a:t>Knuth-Morris-Pratt</a:t>
-                      </a:r>
-                    </a:p>
-                  </a:txBody>
-                  <a:tcPr/>
-                </a:tc>
-                <a:tc>
-                  <a:txBody>
-                    <a:bodyPr/>
-                    <a:lstStyle/>
-                    <a:p>
-                      <a:r>
-                        <a:rPr lang="ru-RU" dirty="0"/>
-                        <a:t>28</a:t>
-                      </a:r>
-                      <a:endParaRPr lang="en-US" dirty="0"/>
-                    </a:p>
-                  </a:txBody>
-                  <a:tcPr/>
-                </a:tc>
-                <a:extLst>
-                  <a:ext uri="{0D108BD9-81ED-4DB2-BD59-A6C34878D82A}">
-                    <a16:rowId xmlns:a16="http://schemas.microsoft.com/office/drawing/2014/main" val="4289574791"/>
-                  </a:ext>
-                </a:extLst>
-              </a:tr>
-              <a:tr h="328436">
-                <a:tc>
-                  <a:txBody>
-                    <a:bodyPr/>
-                    <a:lstStyle/>
-                    <a:p>
-                      <a:r>
-                        <a:rPr lang="en-US" dirty="0"/>
-                        <a:t>Boyer-Moore</a:t>
-                      </a:r>
-                    </a:p>
-                  </a:txBody>
-                  <a:tcPr/>
-                </a:tc>
-                <a:tc>
-                  <a:txBody>
-                    <a:bodyPr/>
-                    <a:lstStyle/>
-                    <a:p>
-                      <a:r>
-                        <a:rPr lang="en-US" dirty="0"/>
-                        <a:t>32.5</a:t>
-                      </a:r>
-                    </a:p>
-                  </a:txBody>
-                  <a:tcPr/>
-                </a:tc>
-                <a:extLst>
-                  <a:ext uri="{0D108BD9-81ED-4DB2-BD59-A6C34878D82A}">
-                    <a16:rowId xmlns:a16="http://schemas.microsoft.com/office/drawing/2014/main" val="2978295479"/>
-                  </a:ext>
-                </a:extLst>
-              </a:tr>
-              <a:tr h="328436">
-                <a:tc>
-                  <a:txBody>
-                    <a:bodyPr/>
-                    <a:lstStyle/>
-                    <a:p>
-                      <a:r>
-                        <a:rPr lang="en-US" dirty="0"/>
-                        <a:t>Rabin-Karp</a:t>
-                      </a:r>
-                    </a:p>
-                  </a:txBody>
-                  <a:tcPr/>
-                </a:tc>
-                <a:tc>
-                  <a:txBody>
-                    <a:bodyPr/>
-                    <a:lstStyle/>
-                    <a:p>
-                      <a:r>
-                        <a:rPr lang="ru-RU" dirty="0"/>
-                        <a:t>26</a:t>
-                      </a:r>
-                      <a:endParaRPr lang="en-US" dirty="0"/>
-                    </a:p>
-                  </a:txBody>
-                  <a:tcPr/>
-                </a:tc>
-                <a:extLst>
-                  <a:ext uri="{0D108BD9-81ED-4DB2-BD59-A6C34878D82A}">
-                    <a16:rowId xmlns:a16="http://schemas.microsoft.com/office/drawing/2014/main" val="3398165297"/>
-                  </a:ext>
-                </a:extLst>
-              </a:tr>
-              <a:tr h="328436">
-                <a:tc>
-                  <a:txBody>
-                    <a:bodyPr/>
-                    <a:lstStyle/>
-                    <a:p>
-                      <a:r>
-                        <a:rPr lang="en-US" dirty="0"/>
-                        <a:t>Shift-Or</a:t>
-                      </a:r>
-                    </a:p>
-                  </a:txBody>
-                  <a:tcPr/>
-                </a:tc>
-                <a:tc>
-                  <a:txBody>
-                    <a:bodyPr/>
-                    <a:lstStyle/>
-                    <a:p>
-                      <a:r>
-                        <a:rPr lang="ru-RU" dirty="0"/>
-                        <a:t>17</a:t>
-                      </a:r>
-                      <a:endParaRPr lang="en-US" dirty="0"/>
-                    </a:p>
-                  </a:txBody>
-                  <a:tcPr/>
-                </a:tc>
-                <a:extLst>
-                  <a:ext uri="{0D108BD9-81ED-4DB2-BD59-A6C34878D82A}">
-                    <a16:rowId xmlns:a16="http://schemas.microsoft.com/office/drawing/2014/main" val="3238298678"/>
-                  </a:ext>
-                </a:extLst>
-              </a:tr>
-            </a:tbl>
-          </a:graphicData>
-        </a:graphic>
-      </p:graphicFrame>
-      <p:sp>
-        <p:nvSpPr>
-          <p:cNvPr id="6" name="Прямоугольник 5">
-            <a:extLst>
-              <a:ext uri="{FF2B5EF4-FFF2-40B4-BE49-F238E27FC236}">
-                <a16:creationId xmlns:a16="http://schemas.microsoft.com/office/drawing/2014/main" id="{CCA8B701-0FF1-D8AF-2DD6-25A91B1BCABC}"/>
-              </a:ext>
-            </a:extLst>
-          </p:cNvPr>
-          <p:cNvSpPr/>
-          <p:nvPr/>
-        </p:nvSpPr>
-        <p:spPr>
-          <a:xfrm>
-            <a:off x="1659467" y="880533"/>
-            <a:ext cx="1715911" cy="1817511"/>
-          </a:xfrm>
-          <a:prstGeom prst="rect">
-            <a:avLst/>
-          </a:prstGeom>
-          <a:noFill/>
-          <a:ln>
-            <a:solidFill>
-              <a:schemeClr val="tx1"/>
-            </a:solidFill>
-          </a:ln>
-        </p:spPr>
-        <p:style>
-          <a:lnRef idx="2">
-            <a:schemeClr val="accent1">
-              <a:shade val="15000"/>
-            </a:schemeClr>
-          </a:lnRef>
-          <a:fillRef idx="1">
-            <a:schemeClr val="accent1"/>
-          </a:fillRef>
-          <a:effectRef idx="0">
-            <a:schemeClr val="accent1"/>
-          </a:effectRef>
-          <a:fontRef idx="minor">
-            <a:schemeClr val="lt1"/>
-          </a:fontRef>
-        </p:style>
-        <p:txBody>
-          <a:bodyPr rtlCol="0" anchor="ctr"/>
-          <a:lstStyle/>
-          <a:p>
-            <a:pPr algn="ctr"/>
-            <a:r>
-              <a:rPr lang="en-US" dirty="0">
-                <a:solidFill>
-                  <a:sysClr val="windowText" lastClr="000000"/>
-                </a:solidFill>
-              </a:rPr>
-              <a:t>“a “</a:t>
-            </a:r>
-          </a:p>
-        </p:txBody>
-      </p:sp>
-      <p:sp>
-        <p:nvSpPr>
-          <p:cNvPr id="8" name="Прямоугольник 7">
-            <a:extLst>
-              <a:ext uri="{FF2B5EF4-FFF2-40B4-BE49-F238E27FC236}">
-                <a16:creationId xmlns:a16="http://schemas.microsoft.com/office/drawing/2014/main" id="{725AEC3B-E23C-1531-B51B-33BEF347AC58}"/>
-              </a:ext>
-            </a:extLst>
-          </p:cNvPr>
-          <p:cNvSpPr/>
-          <p:nvPr/>
-        </p:nvSpPr>
-        <p:spPr>
-          <a:xfrm>
-            <a:off x="1659467" y="2698044"/>
-            <a:ext cx="1715911" cy="1817511"/>
-          </a:xfrm>
-          <a:prstGeom prst="rect">
-            <a:avLst/>
-          </a:prstGeom>
-          <a:noFill/>
-          <a:ln>
-            <a:solidFill>
-              <a:schemeClr val="tx1"/>
-            </a:solidFill>
-          </a:ln>
-        </p:spPr>
-        <p:style>
-          <a:lnRef idx="2">
-            <a:schemeClr val="accent1">
-              <a:shade val="15000"/>
-            </a:schemeClr>
-          </a:lnRef>
-          <a:fillRef idx="1">
-            <a:schemeClr val="accent1"/>
-          </a:fillRef>
-          <a:effectRef idx="0">
-            <a:schemeClr val="accent1"/>
-          </a:effectRef>
-          <a:fontRef idx="minor">
-            <a:schemeClr val="lt1"/>
-          </a:fontRef>
-        </p:style>
-        <p:txBody>
-          <a:bodyPr rtlCol="0" anchor="ctr"/>
-          <a:lstStyle/>
-          <a:p>
-            <a:pPr algn="ctr"/>
-            <a:r>
-              <a:rPr lang="en-US" dirty="0">
-                <a:solidFill>
-                  <a:sysClr val="windowText" lastClr="000000"/>
-                </a:solidFill>
-              </a:rPr>
-              <a:t>“ “</a:t>
-            </a:r>
-          </a:p>
-        </p:txBody>
-      </p:sp>
-      <p:sp>
-        <p:nvSpPr>
-          <p:cNvPr id="9" name="Прямоугольник 8">
-            <a:extLst>
-              <a:ext uri="{FF2B5EF4-FFF2-40B4-BE49-F238E27FC236}">
-                <a16:creationId xmlns:a16="http://schemas.microsoft.com/office/drawing/2014/main" id="{30C80BF9-0928-9C04-8217-E7BBD8024509}"/>
-              </a:ext>
-            </a:extLst>
-          </p:cNvPr>
-          <p:cNvSpPr/>
-          <p:nvPr/>
-        </p:nvSpPr>
-        <p:spPr>
-          <a:xfrm>
-            <a:off x="1659466" y="4515555"/>
-            <a:ext cx="1715911" cy="1817511"/>
-          </a:xfrm>
-          <a:prstGeom prst="rect">
-            <a:avLst/>
-          </a:prstGeom>
-          <a:noFill/>
-          <a:ln>
-            <a:solidFill>
-              <a:schemeClr val="tx1"/>
-            </a:solidFill>
-          </a:ln>
-        </p:spPr>
-        <p:style>
-          <a:lnRef idx="2">
-            <a:schemeClr val="accent1">
-              <a:shade val="15000"/>
-            </a:schemeClr>
-          </a:lnRef>
-          <a:fillRef idx="1">
-            <a:schemeClr val="accent1"/>
-          </a:fillRef>
-          <a:effectRef idx="0">
-            <a:schemeClr val="accent1"/>
-          </a:effectRef>
-          <a:fontRef idx="minor">
-            <a:schemeClr val="lt1"/>
-          </a:fontRef>
-        </p:style>
-        <p:txBody>
-          <a:bodyPr rtlCol="0" anchor="ctr"/>
-          <a:lstStyle/>
-          <a:p>
-            <a:pPr algn="ctr"/>
-            <a:r>
-              <a:rPr lang="en-US" dirty="0">
-                <a:solidFill>
-                  <a:sysClr val="windowText" lastClr="000000"/>
-                </a:solidFill>
-              </a:rPr>
-              <a:t>“ma”</a:t>
-            </a:r>
-          </a:p>
-        </p:txBody>
-      </p:sp>
-      <p:sp>
-        <p:nvSpPr>
-          <p:cNvPr id="10" name="TextBox 9">
-            <a:extLst>
-              <a:ext uri="{FF2B5EF4-FFF2-40B4-BE49-F238E27FC236}">
-                <a16:creationId xmlns:a16="http://schemas.microsoft.com/office/drawing/2014/main" id="{F4A98620-A4EC-0D62-B04A-C884C7CCEA42}"/>
-              </a:ext>
-            </a:extLst>
-          </p:cNvPr>
-          <p:cNvSpPr txBox="1"/>
-          <p:nvPr/>
-        </p:nvSpPr>
-        <p:spPr>
-          <a:xfrm>
-            <a:off x="429307" y="233079"/>
-            <a:ext cx="2212622" cy="646331"/>
-          </a:xfrm>
-          <a:prstGeom prst="rect">
-            <a:avLst/>
-          </a:prstGeom>
-          <a:noFill/>
-        </p:spPr>
-        <p:txBody>
-          <a:bodyPr wrap="square" rtlCol="0">
-            <a:spAutoFit/>
-          </a:bodyPr>
-          <a:lstStyle/>
-          <a:p>
-            <a:r>
-              <a:rPr lang="en-US" dirty="0"/>
-              <a:t>Release </a:t>
-            </a:r>
-            <a:endParaRPr lang="ru-RU" dirty="0"/>
-          </a:p>
-          <a:p>
-            <a:r>
-              <a:rPr lang="en-US" dirty="0"/>
-              <a:t>data</a:t>
-            </a:r>
-          </a:p>
-        </p:txBody>
-      </p:sp>
-      <p:sp>
-        <p:nvSpPr>
-          <p:cNvPr id="2" name="TextBox 1"/>
-          <p:cNvSpPr txBox="1"/>
-          <p:nvPr/>
-        </p:nvSpPr>
-        <p:spPr>
-          <a:xfrm>
-            <a:off x="0" y="2598003"/>
-            <a:ext cx="2539013" cy="1661993"/>
-          </a:xfrm>
-          <a:prstGeom prst="rect">
-            <a:avLst/>
-          </a:prstGeom>
-          <a:noFill/>
-        </p:spPr>
-        <p:txBody>
-          <a:bodyPr wrap="square" rtlCol="0">
-            <a:spAutoFit/>
-          </a:bodyPr>
-          <a:lstStyle/>
-          <a:p>
-            <a:r>
-              <a:rPr lang="en-US" sz="1200" dirty="0"/>
-              <a:t>M = 2</a:t>
-            </a:r>
-          </a:p>
-          <a:p>
-            <a:r>
-              <a:rPr lang="en-US" sz="1200" dirty="0"/>
-              <a:t>N = 11398</a:t>
-            </a:r>
-          </a:p>
-          <a:p>
-            <a:r>
-              <a:rPr lang="ru-RU" sz="1200" dirty="0"/>
-              <a:t>Число совпадений</a:t>
-            </a:r>
-          </a:p>
-          <a:p>
-            <a:r>
-              <a:rPr lang="en-US" sz="1200" dirty="0"/>
-              <a:t>73 (</a:t>
-            </a:r>
-            <a:r>
-              <a:rPr lang="ru-RU" sz="1200" dirty="0"/>
-              <a:t>ищем </a:t>
-            </a:r>
-            <a:r>
-              <a:rPr lang="en-US" sz="1200" dirty="0"/>
-              <a:t>“a “)</a:t>
-            </a:r>
-            <a:endParaRPr lang="ru-RU" sz="1200" dirty="0"/>
-          </a:p>
-          <a:p>
-            <a:r>
-              <a:rPr lang="en-US" sz="1200" dirty="0"/>
-              <a:t>~</a:t>
-            </a:r>
-            <a:r>
-              <a:rPr lang="ru-RU" sz="1200" dirty="0"/>
-              <a:t>2014(ищем пробел)</a:t>
-            </a:r>
-          </a:p>
-          <a:p>
-            <a:r>
-              <a:rPr lang="ru-RU" sz="1200" dirty="0"/>
-              <a:t> 24 (ищем </a:t>
-            </a:r>
-            <a:r>
-              <a:rPr lang="en-US" sz="1200" dirty="0"/>
-              <a:t>ma</a:t>
-            </a:r>
-            <a:r>
-              <a:rPr lang="ru-RU" sz="1200" dirty="0"/>
-              <a:t>)</a:t>
-            </a:r>
-          </a:p>
-          <a:p>
-            <a:r>
-              <a:rPr lang="ru-RU" sz="1200" dirty="0"/>
-              <a:t>726(ищем а)</a:t>
-            </a:r>
-            <a:endParaRPr lang="en-US" sz="1200" dirty="0"/>
-          </a:p>
-          <a:p>
-            <a:endParaRPr lang="ru-RU" dirty="0"/>
-          </a:p>
-        </p:txBody>
-      </p:sp>
-    </p:spTree>
-    <p:extLst>
-      <p:ext uri="{BB962C8B-B14F-4D97-AF65-F5344CB8AC3E}">
-        <p14:creationId xmlns:p14="http://schemas.microsoft.com/office/powerpoint/2010/main" val="151235783"/>
-      </p:ext>
-    </p:extLst>
-  </p:cSld>
-  <p:clrMapOvr>
-    <a:masterClrMapping/>
-  </p:clrMapOvr>
-  <mc:AlternateContent xmlns:mc="http://schemas.openxmlformats.org/markup-compatibility/2006" xmlns:p14="http://schemas.microsoft.com/office/powerpoint/2010/main">
-    <mc:Choice Requires="p14">
-      <p:transition spd="slow" p14:dur="1600">
-        <p14:conveyor dir="l"/>
-      </p:transition>
-    </mc:Choice>
-    <mc:Fallback xmlns="">
-      <p:transition spd="slow">
-        <p:fade/>
-      </p:transition>
-    </mc:Fallback>
-  </mc:AlternateContent>
-</p:sld>
-</file>
-
-<file path=ppt/slides/slide29.xml><?xml version="1.0" encoding="utf-8"?>
-<p:sld xmlns:a="http://schemas.openxmlformats.org/drawingml/2006/main" xmlns:r="http://schemas.openxmlformats.org/officeDocument/2006/relationships" xmlns:p="http://schemas.openxmlformats.org/presentationml/2006/main">
-  <p:cSld>
-    <p:spTree>
-      <p:nvGrpSpPr>
-        <p:cNvPr id="1" name=""/>
-        <p:cNvGrpSpPr/>
-        <p:nvPr/>
-      </p:nvGrpSpPr>
-      <p:grpSpPr>
-        <a:xfrm>
-          <a:off x="0" y="0"/>
-          <a:ext cx="0" cy="0"/>
-          <a:chOff x="0" y="0"/>
-          <a:chExt cx="0" cy="0"/>
-        </a:xfrm>
-      </p:grpSpPr>
-      <p:graphicFrame>
-        <p:nvGraphicFramePr>
-          <p:cNvPr id="5" name="Таблица 4">
-            <a:extLst>
-              <a:ext uri="{FF2B5EF4-FFF2-40B4-BE49-F238E27FC236}">
-                <a16:creationId xmlns:a16="http://schemas.microsoft.com/office/drawing/2014/main" id="{4952D306-988C-CB5C-78B2-EAB0E370439F}"/>
-              </a:ext>
-            </a:extLst>
-          </p:cNvPr>
-          <p:cNvGraphicFramePr>
-            <a:graphicFrameLocks noGrp="1"/>
-          </p:cNvGraphicFramePr>
-          <p:nvPr>
-            <p:extLst>
-              <p:ext uri="{D42A27DB-BD31-4B8C-83A1-F6EECF244321}">
-                <p14:modId xmlns:p14="http://schemas.microsoft.com/office/powerpoint/2010/main" val="3087096274"/>
-              </p:ext>
-            </p:extLst>
-          </p:nvPr>
-        </p:nvGraphicFramePr>
-        <p:xfrm>
-          <a:off x="3556001" y="1603022"/>
-          <a:ext cx="8461022" cy="4023360"/>
-        </p:xfrm>
-        <a:graphic>
-          <a:graphicData uri="http://schemas.openxmlformats.org/drawingml/2006/table">
-            <a:tbl>
-              <a:tblPr firstRow="1" bandRow="1">
-                <a:tableStyleId>{5C22544A-7EE6-4342-B048-85BDC9FD1C3A}</a:tableStyleId>
-              </a:tblPr>
-              <a:tblGrid>
-                <a:gridCol w="4230511">
-                  <a:extLst>
-                    <a:ext uri="{9D8B030D-6E8A-4147-A177-3AD203B41FA5}">
-                      <a16:colId xmlns:a16="http://schemas.microsoft.com/office/drawing/2014/main" val="3548131193"/>
-                    </a:ext>
-                  </a:extLst>
-                </a:gridCol>
-                <a:gridCol w="4230511">
-                  <a:extLst>
-                    <a:ext uri="{9D8B030D-6E8A-4147-A177-3AD203B41FA5}">
-                      <a16:colId xmlns:a16="http://schemas.microsoft.com/office/drawing/2014/main" val="798492654"/>
-                    </a:ext>
-                  </a:extLst>
-                </a:gridCol>
-              </a:tblGrid>
-              <a:tr h="328436">
-                <a:tc>
-                  <a:txBody>
-                    <a:bodyPr/>
-                    <a:lstStyle/>
-                    <a:p>
-                      <a:r>
-                        <a:rPr lang="en-US" dirty="0"/>
-                        <a:t>Algorithm name</a:t>
-                      </a:r>
-                    </a:p>
-                  </a:txBody>
-                  <a:tcPr>
-                    <a:solidFill>
-                      <a:srgbClr val="A4B2D8"/>
-                    </a:solidFill>
-                  </a:tcPr>
-                </a:tc>
-                <a:tc>
-                  <a:txBody>
-                    <a:bodyPr/>
-                    <a:lstStyle/>
-                    <a:p>
-                      <a:r>
-                        <a:rPr lang="en-US" dirty="0"/>
-                        <a:t>Time consumption (milliseconds)</a:t>
-                      </a:r>
-                    </a:p>
-                  </a:txBody>
-                  <a:tcPr>
-                    <a:solidFill>
-                      <a:srgbClr val="A4B2D8"/>
-                    </a:solidFill>
-                  </a:tcPr>
-                </a:tc>
-                <a:extLst>
-                  <a:ext uri="{0D108BD9-81ED-4DB2-BD59-A6C34878D82A}">
-                    <a16:rowId xmlns:a16="http://schemas.microsoft.com/office/drawing/2014/main" val="2796281045"/>
-                  </a:ext>
-                </a:extLst>
-              </a:tr>
-              <a:tr h="328436">
-                <a:tc>
-                  <a:txBody>
-                    <a:bodyPr/>
-                    <a:lstStyle/>
-                    <a:p>
-                      <a:r>
-                        <a:rPr lang="en-US" dirty="0"/>
-                        <a:t>Naïve</a:t>
-                      </a:r>
-                    </a:p>
-                  </a:txBody>
-                  <a:tcPr/>
-                </a:tc>
-                <a:tc>
-                  <a:txBody>
-                    <a:bodyPr/>
-                    <a:lstStyle/>
-                    <a:p>
-                      <a:pPr marL="0" marR="0" lvl="0" indent="0" algn="l" defTabSz="914400" rtl="0" eaLnBrk="1" fontAlgn="auto" latinLnBrk="0" hangingPunct="1">
-                        <a:lnSpc>
-                          <a:spcPct val="100000"/>
-                        </a:lnSpc>
-                        <a:spcBef>
-                          <a:spcPts val="0"/>
-                        </a:spcBef>
-                        <a:spcAft>
-                          <a:spcPts val="0"/>
-                        </a:spcAft>
-                        <a:buClrTx/>
-                        <a:buSzTx/>
-                        <a:buFontTx/>
-                        <a:buNone/>
-                        <a:tabLst/>
-                        <a:defRPr/>
-                      </a:pPr>
-                      <a:r>
-                        <a:rPr lang="en-US" dirty="0"/>
-                        <a:t>991</a:t>
-                      </a:r>
-                    </a:p>
-                  </a:txBody>
-                  <a:tcPr/>
-                </a:tc>
-                <a:extLst>
-                  <a:ext uri="{0D108BD9-81ED-4DB2-BD59-A6C34878D82A}">
-                    <a16:rowId xmlns:a16="http://schemas.microsoft.com/office/drawing/2014/main" val="3713335356"/>
-                  </a:ext>
-                </a:extLst>
-              </a:tr>
-              <a:tr h="328436">
-                <a:tc>
-                  <a:txBody>
-                    <a:bodyPr/>
-                    <a:lstStyle/>
-                    <a:p>
-                      <a:r>
-                        <a:rPr lang="en-US" dirty="0"/>
-                        <a:t>Knuth-Morris-Pratt</a:t>
-                      </a:r>
-                    </a:p>
-                  </a:txBody>
-                  <a:tcPr/>
-                </a:tc>
-                <a:tc>
-                  <a:txBody>
-                    <a:bodyPr/>
-                    <a:lstStyle/>
-                    <a:p>
-                      <a:pPr marL="0" marR="0" lvl="0" indent="0" algn="l" defTabSz="914400" rtl="0" eaLnBrk="1" fontAlgn="auto" latinLnBrk="0" hangingPunct="1">
-                        <a:lnSpc>
-                          <a:spcPct val="100000"/>
-                        </a:lnSpc>
-                        <a:spcBef>
-                          <a:spcPts val="0"/>
-                        </a:spcBef>
-                        <a:spcAft>
-                          <a:spcPts val="0"/>
-                        </a:spcAft>
-                        <a:buClrTx/>
-                        <a:buSzTx/>
-                        <a:buFontTx/>
-                        <a:buNone/>
-                        <a:tabLst/>
-                        <a:defRPr/>
-                      </a:pPr>
-                      <a:r>
-                        <a:rPr lang="en-US" dirty="0"/>
-                        <a:t>1038</a:t>
-                      </a:r>
-                    </a:p>
-                  </a:txBody>
-                  <a:tcPr/>
-                </a:tc>
-                <a:extLst>
-                  <a:ext uri="{0D108BD9-81ED-4DB2-BD59-A6C34878D82A}">
-                    <a16:rowId xmlns:a16="http://schemas.microsoft.com/office/drawing/2014/main" val="2529639451"/>
-                  </a:ext>
-                </a:extLst>
-              </a:tr>
-              <a:tr h="328436">
-                <a:tc>
-                  <a:txBody>
-                    <a:bodyPr/>
-                    <a:lstStyle/>
-                    <a:p>
-                      <a:r>
-                        <a:rPr lang="en-US" dirty="0"/>
-                        <a:t>Boyer-Moore</a:t>
-                      </a:r>
-                    </a:p>
-                  </a:txBody>
-                  <a:tcPr/>
-                </a:tc>
-                <a:tc>
-                  <a:txBody>
-                    <a:bodyPr/>
-                    <a:lstStyle/>
-                    <a:p>
-                      <a:r>
-                        <a:rPr lang="en-US" dirty="0"/>
-                        <a:t>1042</a:t>
-                      </a:r>
-                    </a:p>
-                  </a:txBody>
-                  <a:tcPr/>
-                </a:tc>
-                <a:extLst>
-                  <a:ext uri="{0D108BD9-81ED-4DB2-BD59-A6C34878D82A}">
-                    <a16:rowId xmlns:a16="http://schemas.microsoft.com/office/drawing/2014/main" val="901445339"/>
-                  </a:ext>
-                </a:extLst>
-              </a:tr>
-              <a:tr h="328436">
-                <a:tc>
-                  <a:txBody>
-                    <a:bodyPr/>
-                    <a:lstStyle/>
-                    <a:p>
-                      <a:r>
-                        <a:rPr lang="en-US" dirty="0"/>
-                        <a:t>Rabin-Karp</a:t>
-                      </a:r>
-                    </a:p>
-                  </a:txBody>
-                  <a:tcPr/>
-                </a:tc>
-                <a:tc>
-                  <a:txBody>
-                    <a:bodyPr/>
-                    <a:lstStyle/>
-                    <a:p>
-                      <a:r>
-                        <a:rPr lang="en-US" dirty="0"/>
-                        <a:t>1181</a:t>
-                      </a:r>
-                    </a:p>
-                  </a:txBody>
-                  <a:tcPr/>
-                </a:tc>
-                <a:extLst>
-                  <a:ext uri="{0D108BD9-81ED-4DB2-BD59-A6C34878D82A}">
-                    <a16:rowId xmlns:a16="http://schemas.microsoft.com/office/drawing/2014/main" val="3389220492"/>
-                  </a:ext>
-                </a:extLst>
-              </a:tr>
-              <a:tr h="328436">
-                <a:tc>
-                  <a:txBody>
-                    <a:bodyPr/>
-                    <a:lstStyle/>
-                    <a:p>
-                      <a:r>
-                        <a:rPr lang="en-US" dirty="0"/>
-                        <a:t>Shift-Or</a:t>
-                      </a:r>
-                    </a:p>
-                  </a:txBody>
-                  <a:tcPr/>
-                </a:tc>
-                <a:tc>
-                  <a:txBody>
-                    <a:bodyPr/>
-                    <a:lstStyle/>
-                    <a:p>
-                      <a:r>
-                        <a:rPr lang="en-US" dirty="0"/>
-                        <a:t>761</a:t>
-                      </a:r>
-                    </a:p>
-                  </a:txBody>
-                  <a:tcPr/>
-                </a:tc>
-                <a:extLst>
-                  <a:ext uri="{0D108BD9-81ED-4DB2-BD59-A6C34878D82A}">
-                    <a16:rowId xmlns:a16="http://schemas.microsoft.com/office/drawing/2014/main" val="2089200656"/>
-                  </a:ext>
-                </a:extLst>
-              </a:tr>
-              <a:tr h="328436">
-                <a:tc>
-                  <a:txBody>
-                    <a:bodyPr/>
-                    <a:lstStyle/>
-                    <a:p>
-                      <a:r>
-                        <a:rPr lang="en-US" dirty="0"/>
-                        <a:t>Naïve</a:t>
-                      </a:r>
-                    </a:p>
-                  </a:txBody>
-                  <a:tcPr/>
-                </a:tc>
-                <a:tc>
-                  <a:txBody>
-                    <a:bodyPr/>
-                    <a:lstStyle/>
-                    <a:p>
-                      <a:r>
-                        <a:rPr lang="en-US" dirty="0"/>
-                        <a:t>106</a:t>
-                      </a:r>
-                    </a:p>
-                  </a:txBody>
-                  <a:tcPr/>
-                </a:tc>
-                <a:extLst>
-                  <a:ext uri="{0D108BD9-81ED-4DB2-BD59-A6C34878D82A}">
-                    <a16:rowId xmlns:a16="http://schemas.microsoft.com/office/drawing/2014/main" val="4118949036"/>
-                  </a:ext>
-                </a:extLst>
-              </a:tr>
-              <a:tr h="328436">
-                <a:tc>
-                  <a:txBody>
-                    <a:bodyPr/>
-                    <a:lstStyle/>
-                    <a:p>
-                      <a:r>
-                        <a:rPr lang="en-US" dirty="0"/>
-                        <a:t>Knuth-Morris-Pratt</a:t>
-                      </a:r>
-                    </a:p>
-                  </a:txBody>
-                  <a:tcPr/>
-                </a:tc>
-                <a:tc>
-                  <a:txBody>
-                    <a:bodyPr/>
-                    <a:lstStyle/>
-                    <a:p>
-                      <a:r>
-                        <a:rPr lang="en-US" dirty="0"/>
-                        <a:t>73</a:t>
-                      </a:r>
-                    </a:p>
-                  </a:txBody>
-                  <a:tcPr/>
-                </a:tc>
-                <a:extLst>
-                  <a:ext uri="{0D108BD9-81ED-4DB2-BD59-A6C34878D82A}">
-                    <a16:rowId xmlns:a16="http://schemas.microsoft.com/office/drawing/2014/main" val="3362606704"/>
-                  </a:ext>
-                </a:extLst>
-              </a:tr>
-              <a:tr h="328436">
-                <a:tc>
-                  <a:txBody>
-                    <a:bodyPr/>
-                    <a:lstStyle/>
-                    <a:p>
-                      <a:r>
-                        <a:rPr lang="en-US" dirty="0"/>
-                        <a:t>Boyer-Moore</a:t>
-                      </a:r>
-                    </a:p>
-                  </a:txBody>
-                  <a:tcPr/>
-                </a:tc>
-                <a:tc>
-                  <a:txBody>
-                    <a:bodyPr/>
-                    <a:lstStyle/>
-                    <a:p>
-                      <a:r>
-                        <a:rPr lang="en-US" dirty="0"/>
-                        <a:t>33</a:t>
-                      </a:r>
-                    </a:p>
-                  </a:txBody>
-                  <a:tcPr/>
-                </a:tc>
-                <a:extLst>
-                  <a:ext uri="{0D108BD9-81ED-4DB2-BD59-A6C34878D82A}">
-                    <a16:rowId xmlns:a16="http://schemas.microsoft.com/office/drawing/2014/main" val="3791329073"/>
-                  </a:ext>
-                </a:extLst>
-              </a:tr>
-              <a:tr h="328436">
-                <a:tc>
-                  <a:txBody>
-                    <a:bodyPr/>
-                    <a:lstStyle/>
-                    <a:p>
-                      <a:r>
-                        <a:rPr lang="en-US" dirty="0"/>
-                        <a:t>Rabin-Karp</a:t>
-                      </a:r>
-                    </a:p>
-                  </a:txBody>
-                  <a:tcPr/>
-                </a:tc>
-                <a:tc>
-                  <a:txBody>
-                    <a:bodyPr/>
-                    <a:lstStyle/>
-                    <a:p>
-                      <a:r>
-                        <a:rPr lang="en-US" dirty="0"/>
-                        <a:t>67</a:t>
-                      </a:r>
-                    </a:p>
-                  </a:txBody>
-                  <a:tcPr/>
-                </a:tc>
-                <a:extLst>
-                  <a:ext uri="{0D108BD9-81ED-4DB2-BD59-A6C34878D82A}">
-                    <a16:rowId xmlns:a16="http://schemas.microsoft.com/office/drawing/2014/main" val="3209349693"/>
-                  </a:ext>
-                </a:extLst>
-              </a:tr>
-              <a:tr h="328436">
-                <a:tc>
-                  <a:txBody>
-                    <a:bodyPr/>
-                    <a:lstStyle/>
-                    <a:p>
-                      <a:r>
-                        <a:rPr lang="en-US" dirty="0"/>
-                        <a:t>Shift-Or</a:t>
-                      </a:r>
-                    </a:p>
-                  </a:txBody>
-                  <a:tcPr/>
-                </a:tc>
-                <a:tc>
-                  <a:txBody>
-                    <a:bodyPr/>
-                    <a:lstStyle/>
-                    <a:p>
-                      <a:r>
-                        <a:rPr lang="en-US" dirty="0"/>
-                        <a:t>45</a:t>
-                      </a:r>
-                    </a:p>
-                  </a:txBody>
-                  <a:tcPr/>
-                </a:tc>
-                <a:extLst>
-                  <a:ext uri="{0D108BD9-81ED-4DB2-BD59-A6C34878D82A}">
-                    <a16:rowId xmlns:a16="http://schemas.microsoft.com/office/drawing/2014/main" val="1975650176"/>
-                  </a:ext>
-                </a:extLst>
-              </a:tr>
-            </a:tbl>
-          </a:graphicData>
-        </a:graphic>
-      </p:graphicFrame>
-      <p:grpSp>
-        <p:nvGrpSpPr>
-          <p:cNvPr id="3" name="Группа 2">
-            <a:extLst>
-              <a:ext uri="{FF2B5EF4-FFF2-40B4-BE49-F238E27FC236}">
-                <a16:creationId xmlns:a16="http://schemas.microsoft.com/office/drawing/2014/main" id="{ACEFCE91-90C2-61C0-D41E-27B4F1AA8286}"/>
-              </a:ext>
-            </a:extLst>
-          </p:cNvPr>
-          <p:cNvGrpSpPr/>
-          <p:nvPr/>
-        </p:nvGrpSpPr>
-        <p:grpSpPr>
-          <a:xfrm>
-            <a:off x="1512711" y="1603022"/>
-            <a:ext cx="2043290" cy="4023360"/>
-            <a:chOff x="1659467" y="880533"/>
-            <a:chExt cx="1715911" cy="3635022"/>
-          </a:xfrm>
-        </p:grpSpPr>
-        <p:sp>
-          <p:nvSpPr>
-            <p:cNvPr id="6" name="Прямоугольник 5">
-              <a:extLst>
-                <a:ext uri="{FF2B5EF4-FFF2-40B4-BE49-F238E27FC236}">
-                  <a16:creationId xmlns:a16="http://schemas.microsoft.com/office/drawing/2014/main" id="{CCA8B701-0FF1-D8AF-2DD6-25A91B1BCABC}"/>
-                </a:ext>
-              </a:extLst>
-            </p:cNvPr>
-            <p:cNvSpPr/>
-            <p:nvPr/>
-          </p:nvSpPr>
-          <p:spPr>
-            <a:xfrm>
-              <a:off x="1659467" y="880533"/>
-              <a:ext cx="1715911" cy="1817511"/>
-            </a:xfrm>
-            <a:prstGeom prst="rect">
-              <a:avLst/>
-            </a:prstGeom>
-            <a:noFill/>
-            <a:ln>
-              <a:solidFill>
-                <a:schemeClr val="tx1"/>
-              </a:solidFill>
-            </a:ln>
-          </p:spPr>
-          <p:style>
-            <a:lnRef idx="2">
-              <a:schemeClr val="accent1">
-                <a:shade val="15000"/>
-              </a:schemeClr>
-            </a:lnRef>
-            <a:fillRef idx="1">
-              <a:schemeClr val="accent1"/>
-            </a:fillRef>
-            <a:effectRef idx="0">
-              <a:schemeClr val="accent1"/>
-            </a:effectRef>
-            <a:fontRef idx="minor">
-              <a:schemeClr val="lt1"/>
-            </a:fontRef>
-          </p:style>
-          <p:txBody>
-            <a:bodyPr rtlCol="0" anchor="ctr"/>
-            <a:lstStyle/>
-            <a:p>
-              <a:pPr algn="ctr"/>
-              <a:r>
-                <a:rPr lang="en-US" dirty="0">
-                  <a:solidFill>
-                    <a:sysClr val="windowText" lastClr="000000"/>
-                  </a:solidFill>
-                </a:rPr>
-                <a:t>“a“</a:t>
-              </a:r>
-            </a:p>
-          </p:txBody>
-        </p:sp>
-        <p:sp>
-          <p:nvSpPr>
-            <p:cNvPr id="8" name="Прямоугольник 7">
-              <a:extLst>
-                <a:ext uri="{FF2B5EF4-FFF2-40B4-BE49-F238E27FC236}">
-                  <a16:creationId xmlns:a16="http://schemas.microsoft.com/office/drawing/2014/main" id="{725AEC3B-E23C-1531-B51B-33BEF347AC58}"/>
-                </a:ext>
-              </a:extLst>
-            </p:cNvPr>
-            <p:cNvSpPr/>
-            <p:nvPr/>
-          </p:nvSpPr>
-          <p:spPr>
-            <a:xfrm>
-              <a:off x="1659467" y="2698044"/>
-              <a:ext cx="1715911" cy="1817511"/>
-            </a:xfrm>
-            <a:prstGeom prst="rect">
-              <a:avLst/>
-            </a:prstGeom>
-            <a:noFill/>
-            <a:ln>
-              <a:solidFill>
-                <a:schemeClr val="tx1"/>
-              </a:solidFill>
-            </a:ln>
-          </p:spPr>
-          <p:style>
-            <a:lnRef idx="2">
-              <a:schemeClr val="accent1">
-                <a:shade val="15000"/>
-              </a:schemeClr>
-            </a:lnRef>
-            <a:fillRef idx="1">
-              <a:schemeClr val="accent1"/>
-            </a:fillRef>
-            <a:effectRef idx="0">
-              <a:schemeClr val="accent1"/>
-            </a:effectRef>
-            <a:fontRef idx="minor">
-              <a:schemeClr val="lt1"/>
-            </a:fontRef>
-          </p:style>
-          <p:txBody>
-            <a:bodyPr rtlCol="0" anchor="ctr"/>
-            <a:lstStyle/>
-            <a:p>
-              <a:pPr algn="ctr"/>
-              <a:r>
-                <a:rPr lang="en-US" dirty="0">
-                  <a:solidFill>
-                    <a:sysClr val="windowText" lastClr="000000"/>
-                  </a:solidFill>
-                </a:rPr>
-                <a:t>“</a:t>
-              </a:r>
-              <a:r>
-                <a:rPr lang="en-US" dirty="0" err="1">
-                  <a:solidFill>
-                    <a:sysClr val="windowText" lastClr="000000"/>
-                  </a:solidFill>
-                </a:rPr>
-                <a:t>ll</a:t>
-              </a:r>
-              <a:r>
-                <a:rPr lang="en-US" dirty="0">
-                  <a:solidFill>
-                    <a:sysClr val="windowText" lastClr="000000"/>
-                  </a:solidFill>
-                </a:rPr>
-                <a:t>”</a:t>
-              </a:r>
-            </a:p>
-          </p:txBody>
-        </p:sp>
-      </p:grpSp>
-      <p:sp>
-        <p:nvSpPr>
-          <p:cNvPr id="10" name="TextBox 9">
-            <a:extLst>
-              <a:ext uri="{FF2B5EF4-FFF2-40B4-BE49-F238E27FC236}">
-                <a16:creationId xmlns:a16="http://schemas.microsoft.com/office/drawing/2014/main" id="{F4A98620-A4EC-0D62-B04A-C884C7CCEA42}"/>
-              </a:ext>
-            </a:extLst>
-          </p:cNvPr>
-          <p:cNvSpPr txBox="1"/>
-          <p:nvPr/>
-        </p:nvSpPr>
-        <p:spPr>
-          <a:xfrm>
-            <a:off x="366284" y="233079"/>
-            <a:ext cx="2212622" cy="646331"/>
-          </a:xfrm>
-          <a:prstGeom prst="rect">
-            <a:avLst/>
-          </a:prstGeom>
-          <a:noFill/>
-        </p:spPr>
-        <p:txBody>
-          <a:bodyPr wrap="square" rtlCol="0">
-            <a:spAutoFit/>
-          </a:bodyPr>
-          <a:lstStyle/>
-          <a:p>
-            <a:r>
-              <a:rPr lang="en-US" dirty="0"/>
-              <a:t>Release </a:t>
-            </a:r>
-            <a:endParaRPr lang="ru-RU" dirty="0"/>
-          </a:p>
-          <a:p>
-            <a:r>
-              <a:rPr lang="en-US" dirty="0"/>
-              <a:t>data</a:t>
-            </a:r>
-          </a:p>
-        </p:txBody>
-      </p:sp>
-    </p:spTree>
-    <p:extLst>
-      <p:ext uri="{BB962C8B-B14F-4D97-AF65-F5344CB8AC3E}">
-        <p14:creationId xmlns:p14="http://schemas.microsoft.com/office/powerpoint/2010/main" val="2724731516"/>
       </p:ext>
     </p:extLst>
   </p:cSld>
@@ -14087,7 +11814,7 @@
             <a:hlinkClick r:id="rId4" action="ppaction://hlinksldjump"/>
             <a:extLst>
               <a:ext uri="{FF2B5EF4-FFF2-40B4-BE49-F238E27FC236}">
-                <a16:creationId xmlns:a16="http://schemas.microsoft.com/office/drawing/2014/main" id="{42CE94A5-E4AD-FF97-D0B6-135543D8A640}"/>
+                <a16:creationId xmlns:a16="http://schemas.microsoft.com/office/drawing/2014/main" xmlns="" id="{42CE94A5-E4AD-FF97-D0B6-135543D8A640}"/>
               </a:ext>
             </a:extLst>
           </p:cNvPr>
@@ -15552,12 +13279,2558 @@
           <a:chExt cx="0" cy="0"/>
         </a:xfrm>
       </p:grpSpPr>
+      <p:graphicFrame>
+        <p:nvGraphicFramePr>
+          <p:cNvPr id="5" name="Таблица 4">
+            <a:extLst>
+              <a:ext uri="{FF2B5EF4-FFF2-40B4-BE49-F238E27FC236}">
+                <a16:creationId xmlns:a16="http://schemas.microsoft.com/office/drawing/2014/main" xmlns="" id="{4952D306-988C-CB5C-78B2-EAB0E370439F}"/>
+              </a:ext>
+            </a:extLst>
+          </p:cNvPr>
+          <p:cNvGraphicFramePr>
+            <a:graphicFrameLocks noGrp="1"/>
+          </p:cNvGraphicFramePr>
+          <p:nvPr>
+            <p:extLst>
+              <p:ext uri="{D42A27DB-BD31-4B8C-83A1-F6EECF244321}">
+                <p14:modId xmlns:p14="http://schemas.microsoft.com/office/powerpoint/2010/main" val="3311870221"/>
+              </p:ext>
+            </p:extLst>
+          </p:nvPr>
+        </p:nvGraphicFramePr>
+        <p:xfrm>
+          <a:off x="3375378" y="502920"/>
+          <a:ext cx="8461022" cy="5852160"/>
+        </p:xfrm>
+        <a:graphic>
+          <a:graphicData uri="http://schemas.openxmlformats.org/drawingml/2006/table">
+            <a:tbl>
+              <a:tblPr firstRow="1" bandRow="1">
+                <a:tableStyleId>{5C22544A-7EE6-4342-B048-85BDC9FD1C3A}</a:tableStyleId>
+              </a:tblPr>
+              <a:tblGrid>
+                <a:gridCol w="4230511">
+                  <a:extLst>
+                    <a:ext uri="{9D8B030D-6E8A-4147-A177-3AD203B41FA5}">
+                      <a16:colId xmlns:a16="http://schemas.microsoft.com/office/drawing/2014/main" xmlns="" val="3548131193"/>
+                    </a:ext>
+                  </a:extLst>
+                </a:gridCol>
+                <a:gridCol w="4230511">
+                  <a:extLst>
+                    <a:ext uri="{9D8B030D-6E8A-4147-A177-3AD203B41FA5}">
+                      <a16:colId xmlns:a16="http://schemas.microsoft.com/office/drawing/2014/main" xmlns="" val="798492654"/>
+                    </a:ext>
+                  </a:extLst>
+                </a:gridCol>
+              </a:tblGrid>
+              <a:tr h="328436">
+                <a:tc>
+                  <a:txBody>
+                    <a:bodyPr/>
+                    <a:lstStyle/>
+                    <a:p>
+                      <a:r>
+                        <a:rPr lang="en-US" dirty="0"/>
+                        <a:t>Algorithm name</a:t>
+                      </a:r>
+                    </a:p>
+                  </a:txBody>
+                  <a:tcPr>
+                    <a:solidFill>
+                      <a:srgbClr val="A4B2D8"/>
+                    </a:solidFill>
+                  </a:tcPr>
+                </a:tc>
+                <a:tc>
+                  <a:txBody>
+                    <a:bodyPr/>
+                    <a:lstStyle/>
+                    <a:p>
+                      <a:r>
+                        <a:rPr lang="en-US" dirty="0"/>
+                        <a:t>Time consumption (milliseconds)</a:t>
+                      </a:r>
+                    </a:p>
+                  </a:txBody>
+                  <a:tcPr>
+                    <a:solidFill>
+                      <a:srgbClr val="A4B2D8"/>
+                    </a:solidFill>
+                  </a:tcPr>
+                </a:tc>
+                <a:extLst>
+                  <a:ext uri="{0D108BD9-81ED-4DB2-BD59-A6C34878D82A}">
+                    <a16:rowId xmlns:a16="http://schemas.microsoft.com/office/drawing/2014/main" xmlns="" val="2796281045"/>
+                  </a:ext>
+                </a:extLst>
+              </a:tr>
+              <a:tr h="328436">
+                <a:tc>
+                  <a:txBody>
+                    <a:bodyPr/>
+                    <a:lstStyle/>
+                    <a:p>
+                      <a:r>
+                        <a:rPr lang="en-US" dirty="0"/>
+                        <a:t>Naïve</a:t>
+                      </a:r>
+                    </a:p>
+                  </a:txBody>
+                  <a:tcPr/>
+                </a:tc>
+                <a:tc>
+                  <a:txBody>
+                    <a:bodyPr/>
+                    <a:lstStyle/>
+                    <a:p>
+                      <a:r>
+                        <a:rPr lang="en-US" dirty="0"/>
+                        <a:t>0.6</a:t>
+                      </a:r>
+                    </a:p>
+                  </a:txBody>
+                  <a:tcPr/>
+                </a:tc>
+                <a:extLst>
+                  <a:ext uri="{0D108BD9-81ED-4DB2-BD59-A6C34878D82A}">
+                    <a16:rowId xmlns:a16="http://schemas.microsoft.com/office/drawing/2014/main" xmlns="" val="3713335356"/>
+                  </a:ext>
+                </a:extLst>
+              </a:tr>
+              <a:tr h="328436">
+                <a:tc>
+                  <a:txBody>
+                    <a:bodyPr/>
+                    <a:lstStyle/>
+                    <a:p>
+                      <a:r>
+                        <a:rPr lang="en-US" dirty="0"/>
+                        <a:t>Knuth-Morris-Pratt</a:t>
+                      </a:r>
+                    </a:p>
+                  </a:txBody>
+                  <a:tcPr/>
+                </a:tc>
+                <a:tc>
+                  <a:txBody>
+                    <a:bodyPr/>
+                    <a:lstStyle/>
+                    <a:p>
+                      <a:r>
+                        <a:rPr lang="en-US" dirty="0"/>
+                        <a:t>0.5</a:t>
+                      </a:r>
+                    </a:p>
+                  </a:txBody>
+                  <a:tcPr/>
+                </a:tc>
+                <a:extLst>
+                  <a:ext uri="{0D108BD9-81ED-4DB2-BD59-A6C34878D82A}">
+                    <a16:rowId xmlns:a16="http://schemas.microsoft.com/office/drawing/2014/main" xmlns="" val="2529639451"/>
+                  </a:ext>
+                </a:extLst>
+              </a:tr>
+              <a:tr h="328436">
+                <a:tc>
+                  <a:txBody>
+                    <a:bodyPr/>
+                    <a:lstStyle/>
+                    <a:p>
+                      <a:r>
+                        <a:rPr lang="en-US" dirty="0"/>
+                        <a:t>Boyer-Moore</a:t>
+                      </a:r>
+                    </a:p>
+                  </a:txBody>
+                  <a:tcPr/>
+                </a:tc>
+                <a:tc>
+                  <a:txBody>
+                    <a:bodyPr/>
+                    <a:lstStyle/>
+                    <a:p>
+                      <a:r>
+                        <a:rPr lang="en-US" dirty="0"/>
+                        <a:t>0.3</a:t>
+                      </a:r>
+                    </a:p>
+                  </a:txBody>
+                  <a:tcPr/>
+                </a:tc>
+                <a:extLst>
+                  <a:ext uri="{0D108BD9-81ED-4DB2-BD59-A6C34878D82A}">
+                    <a16:rowId xmlns:a16="http://schemas.microsoft.com/office/drawing/2014/main" xmlns="" val="901445339"/>
+                  </a:ext>
+                </a:extLst>
+              </a:tr>
+              <a:tr h="328436">
+                <a:tc>
+                  <a:txBody>
+                    <a:bodyPr/>
+                    <a:lstStyle/>
+                    <a:p>
+                      <a:r>
+                        <a:rPr lang="en-US" dirty="0"/>
+                        <a:t>Rabin-Karp</a:t>
+                      </a:r>
+                    </a:p>
+                  </a:txBody>
+                  <a:tcPr/>
+                </a:tc>
+                <a:tc>
+                  <a:txBody>
+                    <a:bodyPr/>
+                    <a:lstStyle/>
+                    <a:p>
+                      <a:r>
+                        <a:rPr lang="en-US" dirty="0"/>
+                        <a:t>0.4</a:t>
+                      </a:r>
+                    </a:p>
+                  </a:txBody>
+                  <a:tcPr/>
+                </a:tc>
+                <a:extLst>
+                  <a:ext uri="{0D108BD9-81ED-4DB2-BD59-A6C34878D82A}">
+                    <a16:rowId xmlns:a16="http://schemas.microsoft.com/office/drawing/2014/main" xmlns="" val="3389220492"/>
+                  </a:ext>
+                </a:extLst>
+              </a:tr>
+              <a:tr h="328436">
+                <a:tc>
+                  <a:txBody>
+                    <a:bodyPr/>
+                    <a:lstStyle/>
+                    <a:p>
+                      <a:r>
+                        <a:rPr lang="en-US" dirty="0"/>
+                        <a:t>Shift-Or</a:t>
+                      </a:r>
+                    </a:p>
+                  </a:txBody>
+                  <a:tcPr/>
+                </a:tc>
+                <a:tc>
+                  <a:txBody>
+                    <a:bodyPr/>
+                    <a:lstStyle/>
+                    <a:p>
+                      <a:r>
+                        <a:rPr lang="en-US" dirty="0"/>
+                        <a:t>0.1</a:t>
+                      </a:r>
+                    </a:p>
+                  </a:txBody>
+                  <a:tcPr/>
+                </a:tc>
+                <a:extLst>
+                  <a:ext uri="{0D108BD9-81ED-4DB2-BD59-A6C34878D82A}">
+                    <a16:rowId xmlns:a16="http://schemas.microsoft.com/office/drawing/2014/main" xmlns="" val="2089200656"/>
+                  </a:ext>
+                </a:extLst>
+              </a:tr>
+              <a:tr h="328436">
+                <a:tc>
+                  <a:txBody>
+                    <a:bodyPr/>
+                    <a:lstStyle/>
+                    <a:p>
+                      <a:r>
+                        <a:rPr lang="en-US" dirty="0"/>
+                        <a:t>Naïve</a:t>
+                      </a:r>
+                    </a:p>
+                  </a:txBody>
+                  <a:tcPr/>
+                </a:tc>
+                <a:tc>
+                  <a:txBody>
+                    <a:bodyPr/>
+                    <a:lstStyle/>
+                    <a:p>
+                      <a:r>
+                        <a:rPr lang="en-US" dirty="0"/>
+                        <a:t>0.5</a:t>
+                      </a:r>
+                    </a:p>
+                  </a:txBody>
+                  <a:tcPr/>
+                </a:tc>
+                <a:extLst>
+                  <a:ext uri="{0D108BD9-81ED-4DB2-BD59-A6C34878D82A}">
+                    <a16:rowId xmlns:a16="http://schemas.microsoft.com/office/drawing/2014/main" xmlns="" val="4118949036"/>
+                  </a:ext>
+                </a:extLst>
+              </a:tr>
+              <a:tr h="328436">
+                <a:tc>
+                  <a:txBody>
+                    <a:bodyPr/>
+                    <a:lstStyle/>
+                    <a:p>
+                      <a:r>
+                        <a:rPr lang="en-US" dirty="0"/>
+                        <a:t>Knuth-Morris-Pratt</a:t>
+                      </a:r>
+                    </a:p>
+                  </a:txBody>
+                  <a:tcPr/>
+                </a:tc>
+                <a:tc>
+                  <a:txBody>
+                    <a:bodyPr/>
+                    <a:lstStyle/>
+                    <a:p>
+                      <a:r>
+                        <a:rPr lang="en-US" dirty="0"/>
+                        <a:t>0.4</a:t>
+                      </a:r>
+                    </a:p>
+                  </a:txBody>
+                  <a:tcPr/>
+                </a:tc>
+                <a:extLst>
+                  <a:ext uri="{0D108BD9-81ED-4DB2-BD59-A6C34878D82A}">
+                    <a16:rowId xmlns:a16="http://schemas.microsoft.com/office/drawing/2014/main" xmlns="" val="3362606704"/>
+                  </a:ext>
+                </a:extLst>
+              </a:tr>
+              <a:tr h="328436">
+                <a:tc>
+                  <a:txBody>
+                    <a:bodyPr/>
+                    <a:lstStyle/>
+                    <a:p>
+                      <a:r>
+                        <a:rPr lang="en-US" dirty="0"/>
+                        <a:t>Boyer-Moore</a:t>
+                      </a:r>
+                    </a:p>
+                  </a:txBody>
+                  <a:tcPr/>
+                </a:tc>
+                <a:tc>
+                  <a:txBody>
+                    <a:bodyPr/>
+                    <a:lstStyle/>
+                    <a:p>
+                      <a:r>
+                        <a:rPr lang="en-US" dirty="0"/>
+                        <a:t>0.3</a:t>
+                      </a:r>
+                    </a:p>
+                  </a:txBody>
+                  <a:tcPr/>
+                </a:tc>
+                <a:extLst>
+                  <a:ext uri="{0D108BD9-81ED-4DB2-BD59-A6C34878D82A}">
+                    <a16:rowId xmlns:a16="http://schemas.microsoft.com/office/drawing/2014/main" xmlns="" val="3791329073"/>
+                  </a:ext>
+                </a:extLst>
+              </a:tr>
+              <a:tr h="328436">
+                <a:tc>
+                  <a:txBody>
+                    <a:bodyPr/>
+                    <a:lstStyle/>
+                    <a:p>
+                      <a:r>
+                        <a:rPr lang="en-US" dirty="0"/>
+                        <a:t>Rabin-Karp</a:t>
+                      </a:r>
+                    </a:p>
+                  </a:txBody>
+                  <a:tcPr/>
+                </a:tc>
+                <a:tc>
+                  <a:txBody>
+                    <a:bodyPr/>
+                    <a:lstStyle/>
+                    <a:p>
+                      <a:r>
+                        <a:rPr lang="en-US" dirty="0"/>
+                        <a:t>0.45</a:t>
+                      </a:r>
+                    </a:p>
+                  </a:txBody>
+                  <a:tcPr/>
+                </a:tc>
+                <a:extLst>
+                  <a:ext uri="{0D108BD9-81ED-4DB2-BD59-A6C34878D82A}">
+                    <a16:rowId xmlns:a16="http://schemas.microsoft.com/office/drawing/2014/main" xmlns="" val="3209349693"/>
+                  </a:ext>
+                </a:extLst>
+              </a:tr>
+              <a:tr h="328436">
+                <a:tc>
+                  <a:txBody>
+                    <a:bodyPr/>
+                    <a:lstStyle/>
+                    <a:p>
+                      <a:r>
+                        <a:rPr lang="en-US" dirty="0"/>
+                        <a:t>Shift-Or</a:t>
+                      </a:r>
+                    </a:p>
+                  </a:txBody>
+                  <a:tcPr/>
+                </a:tc>
+                <a:tc>
+                  <a:txBody>
+                    <a:bodyPr/>
+                    <a:lstStyle/>
+                    <a:p>
+                      <a:r>
+                        <a:rPr lang="en-US" dirty="0"/>
+                        <a:t>0.4</a:t>
+                      </a:r>
+                    </a:p>
+                  </a:txBody>
+                  <a:tcPr/>
+                </a:tc>
+                <a:extLst>
+                  <a:ext uri="{0D108BD9-81ED-4DB2-BD59-A6C34878D82A}">
+                    <a16:rowId xmlns:a16="http://schemas.microsoft.com/office/drawing/2014/main" xmlns="" val="1975650176"/>
+                  </a:ext>
+                </a:extLst>
+              </a:tr>
+              <a:tr h="328436">
+                <a:tc>
+                  <a:txBody>
+                    <a:bodyPr/>
+                    <a:lstStyle/>
+                    <a:p>
+                      <a:r>
+                        <a:rPr lang="en-US" dirty="0"/>
+                        <a:t>Naïve</a:t>
+                      </a:r>
+                    </a:p>
+                  </a:txBody>
+                  <a:tcPr/>
+                </a:tc>
+                <a:tc>
+                  <a:txBody>
+                    <a:bodyPr/>
+                    <a:lstStyle/>
+                    <a:p>
+                      <a:r>
+                        <a:rPr lang="en-US" dirty="0"/>
+                        <a:t>1.3</a:t>
+                      </a:r>
+                    </a:p>
+                  </a:txBody>
+                  <a:tcPr/>
+                </a:tc>
+                <a:extLst>
+                  <a:ext uri="{0D108BD9-81ED-4DB2-BD59-A6C34878D82A}">
+                    <a16:rowId xmlns:a16="http://schemas.microsoft.com/office/drawing/2014/main" xmlns="" val="3451020826"/>
+                  </a:ext>
+                </a:extLst>
+              </a:tr>
+              <a:tr h="328436">
+                <a:tc>
+                  <a:txBody>
+                    <a:bodyPr/>
+                    <a:lstStyle/>
+                    <a:p>
+                      <a:r>
+                        <a:rPr lang="en-US" dirty="0"/>
+                        <a:t>Knuth-Morris-Pratt</a:t>
+                      </a:r>
+                    </a:p>
+                  </a:txBody>
+                  <a:tcPr/>
+                </a:tc>
+                <a:tc>
+                  <a:txBody>
+                    <a:bodyPr/>
+                    <a:lstStyle/>
+                    <a:p>
+                      <a:r>
+                        <a:rPr lang="en-US" dirty="0"/>
+                        <a:t>2.1</a:t>
+                      </a:r>
+                    </a:p>
+                  </a:txBody>
+                  <a:tcPr/>
+                </a:tc>
+                <a:extLst>
+                  <a:ext uri="{0D108BD9-81ED-4DB2-BD59-A6C34878D82A}">
+                    <a16:rowId xmlns:a16="http://schemas.microsoft.com/office/drawing/2014/main" xmlns="" val="4289574791"/>
+                  </a:ext>
+                </a:extLst>
+              </a:tr>
+              <a:tr h="328436">
+                <a:tc>
+                  <a:txBody>
+                    <a:bodyPr/>
+                    <a:lstStyle/>
+                    <a:p>
+                      <a:r>
+                        <a:rPr lang="en-US" dirty="0"/>
+                        <a:t>Boyer-Moore</a:t>
+                      </a:r>
+                    </a:p>
+                  </a:txBody>
+                  <a:tcPr/>
+                </a:tc>
+                <a:tc>
+                  <a:txBody>
+                    <a:bodyPr/>
+                    <a:lstStyle/>
+                    <a:p>
+                      <a:r>
+                        <a:rPr lang="en-US" dirty="0"/>
+                        <a:t>0.5</a:t>
+                      </a:r>
+                    </a:p>
+                  </a:txBody>
+                  <a:tcPr/>
+                </a:tc>
+                <a:extLst>
+                  <a:ext uri="{0D108BD9-81ED-4DB2-BD59-A6C34878D82A}">
+                    <a16:rowId xmlns:a16="http://schemas.microsoft.com/office/drawing/2014/main" xmlns="" val="2978295479"/>
+                  </a:ext>
+                </a:extLst>
+              </a:tr>
+              <a:tr h="328436">
+                <a:tc>
+                  <a:txBody>
+                    <a:bodyPr/>
+                    <a:lstStyle/>
+                    <a:p>
+                      <a:r>
+                        <a:rPr lang="en-US" dirty="0"/>
+                        <a:t>Rabin-Karp</a:t>
+                      </a:r>
+                    </a:p>
+                  </a:txBody>
+                  <a:tcPr/>
+                </a:tc>
+                <a:tc>
+                  <a:txBody>
+                    <a:bodyPr/>
+                    <a:lstStyle/>
+                    <a:p>
+                      <a:r>
+                        <a:rPr lang="en-US" dirty="0"/>
+                        <a:t>1.8</a:t>
+                      </a:r>
+                    </a:p>
+                  </a:txBody>
+                  <a:tcPr/>
+                </a:tc>
+                <a:extLst>
+                  <a:ext uri="{0D108BD9-81ED-4DB2-BD59-A6C34878D82A}">
+                    <a16:rowId xmlns:a16="http://schemas.microsoft.com/office/drawing/2014/main" xmlns="" val="3398165297"/>
+                  </a:ext>
+                </a:extLst>
+              </a:tr>
+              <a:tr h="328436">
+                <a:tc>
+                  <a:txBody>
+                    <a:bodyPr/>
+                    <a:lstStyle/>
+                    <a:p>
+                      <a:r>
+                        <a:rPr lang="en-US" dirty="0"/>
+                        <a:t>Shift-Or</a:t>
+                      </a:r>
+                    </a:p>
+                  </a:txBody>
+                  <a:tcPr/>
+                </a:tc>
+                <a:tc>
+                  <a:txBody>
+                    <a:bodyPr/>
+                    <a:lstStyle/>
+                    <a:p>
+                      <a:r>
+                        <a:rPr lang="en-US" dirty="0"/>
+                        <a:t>2.2</a:t>
+                      </a:r>
+                    </a:p>
+                  </a:txBody>
+                  <a:tcPr/>
+                </a:tc>
+                <a:extLst>
+                  <a:ext uri="{0D108BD9-81ED-4DB2-BD59-A6C34878D82A}">
+                    <a16:rowId xmlns:a16="http://schemas.microsoft.com/office/drawing/2014/main" xmlns="" val="3238298678"/>
+                  </a:ext>
+                </a:extLst>
+              </a:tr>
+            </a:tbl>
+          </a:graphicData>
+        </a:graphic>
+      </p:graphicFrame>
+      <p:sp>
+        <p:nvSpPr>
+          <p:cNvPr id="6" name="Прямоугольник 5">
+            <a:extLst>
+              <a:ext uri="{FF2B5EF4-FFF2-40B4-BE49-F238E27FC236}">
+                <a16:creationId xmlns:a16="http://schemas.microsoft.com/office/drawing/2014/main" xmlns="" id="{CCA8B701-0FF1-D8AF-2DD6-25A91B1BCABC}"/>
+              </a:ext>
+            </a:extLst>
+          </p:cNvPr>
+          <p:cNvSpPr/>
+          <p:nvPr/>
+        </p:nvSpPr>
+        <p:spPr>
+          <a:xfrm>
+            <a:off x="1659467" y="880533"/>
+            <a:ext cx="1715911" cy="1817511"/>
+          </a:xfrm>
+          <a:prstGeom prst="rect">
+            <a:avLst/>
+          </a:prstGeom>
+          <a:noFill/>
+          <a:ln>
+            <a:solidFill>
+              <a:schemeClr val="tx1"/>
+            </a:solidFill>
+          </a:ln>
+        </p:spPr>
+        <p:style>
+          <a:lnRef idx="2">
+            <a:schemeClr val="accent1">
+              <a:shade val="15000"/>
+            </a:schemeClr>
+          </a:lnRef>
+          <a:fillRef idx="1">
+            <a:schemeClr val="accent1"/>
+          </a:fillRef>
+          <a:effectRef idx="0">
+            <a:schemeClr val="accent1"/>
+          </a:effectRef>
+          <a:fontRef idx="minor">
+            <a:schemeClr val="lt1"/>
+          </a:fontRef>
+        </p:style>
+        <p:txBody>
+          <a:bodyPr rtlCol="0" anchor="ctr"/>
+          <a:lstStyle/>
+          <a:p>
+            <a:pPr algn="ctr"/>
+            <a:r>
+              <a:rPr lang="en-US" dirty="0">
+                <a:solidFill>
+                  <a:sysClr val="windowText" lastClr="000000"/>
+                </a:solidFill>
+              </a:rPr>
+              <a:t>Length: 20</a:t>
+            </a:r>
+          </a:p>
+        </p:txBody>
+      </p:sp>
+      <p:sp>
+        <p:nvSpPr>
+          <p:cNvPr id="8" name="Прямоугольник 7">
+            <a:extLst>
+              <a:ext uri="{FF2B5EF4-FFF2-40B4-BE49-F238E27FC236}">
+                <a16:creationId xmlns:a16="http://schemas.microsoft.com/office/drawing/2014/main" xmlns="" id="{725AEC3B-E23C-1531-B51B-33BEF347AC58}"/>
+              </a:ext>
+            </a:extLst>
+          </p:cNvPr>
+          <p:cNvSpPr/>
+          <p:nvPr/>
+        </p:nvSpPr>
+        <p:spPr>
+          <a:xfrm>
+            <a:off x="1659467" y="2698044"/>
+            <a:ext cx="1715911" cy="1817511"/>
+          </a:xfrm>
+          <a:prstGeom prst="rect">
+            <a:avLst/>
+          </a:prstGeom>
+          <a:noFill/>
+          <a:ln>
+            <a:solidFill>
+              <a:schemeClr val="tx1"/>
+            </a:solidFill>
+          </a:ln>
+        </p:spPr>
+        <p:style>
+          <a:lnRef idx="2">
+            <a:schemeClr val="accent1">
+              <a:shade val="15000"/>
+            </a:schemeClr>
+          </a:lnRef>
+          <a:fillRef idx="1">
+            <a:schemeClr val="accent1"/>
+          </a:fillRef>
+          <a:effectRef idx="0">
+            <a:schemeClr val="accent1"/>
+          </a:effectRef>
+          <a:fontRef idx="minor">
+            <a:schemeClr val="lt1"/>
+          </a:fontRef>
+        </p:style>
+        <p:txBody>
+          <a:bodyPr rtlCol="0" anchor="ctr"/>
+          <a:lstStyle/>
+          <a:p>
+            <a:pPr algn="ctr"/>
+            <a:r>
+              <a:rPr lang="en-US" dirty="0">
+                <a:solidFill>
+                  <a:sysClr val="windowText" lastClr="000000"/>
+                </a:solidFill>
+              </a:rPr>
+              <a:t>Length: </a:t>
+            </a:r>
+            <a:r>
+              <a:rPr lang="ru-RU" dirty="0">
+                <a:solidFill>
+                  <a:sysClr val="windowText" lastClr="000000"/>
+                </a:solidFill>
+              </a:rPr>
+              <a:t>100</a:t>
+            </a:r>
+            <a:r>
+              <a:rPr lang="en-US" dirty="0">
+                <a:solidFill>
+                  <a:sysClr val="windowText" lastClr="000000"/>
+                </a:solidFill>
+              </a:rPr>
+              <a:t>0</a:t>
+            </a:r>
+          </a:p>
+        </p:txBody>
+      </p:sp>
+      <p:sp>
+        <p:nvSpPr>
+          <p:cNvPr id="9" name="Прямоугольник 8">
+            <a:extLst>
+              <a:ext uri="{FF2B5EF4-FFF2-40B4-BE49-F238E27FC236}">
+                <a16:creationId xmlns:a16="http://schemas.microsoft.com/office/drawing/2014/main" xmlns="" id="{30C80BF9-0928-9C04-8217-E7BBD8024509}"/>
+              </a:ext>
+            </a:extLst>
+          </p:cNvPr>
+          <p:cNvSpPr/>
+          <p:nvPr/>
+        </p:nvSpPr>
+        <p:spPr>
+          <a:xfrm>
+            <a:off x="1659466" y="4515555"/>
+            <a:ext cx="1715911" cy="1817511"/>
+          </a:xfrm>
+          <a:prstGeom prst="rect">
+            <a:avLst/>
+          </a:prstGeom>
+          <a:noFill/>
+          <a:ln>
+            <a:solidFill>
+              <a:schemeClr val="tx1"/>
+            </a:solidFill>
+          </a:ln>
+        </p:spPr>
+        <p:style>
+          <a:lnRef idx="2">
+            <a:schemeClr val="accent1">
+              <a:shade val="15000"/>
+            </a:schemeClr>
+          </a:lnRef>
+          <a:fillRef idx="1">
+            <a:schemeClr val="accent1"/>
+          </a:fillRef>
+          <a:effectRef idx="0">
+            <a:schemeClr val="accent1"/>
+          </a:effectRef>
+          <a:fontRef idx="minor">
+            <a:schemeClr val="lt1"/>
+          </a:fontRef>
+        </p:style>
+        <p:txBody>
+          <a:bodyPr rtlCol="0" anchor="ctr"/>
+          <a:lstStyle/>
+          <a:p>
+            <a:pPr algn="ctr"/>
+            <a:r>
+              <a:rPr lang="en-US" dirty="0">
+                <a:solidFill>
+                  <a:sysClr val="windowText" lastClr="000000"/>
+                </a:solidFill>
+              </a:rPr>
+              <a:t>Length: 1</a:t>
+            </a:r>
+            <a:r>
+              <a:rPr lang="ru-RU" dirty="0">
+                <a:solidFill>
+                  <a:sysClr val="windowText" lastClr="000000"/>
+                </a:solidFill>
+              </a:rPr>
+              <a:t>0</a:t>
+            </a:r>
+            <a:r>
+              <a:rPr lang="en-US" dirty="0">
+                <a:solidFill>
+                  <a:sysClr val="windowText" lastClr="000000"/>
+                </a:solidFill>
+              </a:rPr>
+              <a:t>000</a:t>
+            </a:r>
+          </a:p>
+        </p:txBody>
+      </p:sp>
+      <p:sp>
+        <p:nvSpPr>
+          <p:cNvPr id="10" name="TextBox 9">
+            <a:extLst>
+              <a:ext uri="{FF2B5EF4-FFF2-40B4-BE49-F238E27FC236}">
+                <a16:creationId xmlns:a16="http://schemas.microsoft.com/office/drawing/2014/main" xmlns="" id="{F4A98620-A4EC-0D62-B04A-C884C7CCEA42}"/>
+              </a:ext>
+            </a:extLst>
+          </p:cNvPr>
+          <p:cNvSpPr txBox="1"/>
+          <p:nvPr/>
+        </p:nvSpPr>
+        <p:spPr>
+          <a:xfrm>
+            <a:off x="431389" y="234202"/>
+            <a:ext cx="2212622" cy="646331"/>
+          </a:xfrm>
+          <a:prstGeom prst="rect">
+            <a:avLst/>
+          </a:prstGeom>
+          <a:noFill/>
+        </p:spPr>
+        <p:txBody>
+          <a:bodyPr wrap="square" rtlCol="0">
+            <a:spAutoFit/>
+          </a:bodyPr>
+          <a:lstStyle/>
+          <a:p>
+            <a:r>
+              <a:rPr lang="en-US" dirty="0"/>
+              <a:t>Release </a:t>
+            </a:r>
+            <a:endParaRPr lang="ru-RU" dirty="0"/>
+          </a:p>
+          <a:p>
+            <a:r>
+              <a:rPr lang="en-US" dirty="0"/>
+              <a:t>data</a:t>
+            </a:r>
+          </a:p>
+        </p:txBody>
+      </p:sp>
+    </p:spTree>
+    <p:extLst>
+      <p:ext uri="{BB962C8B-B14F-4D97-AF65-F5344CB8AC3E}">
+        <p14:creationId xmlns:p14="http://schemas.microsoft.com/office/powerpoint/2010/main" val="3993714427"/>
+      </p:ext>
+    </p:extLst>
+  </p:cSld>
+  <p:clrMapOvr>
+    <a:masterClrMapping/>
+  </p:clrMapOvr>
+  <mc:AlternateContent xmlns:mc="http://schemas.openxmlformats.org/markup-compatibility/2006" xmlns:p14="http://schemas.microsoft.com/office/powerpoint/2010/main">
+    <mc:Choice Requires="p14">
+      <p:transition spd="slow" p14:dur="1600">
+        <p14:conveyor dir="l"/>
+      </p:transition>
+    </mc:Choice>
+    <mc:Fallback xmlns="">
+      <p:transition spd="slow">
+        <p:fade/>
+      </p:transition>
+    </mc:Fallback>
+  </mc:AlternateContent>
+</p:sld>
+</file>
+
+<file path=ppt/slides/slide31.xml><?xml version="1.0" encoding="utf-8"?>
+<p:sld xmlns:a="http://schemas.openxmlformats.org/drawingml/2006/main" xmlns:r="http://schemas.openxmlformats.org/officeDocument/2006/relationships" xmlns:p="http://schemas.openxmlformats.org/presentationml/2006/main">
+  <p:cSld>
+    <p:spTree>
+      <p:nvGrpSpPr>
+        <p:cNvPr id="1" name=""/>
+        <p:cNvGrpSpPr/>
+        <p:nvPr/>
+      </p:nvGrpSpPr>
+      <p:grpSpPr>
+        <a:xfrm>
+          <a:off x="0" y="0"/>
+          <a:ext cx="0" cy="0"/>
+          <a:chOff x="0" y="0"/>
+          <a:chExt cx="0" cy="0"/>
+        </a:xfrm>
+      </p:grpSpPr>
+      <p:graphicFrame>
+        <p:nvGraphicFramePr>
+          <p:cNvPr id="5" name="Таблица 4">
+            <a:extLst>
+              <a:ext uri="{FF2B5EF4-FFF2-40B4-BE49-F238E27FC236}">
+                <a16:creationId xmlns:a16="http://schemas.microsoft.com/office/drawing/2014/main" xmlns="" id="{4952D306-988C-CB5C-78B2-EAB0E370439F}"/>
+              </a:ext>
+            </a:extLst>
+          </p:cNvPr>
+          <p:cNvGraphicFramePr>
+            <a:graphicFrameLocks noGrp="1"/>
+          </p:cNvGraphicFramePr>
+          <p:nvPr/>
+        </p:nvGraphicFramePr>
+        <p:xfrm>
+          <a:off x="3375378" y="502920"/>
+          <a:ext cx="8461022" cy="5852160"/>
+        </p:xfrm>
+        <a:graphic>
+          <a:graphicData uri="http://schemas.openxmlformats.org/drawingml/2006/table">
+            <a:tbl>
+              <a:tblPr firstRow="1" bandRow="1">
+                <a:tableStyleId>{5C22544A-7EE6-4342-B048-85BDC9FD1C3A}</a:tableStyleId>
+              </a:tblPr>
+              <a:tblGrid>
+                <a:gridCol w="4230511">
+                  <a:extLst>
+                    <a:ext uri="{9D8B030D-6E8A-4147-A177-3AD203B41FA5}">
+                      <a16:colId xmlns:a16="http://schemas.microsoft.com/office/drawing/2014/main" xmlns="" val="3548131193"/>
+                    </a:ext>
+                  </a:extLst>
+                </a:gridCol>
+                <a:gridCol w="4230511">
+                  <a:extLst>
+                    <a:ext uri="{9D8B030D-6E8A-4147-A177-3AD203B41FA5}">
+                      <a16:colId xmlns:a16="http://schemas.microsoft.com/office/drawing/2014/main" xmlns="" val="798492654"/>
+                    </a:ext>
+                  </a:extLst>
+                </a:gridCol>
+              </a:tblGrid>
+              <a:tr h="328436">
+                <a:tc>
+                  <a:txBody>
+                    <a:bodyPr/>
+                    <a:lstStyle/>
+                    <a:p>
+                      <a:r>
+                        <a:rPr lang="en-US" dirty="0"/>
+                        <a:t>Algorithm name</a:t>
+                      </a:r>
+                    </a:p>
+                  </a:txBody>
+                  <a:tcPr>
+                    <a:solidFill>
+                      <a:srgbClr val="A4B2D8"/>
+                    </a:solidFill>
+                  </a:tcPr>
+                </a:tc>
+                <a:tc>
+                  <a:txBody>
+                    <a:bodyPr/>
+                    <a:lstStyle/>
+                    <a:p>
+                      <a:r>
+                        <a:rPr lang="en-US" dirty="0"/>
+                        <a:t>Time consumption (milliseconds)</a:t>
+                      </a:r>
+                    </a:p>
+                  </a:txBody>
+                  <a:tcPr>
+                    <a:solidFill>
+                      <a:srgbClr val="A4B2D8"/>
+                    </a:solidFill>
+                  </a:tcPr>
+                </a:tc>
+                <a:extLst>
+                  <a:ext uri="{0D108BD9-81ED-4DB2-BD59-A6C34878D82A}">
+                    <a16:rowId xmlns:a16="http://schemas.microsoft.com/office/drawing/2014/main" xmlns="" val="2796281045"/>
+                  </a:ext>
+                </a:extLst>
+              </a:tr>
+              <a:tr h="328436">
+                <a:tc>
+                  <a:txBody>
+                    <a:bodyPr/>
+                    <a:lstStyle/>
+                    <a:p>
+                      <a:r>
+                        <a:rPr lang="en-US" dirty="0"/>
+                        <a:t>Naïve</a:t>
+                      </a:r>
+                    </a:p>
+                  </a:txBody>
+                  <a:tcPr/>
+                </a:tc>
+                <a:tc>
+                  <a:txBody>
+                    <a:bodyPr/>
+                    <a:lstStyle/>
+                    <a:p>
+                      <a:pPr marL="0" marR="0" lvl="0" indent="0" algn="l" defTabSz="914400" rtl="0" eaLnBrk="1" fontAlgn="auto" latinLnBrk="0" hangingPunct="1">
+                        <a:lnSpc>
+                          <a:spcPct val="100000"/>
+                        </a:lnSpc>
+                        <a:spcBef>
+                          <a:spcPts val="0"/>
+                        </a:spcBef>
+                        <a:spcAft>
+                          <a:spcPts val="0"/>
+                        </a:spcAft>
+                        <a:buClrTx/>
+                        <a:buSzTx/>
+                        <a:buFontTx/>
+                        <a:buNone/>
+                        <a:tabLst/>
+                        <a:defRPr/>
+                      </a:pPr>
+                      <a:r>
+                        <a:rPr lang="en-US" dirty="0"/>
+                        <a:t>121</a:t>
+                      </a:r>
+                    </a:p>
+                  </a:txBody>
+                  <a:tcPr/>
+                </a:tc>
+                <a:extLst>
+                  <a:ext uri="{0D108BD9-81ED-4DB2-BD59-A6C34878D82A}">
+                    <a16:rowId xmlns:a16="http://schemas.microsoft.com/office/drawing/2014/main" xmlns="" val="3713335356"/>
+                  </a:ext>
+                </a:extLst>
+              </a:tr>
+              <a:tr h="328436">
+                <a:tc>
+                  <a:txBody>
+                    <a:bodyPr/>
+                    <a:lstStyle/>
+                    <a:p>
+                      <a:r>
+                        <a:rPr lang="en-US" dirty="0"/>
+                        <a:t>Knuth-Morris-Pratt</a:t>
+                      </a:r>
+                    </a:p>
+                  </a:txBody>
+                  <a:tcPr/>
+                </a:tc>
+                <a:tc>
+                  <a:txBody>
+                    <a:bodyPr/>
+                    <a:lstStyle/>
+                    <a:p>
+                      <a:pPr marL="0" marR="0" lvl="0" indent="0" algn="l" defTabSz="914400" rtl="0" eaLnBrk="1" fontAlgn="auto" latinLnBrk="0" hangingPunct="1">
+                        <a:lnSpc>
+                          <a:spcPct val="100000"/>
+                        </a:lnSpc>
+                        <a:spcBef>
+                          <a:spcPts val="0"/>
+                        </a:spcBef>
+                        <a:spcAft>
+                          <a:spcPts val="0"/>
+                        </a:spcAft>
+                        <a:buClrTx/>
+                        <a:buSzTx/>
+                        <a:buFontTx/>
+                        <a:buNone/>
+                        <a:tabLst/>
+                        <a:defRPr/>
+                      </a:pPr>
+                      <a:r>
+                        <a:rPr lang="en-US" dirty="0"/>
+                        <a:t>97</a:t>
+                      </a:r>
+                    </a:p>
+                  </a:txBody>
+                  <a:tcPr/>
+                </a:tc>
+                <a:extLst>
+                  <a:ext uri="{0D108BD9-81ED-4DB2-BD59-A6C34878D82A}">
+                    <a16:rowId xmlns:a16="http://schemas.microsoft.com/office/drawing/2014/main" xmlns="" val="2529639451"/>
+                  </a:ext>
+                </a:extLst>
+              </a:tr>
+              <a:tr h="328436">
+                <a:tc>
+                  <a:txBody>
+                    <a:bodyPr/>
+                    <a:lstStyle/>
+                    <a:p>
+                      <a:r>
+                        <a:rPr lang="en-US" dirty="0"/>
+                        <a:t>Boyer-Moore</a:t>
+                      </a:r>
+                    </a:p>
+                  </a:txBody>
+                  <a:tcPr/>
+                </a:tc>
+                <a:tc>
+                  <a:txBody>
+                    <a:bodyPr/>
+                    <a:lstStyle/>
+                    <a:p>
+                      <a:r>
+                        <a:rPr lang="en-US" dirty="0"/>
+                        <a:t>123</a:t>
+                      </a:r>
+                    </a:p>
+                  </a:txBody>
+                  <a:tcPr/>
+                </a:tc>
+                <a:extLst>
+                  <a:ext uri="{0D108BD9-81ED-4DB2-BD59-A6C34878D82A}">
+                    <a16:rowId xmlns:a16="http://schemas.microsoft.com/office/drawing/2014/main" xmlns="" val="901445339"/>
+                  </a:ext>
+                </a:extLst>
+              </a:tr>
+              <a:tr h="328436">
+                <a:tc>
+                  <a:txBody>
+                    <a:bodyPr/>
+                    <a:lstStyle/>
+                    <a:p>
+                      <a:r>
+                        <a:rPr lang="en-US" dirty="0"/>
+                        <a:t>Rabin-Karp</a:t>
+                      </a:r>
+                    </a:p>
+                  </a:txBody>
+                  <a:tcPr/>
+                </a:tc>
+                <a:tc>
+                  <a:txBody>
+                    <a:bodyPr/>
+                    <a:lstStyle/>
+                    <a:p>
+                      <a:r>
+                        <a:rPr lang="en-US" dirty="0"/>
+                        <a:t>151</a:t>
+                      </a:r>
+                    </a:p>
+                  </a:txBody>
+                  <a:tcPr/>
+                </a:tc>
+                <a:extLst>
+                  <a:ext uri="{0D108BD9-81ED-4DB2-BD59-A6C34878D82A}">
+                    <a16:rowId xmlns:a16="http://schemas.microsoft.com/office/drawing/2014/main" xmlns="" val="3389220492"/>
+                  </a:ext>
+                </a:extLst>
+              </a:tr>
+              <a:tr h="328436">
+                <a:tc>
+                  <a:txBody>
+                    <a:bodyPr/>
+                    <a:lstStyle/>
+                    <a:p>
+                      <a:r>
+                        <a:rPr lang="en-US" dirty="0"/>
+                        <a:t>Shift-Or</a:t>
+                      </a:r>
+                    </a:p>
+                  </a:txBody>
+                  <a:tcPr/>
+                </a:tc>
+                <a:tc>
+                  <a:txBody>
+                    <a:bodyPr/>
+                    <a:lstStyle/>
+                    <a:p>
+                      <a:r>
+                        <a:rPr lang="en-US" dirty="0"/>
+                        <a:t>92.5</a:t>
+                      </a:r>
+                    </a:p>
+                  </a:txBody>
+                  <a:tcPr/>
+                </a:tc>
+                <a:extLst>
+                  <a:ext uri="{0D108BD9-81ED-4DB2-BD59-A6C34878D82A}">
+                    <a16:rowId xmlns:a16="http://schemas.microsoft.com/office/drawing/2014/main" xmlns="" val="2089200656"/>
+                  </a:ext>
+                </a:extLst>
+              </a:tr>
+              <a:tr h="328436">
+                <a:tc>
+                  <a:txBody>
+                    <a:bodyPr/>
+                    <a:lstStyle/>
+                    <a:p>
+                      <a:r>
+                        <a:rPr lang="en-US" dirty="0"/>
+                        <a:t>Naïve</a:t>
+                      </a:r>
+                    </a:p>
+                  </a:txBody>
+                  <a:tcPr/>
+                </a:tc>
+                <a:tc>
+                  <a:txBody>
+                    <a:bodyPr/>
+                    <a:lstStyle/>
+                    <a:p>
+                      <a:r>
+                        <a:rPr lang="ru-RU" dirty="0"/>
+                        <a:t>2803</a:t>
+                      </a:r>
+                      <a:endParaRPr lang="en-US" dirty="0"/>
+                    </a:p>
+                  </a:txBody>
+                  <a:tcPr/>
+                </a:tc>
+                <a:extLst>
+                  <a:ext uri="{0D108BD9-81ED-4DB2-BD59-A6C34878D82A}">
+                    <a16:rowId xmlns:a16="http://schemas.microsoft.com/office/drawing/2014/main" xmlns="" val="4118949036"/>
+                  </a:ext>
+                </a:extLst>
+              </a:tr>
+              <a:tr h="328436">
+                <a:tc>
+                  <a:txBody>
+                    <a:bodyPr/>
+                    <a:lstStyle/>
+                    <a:p>
+                      <a:r>
+                        <a:rPr lang="en-US" dirty="0"/>
+                        <a:t>Knuth-Morris-Pratt</a:t>
+                      </a:r>
+                    </a:p>
+                  </a:txBody>
+                  <a:tcPr/>
+                </a:tc>
+                <a:tc>
+                  <a:txBody>
+                    <a:bodyPr/>
+                    <a:lstStyle/>
+                    <a:p>
+                      <a:r>
+                        <a:rPr lang="ru-RU" dirty="0"/>
+                        <a:t>2822</a:t>
+                      </a:r>
+                      <a:endParaRPr lang="en-US" dirty="0"/>
+                    </a:p>
+                  </a:txBody>
+                  <a:tcPr/>
+                </a:tc>
+                <a:extLst>
+                  <a:ext uri="{0D108BD9-81ED-4DB2-BD59-A6C34878D82A}">
+                    <a16:rowId xmlns:a16="http://schemas.microsoft.com/office/drawing/2014/main" xmlns="" val="3362606704"/>
+                  </a:ext>
+                </a:extLst>
+              </a:tr>
+              <a:tr h="328436">
+                <a:tc>
+                  <a:txBody>
+                    <a:bodyPr/>
+                    <a:lstStyle/>
+                    <a:p>
+                      <a:r>
+                        <a:rPr lang="en-US" dirty="0"/>
+                        <a:t>Boyer-Moore</a:t>
+                      </a:r>
+                    </a:p>
+                  </a:txBody>
+                  <a:tcPr/>
+                </a:tc>
+                <a:tc>
+                  <a:txBody>
+                    <a:bodyPr/>
+                    <a:lstStyle/>
+                    <a:p>
+                      <a:r>
+                        <a:rPr lang="en-US" dirty="0"/>
+                        <a:t>3028</a:t>
+                      </a:r>
+                    </a:p>
+                  </a:txBody>
+                  <a:tcPr/>
+                </a:tc>
+                <a:extLst>
+                  <a:ext uri="{0D108BD9-81ED-4DB2-BD59-A6C34878D82A}">
+                    <a16:rowId xmlns:a16="http://schemas.microsoft.com/office/drawing/2014/main" xmlns="" val="3791329073"/>
+                  </a:ext>
+                </a:extLst>
+              </a:tr>
+              <a:tr h="328436">
+                <a:tc>
+                  <a:txBody>
+                    <a:bodyPr/>
+                    <a:lstStyle/>
+                    <a:p>
+                      <a:r>
+                        <a:rPr lang="en-US" dirty="0"/>
+                        <a:t>Rabin-Karp</a:t>
+                      </a:r>
+                    </a:p>
+                  </a:txBody>
+                  <a:tcPr/>
+                </a:tc>
+                <a:tc>
+                  <a:txBody>
+                    <a:bodyPr/>
+                    <a:lstStyle/>
+                    <a:p>
+                      <a:r>
+                        <a:rPr lang="ru-RU" dirty="0"/>
+                        <a:t>3142</a:t>
+                      </a:r>
+                      <a:endParaRPr lang="en-US" dirty="0"/>
+                    </a:p>
+                  </a:txBody>
+                  <a:tcPr/>
+                </a:tc>
+                <a:extLst>
+                  <a:ext uri="{0D108BD9-81ED-4DB2-BD59-A6C34878D82A}">
+                    <a16:rowId xmlns:a16="http://schemas.microsoft.com/office/drawing/2014/main" xmlns="" val="3209349693"/>
+                  </a:ext>
+                </a:extLst>
+              </a:tr>
+              <a:tr h="328436">
+                <a:tc>
+                  <a:txBody>
+                    <a:bodyPr/>
+                    <a:lstStyle/>
+                    <a:p>
+                      <a:r>
+                        <a:rPr lang="en-US" dirty="0"/>
+                        <a:t>Shift-Or</a:t>
+                      </a:r>
+                    </a:p>
+                  </a:txBody>
+                  <a:tcPr/>
+                </a:tc>
+                <a:tc>
+                  <a:txBody>
+                    <a:bodyPr/>
+                    <a:lstStyle/>
+                    <a:p>
+                      <a:r>
+                        <a:rPr lang="ru-RU" dirty="0"/>
+                        <a:t>1972</a:t>
+                      </a:r>
+                      <a:endParaRPr lang="en-US" dirty="0"/>
+                    </a:p>
+                  </a:txBody>
+                  <a:tcPr/>
+                </a:tc>
+                <a:extLst>
+                  <a:ext uri="{0D108BD9-81ED-4DB2-BD59-A6C34878D82A}">
+                    <a16:rowId xmlns:a16="http://schemas.microsoft.com/office/drawing/2014/main" xmlns="" val="1975650176"/>
+                  </a:ext>
+                </a:extLst>
+              </a:tr>
+              <a:tr h="328436">
+                <a:tc>
+                  <a:txBody>
+                    <a:bodyPr/>
+                    <a:lstStyle/>
+                    <a:p>
+                      <a:r>
+                        <a:rPr lang="en-US" dirty="0"/>
+                        <a:t>Naïve</a:t>
+                      </a:r>
+                    </a:p>
+                  </a:txBody>
+                  <a:tcPr/>
+                </a:tc>
+                <a:tc>
+                  <a:txBody>
+                    <a:bodyPr/>
+                    <a:lstStyle/>
+                    <a:p>
+                      <a:r>
+                        <a:rPr lang="ru-RU" dirty="0"/>
+                        <a:t>33</a:t>
+                      </a:r>
+                      <a:endParaRPr lang="en-US" dirty="0"/>
+                    </a:p>
+                  </a:txBody>
+                  <a:tcPr/>
+                </a:tc>
+                <a:extLst>
+                  <a:ext uri="{0D108BD9-81ED-4DB2-BD59-A6C34878D82A}">
+                    <a16:rowId xmlns:a16="http://schemas.microsoft.com/office/drawing/2014/main" xmlns="" val="3451020826"/>
+                  </a:ext>
+                </a:extLst>
+              </a:tr>
+              <a:tr h="328436">
+                <a:tc>
+                  <a:txBody>
+                    <a:bodyPr/>
+                    <a:lstStyle/>
+                    <a:p>
+                      <a:r>
+                        <a:rPr lang="en-US" dirty="0"/>
+                        <a:t>Knuth-Morris-Pratt</a:t>
+                      </a:r>
+                    </a:p>
+                  </a:txBody>
+                  <a:tcPr/>
+                </a:tc>
+                <a:tc>
+                  <a:txBody>
+                    <a:bodyPr/>
+                    <a:lstStyle/>
+                    <a:p>
+                      <a:r>
+                        <a:rPr lang="ru-RU" dirty="0"/>
+                        <a:t>28</a:t>
+                      </a:r>
+                      <a:endParaRPr lang="en-US" dirty="0"/>
+                    </a:p>
+                  </a:txBody>
+                  <a:tcPr/>
+                </a:tc>
+                <a:extLst>
+                  <a:ext uri="{0D108BD9-81ED-4DB2-BD59-A6C34878D82A}">
+                    <a16:rowId xmlns:a16="http://schemas.microsoft.com/office/drawing/2014/main" xmlns="" val="4289574791"/>
+                  </a:ext>
+                </a:extLst>
+              </a:tr>
+              <a:tr h="328436">
+                <a:tc>
+                  <a:txBody>
+                    <a:bodyPr/>
+                    <a:lstStyle/>
+                    <a:p>
+                      <a:r>
+                        <a:rPr lang="en-US" dirty="0"/>
+                        <a:t>Boyer-Moore</a:t>
+                      </a:r>
+                    </a:p>
+                  </a:txBody>
+                  <a:tcPr/>
+                </a:tc>
+                <a:tc>
+                  <a:txBody>
+                    <a:bodyPr/>
+                    <a:lstStyle/>
+                    <a:p>
+                      <a:r>
+                        <a:rPr lang="en-US" dirty="0"/>
+                        <a:t>32.5</a:t>
+                      </a:r>
+                    </a:p>
+                  </a:txBody>
+                  <a:tcPr/>
+                </a:tc>
+                <a:extLst>
+                  <a:ext uri="{0D108BD9-81ED-4DB2-BD59-A6C34878D82A}">
+                    <a16:rowId xmlns:a16="http://schemas.microsoft.com/office/drawing/2014/main" xmlns="" val="2978295479"/>
+                  </a:ext>
+                </a:extLst>
+              </a:tr>
+              <a:tr h="328436">
+                <a:tc>
+                  <a:txBody>
+                    <a:bodyPr/>
+                    <a:lstStyle/>
+                    <a:p>
+                      <a:r>
+                        <a:rPr lang="en-US" dirty="0"/>
+                        <a:t>Rabin-Karp</a:t>
+                      </a:r>
+                    </a:p>
+                  </a:txBody>
+                  <a:tcPr/>
+                </a:tc>
+                <a:tc>
+                  <a:txBody>
+                    <a:bodyPr/>
+                    <a:lstStyle/>
+                    <a:p>
+                      <a:r>
+                        <a:rPr lang="ru-RU" dirty="0"/>
+                        <a:t>26</a:t>
+                      </a:r>
+                      <a:endParaRPr lang="en-US" dirty="0"/>
+                    </a:p>
+                  </a:txBody>
+                  <a:tcPr/>
+                </a:tc>
+                <a:extLst>
+                  <a:ext uri="{0D108BD9-81ED-4DB2-BD59-A6C34878D82A}">
+                    <a16:rowId xmlns:a16="http://schemas.microsoft.com/office/drawing/2014/main" xmlns="" val="3398165297"/>
+                  </a:ext>
+                </a:extLst>
+              </a:tr>
+              <a:tr h="328436">
+                <a:tc>
+                  <a:txBody>
+                    <a:bodyPr/>
+                    <a:lstStyle/>
+                    <a:p>
+                      <a:r>
+                        <a:rPr lang="en-US" dirty="0"/>
+                        <a:t>Shift-Or</a:t>
+                      </a:r>
+                    </a:p>
+                  </a:txBody>
+                  <a:tcPr/>
+                </a:tc>
+                <a:tc>
+                  <a:txBody>
+                    <a:bodyPr/>
+                    <a:lstStyle/>
+                    <a:p>
+                      <a:r>
+                        <a:rPr lang="ru-RU" dirty="0"/>
+                        <a:t>17</a:t>
+                      </a:r>
+                      <a:endParaRPr lang="en-US" dirty="0"/>
+                    </a:p>
+                  </a:txBody>
+                  <a:tcPr/>
+                </a:tc>
+                <a:extLst>
+                  <a:ext uri="{0D108BD9-81ED-4DB2-BD59-A6C34878D82A}">
+                    <a16:rowId xmlns:a16="http://schemas.microsoft.com/office/drawing/2014/main" xmlns="" val="3238298678"/>
+                  </a:ext>
+                </a:extLst>
+              </a:tr>
+            </a:tbl>
+          </a:graphicData>
+        </a:graphic>
+      </p:graphicFrame>
+      <p:sp>
+        <p:nvSpPr>
+          <p:cNvPr id="6" name="Прямоугольник 5">
+            <a:extLst>
+              <a:ext uri="{FF2B5EF4-FFF2-40B4-BE49-F238E27FC236}">
+                <a16:creationId xmlns:a16="http://schemas.microsoft.com/office/drawing/2014/main" xmlns="" id="{CCA8B701-0FF1-D8AF-2DD6-25A91B1BCABC}"/>
+              </a:ext>
+            </a:extLst>
+          </p:cNvPr>
+          <p:cNvSpPr/>
+          <p:nvPr/>
+        </p:nvSpPr>
+        <p:spPr>
+          <a:xfrm>
+            <a:off x="1659467" y="880533"/>
+            <a:ext cx="1715911" cy="1817511"/>
+          </a:xfrm>
+          <a:prstGeom prst="rect">
+            <a:avLst/>
+          </a:prstGeom>
+          <a:noFill/>
+          <a:ln>
+            <a:solidFill>
+              <a:schemeClr val="tx1"/>
+            </a:solidFill>
+          </a:ln>
+        </p:spPr>
+        <p:style>
+          <a:lnRef idx="2">
+            <a:schemeClr val="accent1">
+              <a:shade val="15000"/>
+            </a:schemeClr>
+          </a:lnRef>
+          <a:fillRef idx="1">
+            <a:schemeClr val="accent1"/>
+          </a:fillRef>
+          <a:effectRef idx="0">
+            <a:schemeClr val="accent1"/>
+          </a:effectRef>
+          <a:fontRef idx="minor">
+            <a:schemeClr val="lt1"/>
+          </a:fontRef>
+        </p:style>
+        <p:txBody>
+          <a:bodyPr rtlCol="0" anchor="ctr"/>
+          <a:lstStyle/>
+          <a:p>
+            <a:pPr algn="ctr"/>
+            <a:r>
+              <a:rPr lang="en-US" dirty="0">
+                <a:solidFill>
+                  <a:sysClr val="windowText" lastClr="000000"/>
+                </a:solidFill>
+              </a:rPr>
+              <a:t>“a “</a:t>
+            </a:r>
+          </a:p>
+        </p:txBody>
+      </p:sp>
+      <p:sp>
+        <p:nvSpPr>
+          <p:cNvPr id="8" name="Прямоугольник 7">
+            <a:extLst>
+              <a:ext uri="{FF2B5EF4-FFF2-40B4-BE49-F238E27FC236}">
+                <a16:creationId xmlns:a16="http://schemas.microsoft.com/office/drawing/2014/main" xmlns="" id="{725AEC3B-E23C-1531-B51B-33BEF347AC58}"/>
+              </a:ext>
+            </a:extLst>
+          </p:cNvPr>
+          <p:cNvSpPr/>
+          <p:nvPr/>
+        </p:nvSpPr>
+        <p:spPr>
+          <a:xfrm>
+            <a:off x="1659467" y="2698044"/>
+            <a:ext cx="1715911" cy="1817511"/>
+          </a:xfrm>
+          <a:prstGeom prst="rect">
+            <a:avLst/>
+          </a:prstGeom>
+          <a:noFill/>
+          <a:ln>
+            <a:solidFill>
+              <a:schemeClr val="tx1"/>
+            </a:solidFill>
+          </a:ln>
+        </p:spPr>
+        <p:style>
+          <a:lnRef idx="2">
+            <a:schemeClr val="accent1">
+              <a:shade val="15000"/>
+            </a:schemeClr>
+          </a:lnRef>
+          <a:fillRef idx="1">
+            <a:schemeClr val="accent1"/>
+          </a:fillRef>
+          <a:effectRef idx="0">
+            <a:schemeClr val="accent1"/>
+          </a:effectRef>
+          <a:fontRef idx="minor">
+            <a:schemeClr val="lt1"/>
+          </a:fontRef>
+        </p:style>
+        <p:txBody>
+          <a:bodyPr rtlCol="0" anchor="ctr"/>
+          <a:lstStyle/>
+          <a:p>
+            <a:pPr algn="ctr"/>
+            <a:r>
+              <a:rPr lang="en-US" dirty="0">
+                <a:solidFill>
+                  <a:sysClr val="windowText" lastClr="000000"/>
+                </a:solidFill>
+              </a:rPr>
+              <a:t>“ “</a:t>
+            </a:r>
+          </a:p>
+        </p:txBody>
+      </p:sp>
+      <p:sp>
+        <p:nvSpPr>
+          <p:cNvPr id="9" name="Прямоугольник 8">
+            <a:extLst>
+              <a:ext uri="{FF2B5EF4-FFF2-40B4-BE49-F238E27FC236}">
+                <a16:creationId xmlns:a16="http://schemas.microsoft.com/office/drawing/2014/main" xmlns="" id="{30C80BF9-0928-9C04-8217-E7BBD8024509}"/>
+              </a:ext>
+            </a:extLst>
+          </p:cNvPr>
+          <p:cNvSpPr/>
+          <p:nvPr/>
+        </p:nvSpPr>
+        <p:spPr>
+          <a:xfrm>
+            <a:off x="1659466" y="4515555"/>
+            <a:ext cx="1715911" cy="1817511"/>
+          </a:xfrm>
+          <a:prstGeom prst="rect">
+            <a:avLst/>
+          </a:prstGeom>
+          <a:noFill/>
+          <a:ln>
+            <a:solidFill>
+              <a:schemeClr val="tx1"/>
+            </a:solidFill>
+          </a:ln>
+        </p:spPr>
+        <p:style>
+          <a:lnRef idx="2">
+            <a:schemeClr val="accent1">
+              <a:shade val="15000"/>
+            </a:schemeClr>
+          </a:lnRef>
+          <a:fillRef idx="1">
+            <a:schemeClr val="accent1"/>
+          </a:fillRef>
+          <a:effectRef idx="0">
+            <a:schemeClr val="accent1"/>
+          </a:effectRef>
+          <a:fontRef idx="minor">
+            <a:schemeClr val="lt1"/>
+          </a:fontRef>
+        </p:style>
+        <p:txBody>
+          <a:bodyPr rtlCol="0" anchor="ctr"/>
+          <a:lstStyle/>
+          <a:p>
+            <a:pPr algn="ctr"/>
+            <a:r>
+              <a:rPr lang="en-US" dirty="0">
+                <a:solidFill>
+                  <a:sysClr val="windowText" lastClr="000000"/>
+                </a:solidFill>
+              </a:rPr>
+              <a:t>“ma”</a:t>
+            </a:r>
+          </a:p>
+        </p:txBody>
+      </p:sp>
+      <p:sp>
+        <p:nvSpPr>
+          <p:cNvPr id="10" name="TextBox 9">
+            <a:extLst>
+              <a:ext uri="{FF2B5EF4-FFF2-40B4-BE49-F238E27FC236}">
+                <a16:creationId xmlns:a16="http://schemas.microsoft.com/office/drawing/2014/main" xmlns="" id="{F4A98620-A4EC-0D62-B04A-C884C7CCEA42}"/>
+              </a:ext>
+            </a:extLst>
+          </p:cNvPr>
+          <p:cNvSpPr txBox="1"/>
+          <p:nvPr/>
+        </p:nvSpPr>
+        <p:spPr>
+          <a:xfrm>
+            <a:off x="429307" y="233079"/>
+            <a:ext cx="2212622" cy="646331"/>
+          </a:xfrm>
+          <a:prstGeom prst="rect">
+            <a:avLst/>
+          </a:prstGeom>
+          <a:noFill/>
+        </p:spPr>
+        <p:txBody>
+          <a:bodyPr wrap="square" rtlCol="0">
+            <a:spAutoFit/>
+          </a:bodyPr>
+          <a:lstStyle/>
+          <a:p>
+            <a:r>
+              <a:rPr lang="en-US" dirty="0"/>
+              <a:t>Release </a:t>
+            </a:r>
+            <a:endParaRPr lang="ru-RU" dirty="0"/>
+          </a:p>
+          <a:p>
+            <a:r>
+              <a:rPr lang="en-US" dirty="0"/>
+              <a:t>data</a:t>
+            </a:r>
+          </a:p>
+        </p:txBody>
+      </p:sp>
+      <p:sp>
+        <p:nvSpPr>
+          <p:cNvPr id="2" name="TextBox 1"/>
+          <p:cNvSpPr txBox="1"/>
+          <p:nvPr/>
+        </p:nvSpPr>
+        <p:spPr>
+          <a:xfrm>
+            <a:off x="0" y="2598003"/>
+            <a:ext cx="2539013" cy="1661993"/>
+          </a:xfrm>
+          <a:prstGeom prst="rect">
+            <a:avLst/>
+          </a:prstGeom>
+          <a:noFill/>
+        </p:spPr>
+        <p:txBody>
+          <a:bodyPr wrap="square" rtlCol="0">
+            <a:spAutoFit/>
+          </a:bodyPr>
+          <a:lstStyle/>
+          <a:p>
+            <a:r>
+              <a:rPr lang="en-US" sz="1200" dirty="0"/>
+              <a:t>M = 2</a:t>
+            </a:r>
+          </a:p>
+          <a:p>
+            <a:r>
+              <a:rPr lang="en-US" sz="1200" dirty="0"/>
+              <a:t>N = 11398</a:t>
+            </a:r>
+          </a:p>
+          <a:p>
+            <a:r>
+              <a:rPr lang="ru-RU" sz="1200" dirty="0"/>
+              <a:t>Число совпадений</a:t>
+            </a:r>
+          </a:p>
+          <a:p>
+            <a:r>
+              <a:rPr lang="en-US" sz="1200" dirty="0"/>
+              <a:t>73 (</a:t>
+            </a:r>
+            <a:r>
+              <a:rPr lang="ru-RU" sz="1200" dirty="0"/>
+              <a:t>ищем </a:t>
+            </a:r>
+            <a:r>
+              <a:rPr lang="en-US" sz="1200" dirty="0"/>
+              <a:t>“a “)</a:t>
+            </a:r>
+            <a:endParaRPr lang="ru-RU" sz="1200" dirty="0"/>
+          </a:p>
+          <a:p>
+            <a:r>
+              <a:rPr lang="en-US" sz="1200" dirty="0"/>
+              <a:t>~</a:t>
+            </a:r>
+            <a:r>
+              <a:rPr lang="ru-RU" sz="1200" dirty="0"/>
+              <a:t>2014(ищем пробел)</a:t>
+            </a:r>
+          </a:p>
+          <a:p>
+            <a:r>
+              <a:rPr lang="ru-RU" sz="1200" dirty="0"/>
+              <a:t> 24 (ищем </a:t>
+            </a:r>
+            <a:r>
+              <a:rPr lang="en-US" sz="1200" dirty="0"/>
+              <a:t>ma</a:t>
+            </a:r>
+            <a:r>
+              <a:rPr lang="ru-RU" sz="1200" dirty="0"/>
+              <a:t>)</a:t>
+            </a:r>
+          </a:p>
+          <a:p>
+            <a:r>
+              <a:rPr lang="ru-RU" sz="1200" dirty="0"/>
+              <a:t>726(ищем а)</a:t>
+            </a:r>
+            <a:endParaRPr lang="en-US" sz="1200" dirty="0"/>
+          </a:p>
+          <a:p>
+            <a:endParaRPr lang="ru-RU" dirty="0"/>
+          </a:p>
+        </p:txBody>
+      </p:sp>
+    </p:spTree>
+    <p:extLst>
+      <p:ext uri="{BB962C8B-B14F-4D97-AF65-F5344CB8AC3E}">
+        <p14:creationId xmlns:p14="http://schemas.microsoft.com/office/powerpoint/2010/main" val="151235783"/>
+      </p:ext>
+    </p:extLst>
+  </p:cSld>
+  <p:clrMapOvr>
+    <a:masterClrMapping/>
+  </p:clrMapOvr>
+  <mc:AlternateContent xmlns:mc="http://schemas.openxmlformats.org/markup-compatibility/2006" xmlns:p14="http://schemas.microsoft.com/office/powerpoint/2010/main">
+    <mc:Choice Requires="p14">
+      <p:transition spd="slow" p14:dur="1600">
+        <p14:conveyor dir="l"/>
+      </p:transition>
+    </mc:Choice>
+    <mc:Fallback xmlns="">
+      <p:transition spd="slow">
+        <p:fade/>
+      </p:transition>
+    </mc:Fallback>
+  </mc:AlternateContent>
+</p:sld>
+</file>
+
+<file path=ppt/slides/slide32.xml><?xml version="1.0" encoding="utf-8"?>
+<p:sld xmlns:a="http://schemas.openxmlformats.org/drawingml/2006/main" xmlns:r="http://schemas.openxmlformats.org/officeDocument/2006/relationships" xmlns:p="http://schemas.openxmlformats.org/presentationml/2006/main">
+  <p:cSld>
+    <p:spTree>
+      <p:nvGrpSpPr>
+        <p:cNvPr id="1" name=""/>
+        <p:cNvGrpSpPr/>
+        <p:nvPr/>
+      </p:nvGrpSpPr>
+      <p:grpSpPr>
+        <a:xfrm>
+          <a:off x="0" y="0"/>
+          <a:ext cx="0" cy="0"/>
+          <a:chOff x="0" y="0"/>
+          <a:chExt cx="0" cy="0"/>
+        </a:xfrm>
+      </p:grpSpPr>
+      <p:graphicFrame>
+        <p:nvGraphicFramePr>
+          <p:cNvPr id="5" name="Таблица 4">
+            <a:extLst>
+              <a:ext uri="{FF2B5EF4-FFF2-40B4-BE49-F238E27FC236}">
+                <a16:creationId xmlns:a16="http://schemas.microsoft.com/office/drawing/2014/main" xmlns="" id="{4952D306-988C-CB5C-78B2-EAB0E370439F}"/>
+              </a:ext>
+            </a:extLst>
+          </p:cNvPr>
+          <p:cNvGraphicFramePr>
+            <a:graphicFrameLocks noGrp="1"/>
+          </p:cNvGraphicFramePr>
+          <p:nvPr>
+            <p:extLst>
+              <p:ext uri="{D42A27DB-BD31-4B8C-83A1-F6EECF244321}">
+                <p14:modId xmlns:p14="http://schemas.microsoft.com/office/powerpoint/2010/main" val="3087096274"/>
+              </p:ext>
+            </p:extLst>
+          </p:nvPr>
+        </p:nvGraphicFramePr>
+        <p:xfrm>
+          <a:off x="3556001" y="1603022"/>
+          <a:ext cx="8461022" cy="4023360"/>
+        </p:xfrm>
+        <a:graphic>
+          <a:graphicData uri="http://schemas.openxmlformats.org/drawingml/2006/table">
+            <a:tbl>
+              <a:tblPr firstRow="1" bandRow="1">
+                <a:tableStyleId>{5C22544A-7EE6-4342-B048-85BDC9FD1C3A}</a:tableStyleId>
+              </a:tblPr>
+              <a:tblGrid>
+                <a:gridCol w="4230511">
+                  <a:extLst>
+                    <a:ext uri="{9D8B030D-6E8A-4147-A177-3AD203B41FA5}">
+                      <a16:colId xmlns:a16="http://schemas.microsoft.com/office/drawing/2014/main" xmlns="" val="3548131193"/>
+                    </a:ext>
+                  </a:extLst>
+                </a:gridCol>
+                <a:gridCol w="4230511">
+                  <a:extLst>
+                    <a:ext uri="{9D8B030D-6E8A-4147-A177-3AD203B41FA5}">
+                      <a16:colId xmlns:a16="http://schemas.microsoft.com/office/drawing/2014/main" xmlns="" val="798492654"/>
+                    </a:ext>
+                  </a:extLst>
+                </a:gridCol>
+              </a:tblGrid>
+              <a:tr h="328436">
+                <a:tc>
+                  <a:txBody>
+                    <a:bodyPr/>
+                    <a:lstStyle/>
+                    <a:p>
+                      <a:r>
+                        <a:rPr lang="en-US" dirty="0"/>
+                        <a:t>Algorithm name</a:t>
+                      </a:r>
+                    </a:p>
+                  </a:txBody>
+                  <a:tcPr>
+                    <a:solidFill>
+                      <a:srgbClr val="A4B2D8"/>
+                    </a:solidFill>
+                  </a:tcPr>
+                </a:tc>
+                <a:tc>
+                  <a:txBody>
+                    <a:bodyPr/>
+                    <a:lstStyle/>
+                    <a:p>
+                      <a:r>
+                        <a:rPr lang="en-US" dirty="0"/>
+                        <a:t>Time consumption (milliseconds)</a:t>
+                      </a:r>
+                    </a:p>
+                  </a:txBody>
+                  <a:tcPr>
+                    <a:solidFill>
+                      <a:srgbClr val="A4B2D8"/>
+                    </a:solidFill>
+                  </a:tcPr>
+                </a:tc>
+                <a:extLst>
+                  <a:ext uri="{0D108BD9-81ED-4DB2-BD59-A6C34878D82A}">
+                    <a16:rowId xmlns:a16="http://schemas.microsoft.com/office/drawing/2014/main" xmlns="" val="2796281045"/>
+                  </a:ext>
+                </a:extLst>
+              </a:tr>
+              <a:tr h="328436">
+                <a:tc>
+                  <a:txBody>
+                    <a:bodyPr/>
+                    <a:lstStyle/>
+                    <a:p>
+                      <a:r>
+                        <a:rPr lang="en-US" dirty="0"/>
+                        <a:t>Naïve</a:t>
+                      </a:r>
+                    </a:p>
+                  </a:txBody>
+                  <a:tcPr/>
+                </a:tc>
+                <a:tc>
+                  <a:txBody>
+                    <a:bodyPr/>
+                    <a:lstStyle/>
+                    <a:p>
+                      <a:pPr marL="0" marR="0" lvl="0" indent="0" algn="l" defTabSz="914400" rtl="0" eaLnBrk="1" fontAlgn="auto" latinLnBrk="0" hangingPunct="1">
+                        <a:lnSpc>
+                          <a:spcPct val="100000"/>
+                        </a:lnSpc>
+                        <a:spcBef>
+                          <a:spcPts val="0"/>
+                        </a:spcBef>
+                        <a:spcAft>
+                          <a:spcPts val="0"/>
+                        </a:spcAft>
+                        <a:buClrTx/>
+                        <a:buSzTx/>
+                        <a:buFontTx/>
+                        <a:buNone/>
+                        <a:tabLst/>
+                        <a:defRPr/>
+                      </a:pPr>
+                      <a:r>
+                        <a:rPr lang="en-US" dirty="0"/>
+                        <a:t>991</a:t>
+                      </a:r>
+                    </a:p>
+                  </a:txBody>
+                  <a:tcPr/>
+                </a:tc>
+                <a:extLst>
+                  <a:ext uri="{0D108BD9-81ED-4DB2-BD59-A6C34878D82A}">
+                    <a16:rowId xmlns:a16="http://schemas.microsoft.com/office/drawing/2014/main" xmlns="" val="3713335356"/>
+                  </a:ext>
+                </a:extLst>
+              </a:tr>
+              <a:tr h="328436">
+                <a:tc>
+                  <a:txBody>
+                    <a:bodyPr/>
+                    <a:lstStyle/>
+                    <a:p>
+                      <a:r>
+                        <a:rPr lang="en-US" dirty="0"/>
+                        <a:t>Knuth-Morris-Pratt</a:t>
+                      </a:r>
+                    </a:p>
+                  </a:txBody>
+                  <a:tcPr/>
+                </a:tc>
+                <a:tc>
+                  <a:txBody>
+                    <a:bodyPr/>
+                    <a:lstStyle/>
+                    <a:p>
+                      <a:pPr marL="0" marR="0" lvl="0" indent="0" algn="l" defTabSz="914400" rtl="0" eaLnBrk="1" fontAlgn="auto" latinLnBrk="0" hangingPunct="1">
+                        <a:lnSpc>
+                          <a:spcPct val="100000"/>
+                        </a:lnSpc>
+                        <a:spcBef>
+                          <a:spcPts val="0"/>
+                        </a:spcBef>
+                        <a:spcAft>
+                          <a:spcPts val="0"/>
+                        </a:spcAft>
+                        <a:buClrTx/>
+                        <a:buSzTx/>
+                        <a:buFontTx/>
+                        <a:buNone/>
+                        <a:tabLst/>
+                        <a:defRPr/>
+                      </a:pPr>
+                      <a:r>
+                        <a:rPr lang="en-US" dirty="0"/>
+                        <a:t>1038</a:t>
+                      </a:r>
+                    </a:p>
+                  </a:txBody>
+                  <a:tcPr/>
+                </a:tc>
+                <a:extLst>
+                  <a:ext uri="{0D108BD9-81ED-4DB2-BD59-A6C34878D82A}">
+                    <a16:rowId xmlns:a16="http://schemas.microsoft.com/office/drawing/2014/main" xmlns="" val="2529639451"/>
+                  </a:ext>
+                </a:extLst>
+              </a:tr>
+              <a:tr h="328436">
+                <a:tc>
+                  <a:txBody>
+                    <a:bodyPr/>
+                    <a:lstStyle/>
+                    <a:p>
+                      <a:r>
+                        <a:rPr lang="en-US" dirty="0"/>
+                        <a:t>Boyer-Moore</a:t>
+                      </a:r>
+                    </a:p>
+                  </a:txBody>
+                  <a:tcPr/>
+                </a:tc>
+                <a:tc>
+                  <a:txBody>
+                    <a:bodyPr/>
+                    <a:lstStyle/>
+                    <a:p>
+                      <a:r>
+                        <a:rPr lang="en-US" dirty="0"/>
+                        <a:t>1042</a:t>
+                      </a:r>
+                    </a:p>
+                  </a:txBody>
+                  <a:tcPr/>
+                </a:tc>
+                <a:extLst>
+                  <a:ext uri="{0D108BD9-81ED-4DB2-BD59-A6C34878D82A}">
+                    <a16:rowId xmlns:a16="http://schemas.microsoft.com/office/drawing/2014/main" xmlns="" val="901445339"/>
+                  </a:ext>
+                </a:extLst>
+              </a:tr>
+              <a:tr h="328436">
+                <a:tc>
+                  <a:txBody>
+                    <a:bodyPr/>
+                    <a:lstStyle/>
+                    <a:p>
+                      <a:r>
+                        <a:rPr lang="en-US" dirty="0"/>
+                        <a:t>Rabin-Karp</a:t>
+                      </a:r>
+                    </a:p>
+                  </a:txBody>
+                  <a:tcPr/>
+                </a:tc>
+                <a:tc>
+                  <a:txBody>
+                    <a:bodyPr/>
+                    <a:lstStyle/>
+                    <a:p>
+                      <a:r>
+                        <a:rPr lang="en-US" dirty="0"/>
+                        <a:t>1181</a:t>
+                      </a:r>
+                    </a:p>
+                  </a:txBody>
+                  <a:tcPr/>
+                </a:tc>
+                <a:extLst>
+                  <a:ext uri="{0D108BD9-81ED-4DB2-BD59-A6C34878D82A}">
+                    <a16:rowId xmlns:a16="http://schemas.microsoft.com/office/drawing/2014/main" xmlns="" val="3389220492"/>
+                  </a:ext>
+                </a:extLst>
+              </a:tr>
+              <a:tr h="328436">
+                <a:tc>
+                  <a:txBody>
+                    <a:bodyPr/>
+                    <a:lstStyle/>
+                    <a:p>
+                      <a:r>
+                        <a:rPr lang="en-US" dirty="0"/>
+                        <a:t>Shift-Or</a:t>
+                      </a:r>
+                    </a:p>
+                  </a:txBody>
+                  <a:tcPr/>
+                </a:tc>
+                <a:tc>
+                  <a:txBody>
+                    <a:bodyPr/>
+                    <a:lstStyle/>
+                    <a:p>
+                      <a:r>
+                        <a:rPr lang="en-US" dirty="0"/>
+                        <a:t>761</a:t>
+                      </a:r>
+                    </a:p>
+                  </a:txBody>
+                  <a:tcPr/>
+                </a:tc>
+                <a:extLst>
+                  <a:ext uri="{0D108BD9-81ED-4DB2-BD59-A6C34878D82A}">
+                    <a16:rowId xmlns:a16="http://schemas.microsoft.com/office/drawing/2014/main" xmlns="" val="2089200656"/>
+                  </a:ext>
+                </a:extLst>
+              </a:tr>
+              <a:tr h="328436">
+                <a:tc>
+                  <a:txBody>
+                    <a:bodyPr/>
+                    <a:lstStyle/>
+                    <a:p>
+                      <a:r>
+                        <a:rPr lang="en-US" dirty="0"/>
+                        <a:t>Naïve</a:t>
+                      </a:r>
+                    </a:p>
+                  </a:txBody>
+                  <a:tcPr/>
+                </a:tc>
+                <a:tc>
+                  <a:txBody>
+                    <a:bodyPr/>
+                    <a:lstStyle/>
+                    <a:p>
+                      <a:r>
+                        <a:rPr lang="en-US" dirty="0"/>
+                        <a:t>106</a:t>
+                      </a:r>
+                    </a:p>
+                  </a:txBody>
+                  <a:tcPr/>
+                </a:tc>
+                <a:extLst>
+                  <a:ext uri="{0D108BD9-81ED-4DB2-BD59-A6C34878D82A}">
+                    <a16:rowId xmlns:a16="http://schemas.microsoft.com/office/drawing/2014/main" xmlns="" val="4118949036"/>
+                  </a:ext>
+                </a:extLst>
+              </a:tr>
+              <a:tr h="328436">
+                <a:tc>
+                  <a:txBody>
+                    <a:bodyPr/>
+                    <a:lstStyle/>
+                    <a:p>
+                      <a:r>
+                        <a:rPr lang="en-US" dirty="0"/>
+                        <a:t>Knuth-Morris-Pratt</a:t>
+                      </a:r>
+                    </a:p>
+                  </a:txBody>
+                  <a:tcPr/>
+                </a:tc>
+                <a:tc>
+                  <a:txBody>
+                    <a:bodyPr/>
+                    <a:lstStyle/>
+                    <a:p>
+                      <a:r>
+                        <a:rPr lang="en-US" dirty="0"/>
+                        <a:t>73</a:t>
+                      </a:r>
+                    </a:p>
+                  </a:txBody>
+                  <a:tcPr/>
+                </a:tc>
+                <a:extLst>
+                  <a:ext uri="{0D108BD9-81ED-4DB2-BD59-A6C34878D82A}">
+                    <a16:rowId xmlns:a16="http://schemas.microsoft.com/office/drawing/2014/main" xmlns="" val="3362606704"/>
+                  </a:ext>
+                </a:extLst>
+              </a:tr>
+              <a:tr h="328436">
+                <a:tc>
+                  <a:txBody>
+                    <a:bodyPr/>
+                    <a:lstStyle/>
+                    <a:p>
+                      <a:r>
+                        <a:rPr lang="en-US" dirty="0"/>
+                        <a:t>Boyer-Moore</a:t>
+                      </a:r>
+                    </a:p>
+                  </a:txBody>
+                  <a:tcPr/>
+                </a:tc>
+                <a:tc>
+                  <a:txBody>
+                    <a:bodyPr/>
+                    <a:lstStyle/>
+                    <a:p>
+                      <a:r>
+                        <a:rPr lang="en-US" dirty="0"/>
+                        <a:t>33</a:t>
+                      </a:r>
+                    </a:p>
+                  </a:txBody>
+                  <a:tcPr/>
+                </a:tc>
+                <a:extLst>
+                  <a:ext uri="{0D108BD9-81ED-4DB2-BD59-A6C34878D82A}">
+                    <a16:rowId xmlns:a16="http://schemas.microsoft.com/office/drawing/2014/main" xmlns="" val="3791329073"/>
+                  </a:ext>
+                </a:extLst>
+              </a:tr>
+              <a:tr h="328436">
+                <a:tc>
+                  <a:txBody>
+                    <a:bodyPr/>
+                    <a:lstStyle/>
+                    <a:p>
+                      <a:r>
+                        <a:rPr lang="en-US" dirty="0"/>
+                        <a:t>Rabin-Karp</a:t>
+                      </a:r>
+                    </a:p>
+                  </a:txBody>
+                  <a:tcPr/>
+                </a:tc>
+                <a:tc>
+                  <a:txBody>
+                    <a:bodyPr/>
+                    <a:lstStyle/>
+                    <a:p>
+                      <a:r>
+                        <a:rPr lang="en-US" dirty="0"/>
+                        <a:t>67</a:t>
+                      </a:r>
+                    </a:p>
+                  </a:txBody>
+                  <a:tcPr/>
+                </a:tc>
+                <a:extLst>
+                  <a:ext uri="{0D108BD9-81ED-4DB2-BD59-A6C34878D82A}">
+                    <a16:rowId xmlns:a16="http://schemas.microsoft.com/office/drawing/2014/main" xmlns="" val="3209349693"/>
+                  </a:ext>
+                </a:extLst>
+              </a:tr>
+              <a:tr h="328436">
+                <a:tc>
+                  <a:txBody>
+                    <a:bodyPr/>
+                    <a:lstStyle/>
+                    <a:p>
+                      <a:r>
+                        <a:rPr lang="en-US" dirty="0"/>
+                        <a:t>Shift-Or</a:t>
+                      </a:r>
+                    </a:p>
+                  </a:txBody>
+                  <a:tcPr/>
+                </a:tc>
+                <a:tc>
+                  <a:txBody>
+                    <a:bodyPr/>
+                    <a:lstStyle/>
+                    <a:p>
+                      <a:r>
+                        <a:rPr lang="en-US" dirty="0"/>
+                        <a:t>45</a:t>
+                      </a:r>
+                    </a:p>
+                  </a:txBody>
+                  <a:tcPr/>
+                </a:tc>
+                <a:extLst>
+                  <a:ext uri="{0D108BD9-81ED-4DB2-BD59-A6C34878D82A}">
+                    <a16:rowId xmlns:a16="http://schemas.microsoft.com/office/drawing/2014/main" xmlns="" val="1975650176"/>
+                  </a:ext>
+                </a:extLst>
+              </a:tr>
+            </a:tbl>
+          </a:graphicData>
+        </a:graphic>
+      </p:graphicFrame>
+      <p:grpSp>
+        <p:nvGrpSpPr>
+          <p:cNvPr id="3" name="Группа 2">
+            <a:extLst>
+              <a:ext uri="{FF2B5EF4-FFF2-40B4-BE49-F238E27FC236}">
+                <a16:creationId xmlns:a16="http://schemas.microsoft.com/office/drawing/2014/main" xmlns="" id="{ACEFCE91-90C2-61C0-D41E-27B4F1AA8286}"/>
+              </a:ext>
+            </a:extLst>
+          </p:cNvPr>
+          <p:cNvGrpSpPr/>
+          <p:nvPr/>
+        </p:nvGrpSpPr>
+        <p:grpSpPr>
+          <a:xfrm>
+            <a:off x="1512711" y="1603022"/>
+            <a:ext cx="2043290" cy="4023360"/>
+            <a:chOff x="1659467" y="880533"/>
+            <a:chExt cx="1715911" cy="3635022"/>
+          </a:xfrm>
+        </p:grpSpPr>
+        <p:sp>
+          <p:nvSpPr>
+            <p:cNvPr id="6" name="Прямоугольник 5">
+              <a:extLst>
+                <a:ext uri="{FF2B5EF4-FFF2-40B4-BE49-F238E27FC236}">
+                  <a16:creationId xmlns:a16="http://schemas.microsoft.com/office/drawing/2014/main" xmlns="" id="{CCA8B701-0FF1-D8AF-2DD6-25A91B1BCABC}"/>
+                </a:ext>
+              </a:extLst>
+            </p:cNvPr>
+            <p:cNvSpPr/>
+            <p:nvPr/>
+          </p:nvSpPr>
+          <p:spPr>
+            <a:xfrm>
+              <a:off x="1659467" y="880533"/>
+              <a:ext cx="1715911" cy="1817511"/>
+            </a:xfrm>
+            <a:prstGeom prst="rect">
+              <a:avLst/>
+            </a:prstGeom>
+            <a:noFill/>
+            <a:ln>
+              <a:solidFill>
+                <a:schemeClr val="tx1"/>
+              </a:solidFill>
+            </a:ln>
+          </p:spPr>
+          <p:style>
+            <a:lnRef idx="2">
+              <a:schemeClr val="accent1">
+                <a:shade val="15000"/>
+              </a:schemeClr>
+            </a:lnRef>
+            <a:fillRef idx="1">
+              <a:schemeClr val="accent1"/>
+            </a:fillRef>
+            <a:effectRef idx="0">
+              <a:schemeClr val="accent1"/>
+            </a:effectRef>
+            <a:fontRef idx="minor">
+              <a:schemeClr val="lt1"/>
+            </a:fontRef>
+          </p:style>
+          <p:txBody>
+            <a:bodyPr rtlCol="0" anchor="ctr"/>
+            <a:lstStyle/>
+            <a:p>
+              <a:pPr algn="ctr"/>
+              <a:r>
+                <a:rPr lang="en-US" dirty="0">
+                  <a:solidFill>
+                    <a:sysClr val="windowText" lastClr="000000"/>
+                  </a:solidFill>
+                </a:rPr>
+                <a:t>“a“</a:t>
+              </a:r>
+            </a:p>
+          </p:txBody>
+        </p:sp>
+        <p:sp>
+          <p:nvSpPr>
+            <p:cNvPr id="8" name="Прямоугольник 7">
+              <a:extLst>
+                <a:ext uri="{FF2B5EF4-FFF2-40B4-BE49-F238E27FC236}">
+                  <a16:creationId xmlns:a16="http://schemas.microsoft.com/office/drawing/2014/main" xmlns="" id="{725AEC3B-E23C-1531-B51B-33BEF347AC58}"/>
+                </a:ext>
+              </a:extLst>
+            </p:cNvPr>
+            <p:cNvSpPr/>
+            <p:nvPr/>
+          </p:nvSpPr>
+          <p:spPr>
+            <a:xfrm>
+              <a:off x="1659467" y="2698044"/>
+              <a:ext cx="1715911" cy="1817511"/>
+            </a:xfrm>
+            <a:prstGeom prst="rect">
+              <a:avLst/>
+            </a:prstGeom>
+            <a:noFill/>
+            <a:ln>
+              <a:solidFill>
+                <a:schemeClr val="tx1"/>
+              </a:solidFill>
+            </a:ln>
+          </p:spPr>
+          <p:style>
+            <a:lnRef idx="2">
+              <a:schemeClr val="accent1">
+                <a:shade val="15000"/>
+              </a:schemeClr>
+            </a:lnRef>
+            <a:fillRef idx="1">
+              <a:schemeClr val="accent1"/>
+            </a:fillRef>
+            <a:effectRef idx="0">
+              <a:schemeClr val="accent1"/>
+            </a:effectRef>
+            <a:fontRef idx="minor">
+              <a:schemeClr val="lt1"/>
+            </a:fontRef>
+          </p:style>
+          <p:txBody>
+            <a:bodyPr rtlCol="0" anchor="ctr"/>
+            <a:lstStyle/>
+            <a:p>
+              <a:pPr algn="ctr"/>
+              <a:r>
+                <a:rPr lang="en-US" dirty="0">
+                  <a:solidFill>
+                    <a:sysClr val="windowText" lastClr="000000"/>
+                  </a:solidFill>
+                </a:rPr>
+                <a:t>“</a:t>
+              </a:r>
+              <a:r>
+                <a:rPr lang="en-US" dirty="0" err="1">
+                  <a:solidFill>
+                    <a:sysClr val="windowText" lastClr="000000"/>
+                  </a:solidFill>
+                </a:rPr>
+                <a:t>ll</a:t>
+              </a:r>
+              <a:r>
+                <a:rPr lang="en-US" dirty="0">
+                  <a:solidFill>
+                    <a:sysClr val="windowText" lastClr="000000"/>
+                  </a:solidFill>
+                </a:rPr>
+                <a:t>”</a:t>
+              </a:r>
+            </a:p>
+          </p:txBody>
+        </p:sp>
+      </p:grpSp>
+      <p:sp>
+        <p:nvSpPr>
+          <p:cNvPr id="10" name="TextBox 9">
+            <a:extLst>
+              <a:ext uri="{FF2B5EF4-FFF2-40B4-BE49-F238E27FC236}">
+                <a16:creationId xmlns:a16="http://schemas.microsoft.com/office/drawing/2014/main" xmlns="" id="{F4A98620-A4EC-0D62-B04A-C884C7CCEA42}"/>
+              </a:ext>
+            </a:extLst>
+          </p:cNvPr>
+          <p:cNvSpPr txBox="1"/>
+          <p:nvPr/>
+        </p:nvSpPr>
+        <p:spPr>
+          <a:xfrm>
+            <a:off x="366284" y="233079"/>
+            <a:ext cx="2212622" cy="646331"/>
+          </a:xfrm>
+          <a:prstGeom prst="rect">
+            <a:avLst/>
+          </a:prstGeom>
+          <a:noFill/>
+        </p:spPr>
+        <p:txBody>
+          <a:bodyPr wrap="square" rtlCol="0">
+            <a:spAutoFit/>
+          </a:bodyPr>
+          <a:lstStyle/>
+          <a:p>
+            <a:r>
+              <a:rPr lang="en-US" dirty="0"/>
+              <a:t>Release </a:t>
+            </a:r>
+            <a:endParaRPr lang="ru-RU" dirty="0"/>
+          </a:p>
+          <a:p>
+            <a:r>
+              <a:rPr lang="en-US" dirty="0"/>
+              <a:t>data</a:t>
+            </a:r>
+          </a:p>
+        </p:txBody>
+      </p:sp>
+    </p:spTree>
+    <p:extLst>
+      <p:ext uri="{BB962C8B-B14F-4D97-AF65-F5344CB8AC3E}">
+        <p14:creationId xmlns:p14="http://schemas.microsoft.com/office/powerpoint/2010/main" val="2724731516"/>
+      </p:ext>
+    </p:extLst>
+  </p:cSld>
+  <p:clrMapOvr>
+    <a:masterClrMapping/>
+  </p:clrMapOvr>
+  <mc:AlternateContent xmlns:mc="http://schemas.openxmlformats.org/markup-compatibility/2006" xmlns:p14="http://schemas.microsoft.com/office/powerpoint/2010/main">
+    <mc:Choice Requires="p14">
+      <p:transition spd="slow" p14:dur="1600">
+        <p14:conveyor dir="l"/>
+      </p:transition>
+    </mc:Choice>
+    <mc:Fallback xmlns="">
+      <p:transition spd="slow">
+        <p:fade/>
+      </p:transition>
+    </mc:Fallback>
+  </mc:AlternateContent>
+</p:sld>
+</file>
+
+<file path=ppt/slides/slide33.xml><?xml version="1.0" encoding="utf-8"?>
+<p:sld xmlns:a="http://schemas.openxmlformats.org/drawingml/2006/main" xmlns:r="http://schemas.openxmlformats.org/officeDocument/2006/relationships" xmlns:p="http://schemas.openxmlformats.org/presentationml/2006/main">
+  <p:cSld>
+    <p:spTree>
+      <p:nvGrpSpPr>
+        <p:cNvPr id="1" name=""/>
+        <p:cNvGrpSpPr/>
+        <p:nvPr/>
+      </p:nvGrpSpPr>
+      <p:grpSpPr>
+        <a:xfrm>
+          <a:off x="0" y="0"/>
+          <a:ext cx="0" cy="0"/>
+          <a:chOff x="0" y="0"/>
+          <a:chExt cx="0" cy="0"/>
+        </a:xfrm>
+      </p:grpSpPr>
       <p:pic>
         <p:nvPicPr>
           <p:cNvPr id="7" name="Рисунок 6">
             <a:extLst>
               <a:ext uri="{FF2B5EF4-FFF2-40B4-BE49-F238E27FC236}">
-                <a16:creationId xmlns:a16="http://schemas.microsoft.com/office/drawing/2014/main" id="{83D5A911-8643-93F0-C31E-F7336EC25ED2}"/>
+                <a16:creationId xmlns:a16="http://schemas.microsoft.com/office/drawing/2014/main" xmlns="" id="{83D5A911-8643-93F0-C31E-F7336EC25ED2}"/>
               </a:ext>
             </a:extLst>
           </p:cNvPr>
@@ -15607,7 +15880,7 @@
 </p:sld>
 </file>
 
-<file path=ppt/slides/slide31.xml><?xml version="1.0" encoding="utf-8"?>
+<file path=ppt/slides/slide34.xml><?xml version="1.0" encoding="utf-8"?>
 <p:sld xmlns:a="http://schemas.openxmlformats.org/drawingml/2006/main" xmlns:r="http://schemas.openxmlformats.org/officeDocument/2006/relationships" xmlns:p="http://schemas.openxmlformats.org/presentationml/2006/main">
   <p:cSld>
     <p:spTree>
@@ -15629,7 +15902,7 @@
           <p:cNvPr id="2" name="Заголовок 1">
             <a:extLst>
               <a:ext uri="{FF2B5EF4-FFF2-40B4-BE49-F238E27FC236}">
-                <a16:creationId xmlns:a16="http://schemas.microsoft.com/office/drawing/2014/main" id="{5E074AE4-DC32-0A58-4199-ACB8D66B787E}"/>
+                <a16:creationId xmlns:a16="http://schemas.microsoft.com/office/drawing/2014/main" xmlns="" id="{5E074AE4-DC32-0A58-4199-ACB8D66B787E}"/>
               </a:ext>
             </a:extLst>
           </p:cNvPr>
@@ -15658,7 +15931,7 @@
           <p:cNvPr id="4" name="Объект 3">
             <a:extLst>
               <a:ext uri="{FF2B5EF4-FFF2-40B4-BE49-F238E27FC236}">
-                <a16:creationId xmlns:a16="http://schemas.microsoft.com/office/drawing/2014/main" id="{68AABC1D-61B6-DF36-4866-15AC2264F224}"/>
+                <a16:creationId xmlns:a16="http://schemas.microsoft.com/office/drawing/2014/main" xmlns="" id="{68AABC1D-61B6-DF36-4866-15AC2264F224}"/>
               </a:ext>
             </a:extLst>
           </p:cNvPr>
@@ -15688,49 +15961,49 @@
                 <a:gridCol w="1627213">
                   <a:extLst>
                     <a:ext uri="{9D8B030D-6E8A-4147-A177-3AD203B41FA5}">
-                      <a16:colId xmlns:a16="http://schemas.microsoft.com/office/drawing/2014/main" val="204203334"/>
+                      <a16:colId xmlns:a16="http://schemas.microsoft.com/office/drawing/2014/main" xmlns="" val="204203334"/>
                     </a:ext>
                   </a:extLst>
                 </a:gridCol>
                 <a:gridCol w="1627213">
                   <a:extLst>
                     <a:ext uri="{9D8B030D-6E8A-4147-A177-3AD203B41FA5}">
-                      <a16:colId xmlns:a16="http://schemas.microsoft.com/office/drawing/2014/main" val="1017391876"/>
+                      <a16:colId xmlns:a16="http://schemas.microsoft.com/office/drawing/2014/main" xmlns="" val="1017391876"/>
                     </a:ext>
                   </a:extLst>
                 </a:gridCol>
                 <a:gridCol w="1395820">
                   <a:extLst>
                     <a:ext uri="{9D8B030D-6E8A-4147-A177-3AD203B41FA5}">
-                      <a16:colId xmlns:a16="http://schemas.microsoft.com/office/drawing/2014/main" val="2638279888"/>
+                      <a16:colId xmlns:a16="http://schemas.microsoft.com/office/drawing/2014/main" xmlns="" val="2638279888"/>
                     </a:ext>
                   </a:extLst>
                 </a:gridCol>
                 <a:gridCol w="1661549">
                   <a:extLst>
                     <a:ext uri="{9D8B030D-6E8A-4147-A177-3AD203B41FA5}">
-                      <a16:colId xmlns:a16="http://schemas.microsoft.com/office/drawing/2014/main" val="3950449710"/>
+                      <a16:colId xmlns:a16="http://schemas.microsoft.com/office/drawing/2014/main" xmlns="" val="3950449710"/>
                     </a:ext>
                   </a:extLst>
                 </a:gridCol>
                 <a:gridCol w="1619748">
                   <a:extLst>
                     <a:ext uri="{9D8B030D-6E8A-4147-A177-3AD203B41FA5}">
-                      <a16:colId xmlns:a16="http://schemas.microsoft.com/office/drawing/2014/main" val="2985044242"/>
+                      <a16:colId xmlns:a16="http://schemas.microsoft.com/office/drawing/2014/main" xmlns="" val="2985044242"/>
                     </a:ext>
                   </a:extLst>
                 </a:gridCol>
                 <a:gridCol w="1831733">
                   <a:extLst>
                     <a:ext uri="{9D8B030D-6E8A-4147-A177-3AD203B41FA5}">
-                      <a16:colId xmlns:a16="http://schemas.microsoft.com/office/drawing/2014/main" val="3314769959"/>
+                      <a16:colId xmlns:a16="http://schemas.microsoft.com/office/drawing/2014/main" xmlns="" val="3314769959"/>
                     </a:ext>
                   </a:extLst>
                 </a:gridCol>
                 <a:gridCol w="1627213">
                   <a:extLst>
                     <a:ext uri="{9D8B030D-6E8A-4147-A177-3AD203B41FA5}">
-                      <a16:colId xmlns:a16="http://schemas.microsoft.com/office/drawing/2014/main" val="686169553"/>
+                      <a16:colId xmlns:a16="http://schemas.microsoft.com/office/drawing/2014/main" xmlns="" val="686169553"/>
                     </a:ext>
                   </a:extLst>
                 </a:gridCol>
@@ -15829,7 +16102,7 @@
                 </a:tc>
                 <a:extLst>
                   <a:ext uri="{0D108BD9-81ED-4DB2-BD59-A6C34878D82A}">
-                    <a16:rowId xmlns:a16="http://schemas.microsoft.com/office/drawing/2014/main" val="2312786343"/>
+                    <a16:rowId xmlns:a16="http://schemas.microsoft.com/office/drawing/2014/main" xmlns="" val="2312786343"/>
                   </a:ext>
                 </a:extLst>
               </a:tr>
@@ -16098,7 +16371,7 @@
                 </a:tc>
                 <a:extLst>
                   <a:ext uri="{0D108BD9-81ED-4DB2-BD59-A6C34878D82A}">
-                    <a16:rowId xmlns:a16="http://schemas.microsoft.com/office/drawing/2014/main" val="3386970203"/>
+                    <a16:rowId xmlns:a16="http://schemas.microsoft.com/office/drawing/2014/main" xmlns="" val="3386970203"/>
                   </a:ext>
                 </a:extLst>
               </a:tr>
@@ -16196,7 +16469,7 @@
                 </a:tc>
                 <a:extLst>
                   <a:ext uri="{0D108BD9-81ED-4DB2-BD59-A6C34878D82A}">
-                    <a16:rowId xmlns:a16="http://schemas.microsoft.com/office/drawing/2014/main" val="1144271555"/>
+                    <a16:rowId xmlns:a16="http://schemas.microsoft.com/office/drawing/2014/main" xmlns="" val="1144271555"/>
                   </a:ext>
                 </a:extLst>
               </a:tr>
@@ -16298,7 +16571,7 @@
                 </a:tc>
                 <a:extLst>
                   <a:ext uri="{0D108BD9-81ED-4DB2-BD59-A6C34878D82A}">
-                    <a16:rowId xmlns:a16="http://schemas.microsoft.com/office/drawing/2014/main" val="2090097139"/>
+                    <a16:rowId xmlns:a16="http://schemas.microsoft.com/office/drawing/2014/main" xmlns="" val="2090097139"/>
                   </a:ext>
                 </a:extLst>
               </a:tr>
@@ -16396,7 +16669,7 @@
                 </a:tc>
                 <a:extLst>
                   <a:ext uri="{0D108BD9-81ED-4DB2-BD59-A6C34878D82A}">
-                    <a16:rowId xmlns:a16="http://schemas.microsoft.com/office/drawing/2014/main" val="1381646355"/>
+                    <a16:rowId xmlns:a16="http://schemas.microsoft.com/office/drawing/2014/main" xmlns="" val="1381646355"/>
                   </a:ext>
                 </a:extLst>
               </a:tr>
@@ -16498,7 +16771,7 @@
                 </a:tc>
                 <a:extLst>
                   <a:ext uri="{0D108BD9-81ED-4DB2-BD59-A6C34878D82A}">
-                    <a16:rowId xmlns:a16="http://schemas.microsoft.com/office/drawing/2014/main" val="2641899815"/>
+                    <a16:rowId xmlns:a16="http://schemas.microsoft.com/office/drawing/2014/main" xmlns="" val="2641899815"/>
                   </a:ext>
                 </a:extLst>
               </a:tr>
@@ -16596,7 +16869,7 @@
                 </a:tc>
                 <a:extLst>
                   <a:ext uri="{0D108BD9-81ED-4DB2-BD59-A6C34878D82A}">
-                    <a16:rowId xmlns:a16="http://schemas.microsoft.com/office/drawing/2014/main" val="2647301606"/>
+                    <a16:rowId xmlns:a16="http://schemas.microsoft.com/office/drawing/2014/main" xmlns="" val="2647301606"/>
                   </a:ext>
                 </a:extLst>
               </a:tr>
@@ -16629,7 +16902,7 @@
 </p:sld>
 </file>
 
-<file path=ppt/slides/slide32.xml><?xml version="1.0" encoding="utf-8"?>
+<file path=ppt/slides/slide35.xml><?xml version="1.0" encoding="utf-8"?>
 <p:sld xmlns:a="http://schemas.openxmlformats.org/drawingml/2006/main" xmlns:r="http://schemas.openxmlformats.org/officeDocument/2006/relationships" xmlns:p="http://schemas.openxmlformats.org/presentationml/2006/main">
   <p:cSld>
     <p:spTree>
@@ -16651,7 +16924,7 @@
           <p:cNvPr id="2" name="Заголовок 1">
             <a:extLst>
               <a:ext uri="{FF2B5EF4-FFF2-40B4-BE49-F238E27FC236}">
-                <a16:creationId xmlns:a16="http://schemas.microsoft.com/office/drawing/2014/main" id="{C9892185-FC69-37C3-0BA1-B0D206AEC4B2}"/>
+                <a16:creationId xmlns:a16="http://schemas.microsoft.com/office/drawing/2014/main" xmlns="" id="{C9892185-FC69-37C3-0BA1-B0D206AEC4B2}"/>
               </a:ext>
             </a:extLst>
           </p:cNvPr>
@@ -16684,7 +16957,7 @@
           <p:cNvPr id="7" name="Рисунок 6">
             <a:extLst>
               <a:ext uri="{FF2B5EF4-FFF2-40B4-BE49-F238E27FC236}">
-                <a16:creationId xmlns:a16="http://schemas.microsoft.com/office/drawing/2014/main" id="{17617E29-A2C7-B51D-A2FF-CA3C37764338}"/>
+                <a16:creationId xmlns:a16="http://schemas.microsoft.com/office/drawing/2014/main" xmlns="" id="{17617E29-A2C7-B51D-A2FF-CA3C37764338}"/>
               </a:ext>
             </a:extLst>
           </p:cNvPr>
@@ -16740,7 +17013,7 @@
 </p:sld>
 </file>
 
-<file path=ppt/slides/slide33.xml><?xml version="1.0" encoding="utf-8"?>
+<file path=ppt/slides/slide36.xml><?xml version="1.0" encoding="utf-8"?>
 <p:sld xmlns:a="http://schemas.openxmlformats.org/drawingml/2006/main" xmlns:r="http://schemas.openxmlformats.org/officeDocument/2006/relationships" xmlns:p="http://schemas.openxmlformats.org/presentationml/2006/main">
   <p:cSld>
     <p:spTree>
@@ -17026,7 +17299,7 @@
           <p:cNvPr id="7" name="Рисунок 6">
             <a:extLst>
               <a:ext uri="{FF2B5EF4-FFF2-40B4-BE49-F238E27FC236}">
-                <a16:creationId xmlns:a16="http://schemas.microsoft.com/office/drawing/2014/main" id="{8B6B2D7F-B1BF-BCC6-2959-26F961CCF733}"/>
+                <a16:creationId xmlns:a16="http://schemas.microsoft.com/office/drawing/2014/main" xmlns="" id="{8B6B2D7F-B1BF-BCC6-2959-26F961CCF733}"/>
               </a:ext>
             </a:extLst>
           </p:cNvPr>
@@ -17056,7 +17329,7 @@
           <p:cNvPr id="5" name="Рисунок 4">
             <a:extLst>
               <a:ext uri="{FF2B5EF4-FFF2-40B4-BE49-F238E27FC236}">
-                <a16:creationId xmlns:a16="http://schemas.microsoft.com/office/drawing/2014/main" id="{F3F3BA29-24F2-A41A-19C7-7D8254A4D77D}"/>
+                <a16:creationId xmlns:a16="http://schemas.microsoft.com/office/drawing/2014/main" xmlns="" id="{F3F3BA29-24F2-A41A-19C7-7D8254A4D77D}"/>
               </a:ext>
             </a:extLst>
           </p:cNvPr>
@@ -17086,7 +17359,7 @@
           <p:cNvPr id="8" name="Прямоугольник 7">
             <a:extLst>
               <a:ext uri="{FF2B5EF4-FFF2-40B4-BE49-F238E27FC236}">
-                <a16:creationId xmlns:a16="http://schemas.microsoft.com/office/drawing/2014/main" id="{253E53E6-C0AB-9173-2F12-8416459F61BE}"/>
+                <a16:creationId xmlns:a16="http://schemas.microsoft.com/office/drawing/2014/main" xmlns="" id="{253E53E6-C0AB-9173-2F12-8416459F61BE}"/>
               </a:ext>
             </a:extLst>
           </p:cNvPr>
@@ -17138,7 +17411,7 @@
           <p:cNvPr id="9" name="Прямоугольник 8">
             <a:extLst>
               <a:ext uri="{FF2B5EF4-FFF2-40B4-BE49-F238E27FC236}">
-                <a16:creationId xmlns:a16="http://schemas.microsoft.com/office/drawing/2014/main" id="{DC7D1DE9-1BFC-7EEB-A079-FF7BCD8852A6}"/>
+                <a16:creationId xmlns:a16="http://schemas.microsoft.com/office/drawing/2014/main" xmlns="" id="{DC7D1DE9-1BFC-7EEB-A079-FF7BCD8852A6}"/>
               </a:ext>
             </a:extLst>
           </p:cNvPr>
@@ -17190,7 +17463,7 @@
           <p:cNvPr id="2" name="Заголовок 1">
             <a:extLst>
               <a:ext uri="{FF2B5EF4-FFF2-40B4-BE49-F238E27FC236}">
-                <a16:creationId xmlns:a16="http://schemas.microsoft.com/office/drawing/2014/main" id="{FD078DC0-A5DF-4BF9-0E93-8BAD980F45CD}"/>
+                <a16:creationId xmlns:a16="http://schemas.microsoft.com/office/drawing/2014/main" xmlns="" id="{FD078DC0-A5DF-4BF9-0E93-8BAD980F45CD}"/>
               </a:ext>
             </a:extLst>
           </p:cNvPr>
@@ -17215,7 +17488,7 @@
           <p:cNvPr id="3" name="Объект 2">
             <a:extLst>
               <a:ext uri="{FF2B5EF4-FFF2-40B4-BE49-F238E27FC236}">
-                <a16:creationId xmlns:a16="http://schemas.microsoft.com/office/drawing/2014/main" id="{16F4561B-B5B7-D0DF-7097-53FCB428DAD8}"/>
+                <a16:creationId xmlns:a16="http://schemas.microsoft.com/office/drawing/2014/main" xmlns="" id="{16F4561B-B5B7-D0DF-7097-53FCB428DAD8}"/>
               </a:ext>
             </a:extLst>
           </p:cNvPr>
@@ -17245,13 +17518,13 @@
   <p:clrMapOvr>
     <a:masterClrMapping/>
   </p:clrMapOvr>
-  <mc:AlternateContent xmlns:mc="http://schemas.openxmlformats.org/markup-compatibility/2006">
-    <mc:Choice xmlns:p14="http://schemas.microsoft.com/office/powerpoint/2010/main" Requires="p14">
+  <mc:AlternateContent xmlns:mc="http://schemas.openxmlformats.org/markup-compatibility/2006" xmlns:p14="http://schemas.microsoft.com/office/powerpoint/2010/main">
+    <mc:Choice Requires="p14">
       <p:transition spd="slow" p14:dur="900">
         <p14:warp dir="in"/>
       </p:transition>
     </mc:Choice>
-    <mc:Fallback>
+    <mc:Fallback xmlns="">
       <p:transition spd="slow">
         <p:fade/>
       </p:transition>
@@ -17282,7 +17555,7 @@
           <p:cNvPr id="3" name="Рисунок 2">
             <a:extLst>
               <a:ext uri="{FF2B5EF4-FFF2-40B4-BE49-F238E27FC236}">
-                <a16:creationId xmlns:a16="http://schemas.microsoft.com/office/drawing/2014/main" id="{1F9E2CA5-F9E0-FB3F-649B-A58DE25F90B3}"/>
+                <a16:creationId xmlns:a16="http://schemas.microsoft.com/office/drawing/2014/main" xmlns="" id="{1F9E2CA5-F9E0-FB3F-649B-A58DE25F90B3}"/>
               </a:ext>
             </a:extLst>
           </p:cNvPr>
@@ -17312,7 +17585,7 @@
           <p:cNvPr id="5" name="Рисунок 4">
             <a:extLst>
               <a:ext uri="{FF2B5EF4-FFF2-40B4-BE49-F238E27FC236}">
-                <a16:creationId xmlns:a16="http://schemas.microsoft.com/office/drawing/2014/main" id="{F3F3BA29-24F2-A41A-19C7-7D8254A4D77D}"/>
+                <a16:creationId xmlns:a16="http://schemas.microsoft.com/office/drawing/2014/main" xmlns="" id="{F3F3BA29-24F2-A41A-19C7-7D8254A4D77D}"/>
               </a:ext>
             </a:extLst>
           </p:cNvPr>
@@ -17342,7 +17615,7 @@
           <p:cNvPr id="8" name="Прямоугольник 7">
             <a:extLst>
               <a:ext uri="{FF2B5EF4-FFF2-40B4-BE49-F238E27FC236}">
-                <a16:creationId xmlns:a16="http://schemas.microsoft.com/office/drawing/2014/main" id="{253E53E6-C0AB-9173-2F12-8416459F61BE}"/>
+                <a16:creationId xmlns:a16="http://schemas.microsoft.com/office/drawing/2014/main" xmlns="" id="{253E53E6-C0AB-9173-2F12-8416459F61BE}"/>
               </a:ext>
             </a:extLst>
           </p:cNvPr>
@@ -17394,7 +17667,7 @@
           <p:cNvPr id="4" name="Прямоугольник 3">
             <a:extLst>
               <a:ext uri="{FF2B5EF4-FFF2-40B4-BE49-F238E27FC236}">
-                <a16:creationId xmlns:a16="http://schemas.microsoft.com/office/drawing/2014/main" id="{D79E5561-B8AD-CAA1-0F89-47011C2B6183}"/>
+                <a16:creationId xmlns:a16="http://schemas.microsoft.com/office/drawing/2014/main" xmlns="" id="{D79E5561-B8AD-CAA1-0F89-47011C2B6183}"/>
               </a:ext>
             </a:extLst>
           </p:cNvPr>
@@ -17451,13 +17724,13 @@
   <p:clrMapOvr>
     <a:masterClrMapping/>
   </p:clrMapOvr>
-  <mc:AlternateContent xmlns:mc="http://schemas.openxmlformats.org/markup-compatibility/2006">
-    <mc:Choice xmlns:p14="http://schemas.microsoft.com/office/powerpoint/2010/main" Requires="p14">
+  <mc:AlternateContent xmlns:mc="http://schemas.openxmlformats.org/markup-compatibility/2006" xmlns:p14="http://schemas.microsoft.com/office/powerpoint/2010/main">
+    <mc:Choice Requires="p14">
       <p:transition spd="slow" p14:dur="1300">
         <p14:pan dir="u"/>
       </p:transition>
     </mc:Choice>
-    <mc:Fallback>
+    <mc:Fallback xmlns="">
       <p:transition spd="slow">
         <p:fade/>
       </p:transition>
@@ -17488,7 +17761,7 @@
           <p:cNvPr id="3" name="Рисунок 2">
             <a:extLst>
               <a:ext uri="{FF2B5EF4-FFF2-40B4-BE49-F238E27FC236}">
-                <a16:creationId xmlns:a16="http://schemas.microsoft.com/office/drawing/2014/main" id="{7DC539F2-8DC3-F2A0-237D-0C0B8872A057}"/>
+                <a16:creationId xmlns:a16="http://schemas.microsoft.com/office/drawing/2014/main" xmlns="" id="{7DC539F2-8DC3-F2A0-237D-0C0B8872A057}"/>
               </a:ext>
             </a:extLst>
           </p:cNvPr>
@@ -17518,7 +17791,7 @@
           <p:cNvPr id="5" name="Рисунок 4">
             <a:extLst>
               <a:ext uri="{FF2B5EF4-FFF2-40B4-BE49-F238E27FC236}">
-                <a16:creationId xmlns:a16="http://schemas.microsoft.com/office/drawing/2014/main" id="{F3F3BA29-24F2-A41A-19C7-7D8254A4D77D}"/>
+                <a16:creationId xmlns:a16="http://schemas.microsoft.com/office/drawing/2014/main" xmlns="" id="{F3F3BA29-24F2-A41A-19C7-7D8254A4D77D}"/>
               </a:ext>
             </a:extLst>
           </p:cNvPr>
@@ -17548,7 +17821,7 @@
           <p:cNvPr id="8" name="Прямоугольник 7">
             <a:extLst>
               <a:ext uri="{FF2B5EF4-FFF2-40B4-BE49-F238E27FC236}">
-                <a16:creationId xmlns:a16="http://schemas.microsoft.com/office/drawing/2014/main" id="{253E53E6-C0AB-9173-2F12-8416459F61BE}"/>
+                <a16:creationId xmlns:a16="http://schemas.microsoft.com/office/drawing/2014/main" xmlns="" id="{253E53E6-C0AB-9173-2F12-8416459F61BE}"/>
               </a:ext>
             </a:extLst>
           </p:cNvPr>
@@ -17600,7 +17873,7 @@
           <p:cNvPr id="4" name="Прямоугольник 3">
             <a:extLst>
               <a:ext uri="{FF2B5EF4-FFF2-40B4-BE49-F238E27FC236}">
-                <a16:creationId xmlns:a16="http://schemas.microsoft.com/office/drawing/2014/main" id="{19253962-5343-1D1D-B950-94D7AAB038AC}"/>
+                <a16:creationId xmlns:a16="http://schemas.microsoft.com/office/drawing/2014/main" xmlns="" id="{19253962-5343-1D1D-B950-94D7AAB038AC}"/>
               </a:ext>
             </a:extLst>
           </p:cNvPr>
@@ -17657,13 +17930,13 @@
   <p:clrMapOvr>
     <a:masterClrMapping/>
   </p:clrMapOvr>
-  <mc:AlternateContent xmlns:mc="http://schemas.openxmlformats.org/markup-compatibility/2006">
-    <mc:Choice xmlns:p14="http://schemas.microsoft.com/office/powerpoint/2010/main" Requires="p14">
+  <mc:AlternateContent xmlns:mc="http://schemas.openxmlformats.org/markup-compatibility/2006" xmlns:p14="http://schemas.microsoft.com/office/powerpoint/2010/main">
+    <mc:Choice Requires="p14">
       <p:transition spd="slow" p14:dur="1300">
         <p14:pan dir="u"/>
       </p:transition>
     </mc:Choice>
-    <mc:Fallback>
+    <mc:Fallback xmlns="">
       <p:transition spd="slow">
         <p:fade/>
       </p:transition>
@@ -17694,7 +17967,7 @@
           <p:cNvPr id="3" name="Рисунок 2">
             <a:extLst>
               <a:ext uri="{FF2B5EF4-FFF2-40B4-BE49-F238E27FC236}">
-                <a16:creationId xmlns:a16="http://schemas.microsoft.com/office/drawing/2014/main" id="{1A24FE25-821B-E7DC-36BE-551E12C4A88C}"/>
+                <a16:creationId xmlns:a16="http://schemas.microsoft.com/office/drawing/2014/main" xmlns="" id="{1A24FE25-821B-E7DC-36BE-551E12C4A88C}"/>
               </a:ext>
             </a:extLst>
           </p:cNvPr>
@@ -17724,7 +17997,7 @@
           <p:cNvPr id="5" name="Рисунок 4">
             <a:extLst>
               <a:ext uri="{FF2B5EF4-FFF2-40B4-BE49-F238E27FC236}">
-                <a16:creationId xmlns:a16="http://schemas.microsoft.com/office/drawing/2014/main" id="{F3F3BA29-24F2-A41A-19C7-7D8254A4D77D}"/>
+                <a16:creationId xmlns:a16="http://schemas.microsoft.com/office/drawing/2014/main" xmlns="" id="{F3F3BA29-24F2-A41A-19C7-7D8254A4D77D}"/>
               </a:ext>
             </a:extLst>
           </p:cNvPr>
@@ -17754,7 +18027,7 @@
           <p:cNvPr id="8" name="Прямоугольник 7">
             <a:extLst>
               <a:ext uri="{FF2B5EF4-FFF2-40B4-BE49-F238E27FC236}">
-                <a16:creationId xmlns:a16="http://schemas.microsoft.com/office/drawing/2014/main" id="{253E53E6-C0AB-9173-2F12-8416459F61BE}"/>
+                <a16:creationId xmlns:a16="http://schemas.microsoft.com/office/drawing/2014/main" xmlns="" id="{253E53E6-C0AB-9173-2F12-8416459F61BE}"/>
               </a:ext>
             </a:extLst>
           </p:cNvPr>
@@ -17806,7 +18079,7 @@
           <p:cNvPr id="4" name="Прямоугольник 3">
             <a:extLst>
               <a:ext uri="{FF2B5EF4-FFF2-40B4-BE49-F238E27FC236}">
-                <a16:creationId xmlns:a16="http://schemas.microsoft.com/office/drawing/2014/main" id="{EC315264-F250-4A9B-F63B-C4CDEDA0EC52}"/>
+                <a16:creationId xmlns:a16="http://schemas.microsoft.com/office/drawing/2014/main" xmlns="" id="{EC315264-F250-4A9B-F63B-C4CDEDA0EC52}"/>
               </a:ext>
             </a:extLst>
           </p:cNvPr>
@@ -17863,13 +18136,13 @@
   <p:clrMapOvr>
     <a:masterClrMapping/>
   </p:clrMapOvr>
-  <mc:AlternateContent xmlns:mc="http://schemas.openxmlformats.org/markup-compatibility/2006">
-    <mc:Choice xmlns:p14="http://schemas.microsoft.com/office/powerpoint/2010/main" Requires="p14">
+  <mc:AlternateContent xmlns:mc="http://schemas.openxmlformats.org/markup-compatibility/2006" xmlns:p14="http://schemas.microsoft.com/office/powerpoint/2010/main">
+    <mc:Choice Requires="p14">
       <p:transition spd="slow" p14:dur="1300">
         <p14:pan/>
       </p:transition>
     </mc:Choice>
-    <mc:Fallback>
+    <mc:Fallback xmlns="">
       <p:transition spd="slow">
         <p:fade/>
       </p:transition>
@@ -20378,7 +20651,7 @@
           <p:cNvPr id="2" name="Заголовок 1">
             <a:extLst>
               <a:ext uri="{FF2B5EF4-FFF2-40B4-BE49-F238E27FC236}">
-                <a16:creationId xmlns:a16="http://schemas.microsoft.com/office/drawing/2014/main" id="{976B0283-3CBF-E715-24BF-ACBFCB564469}"/>
+                <a16:creationId xmlns:a16="http://schemas.microsoft.com/office/drawing/2014/main" xmlns="" id="{976B0283-3CBF-E715-24BF-ACBFCB564469}"/>
               </a:ext>
             </a:extLst>
           </p:cNvPr>
@@ -20403,7 +20676,7 @@
           <p:cNvPr id="3" name="Объект 2">
             <a:extLst>
               <a:ext uri="{FF2B5EF4-FFF2-40B4-BE49-F238E27FC236}">
-                <a16:creationId xmlns:a16="http://schemas.microsoft.com/office/drawing/2014/main" id="{E8C7C670-ED83-A5E7-1E12-DBC34F1B8711}"/>
+                <a16:creationId xmlns:a16="http://schemas.microsoft.com/office/drawing/2014/main" xmlns="" id="{E8C7C670-ED83-A5E7-1E12-DBC34F1B8711}"/>
               </a:ext>
             </a:extLst>
           </p:cNvPr>
@@ -20428,7 +20701,7 @@
           <p:cNvPr id="5" name="Рисунок 4">
             <a:extLst>
               <a:ext uri="{FF2B5EF4-FFF2-40B4-BE49-F238E27FC236}">
-                <a16:creationId xmlns:a16="http://schemas.microsoft.com/office/drawing/2014/main" id="{4163372A-1765-79BC-82A3-05FAF2677C15}"/>
+                <a16:creationId xmlns:a16="http://schemas.microsoft.com/office/drawing/2014/main" xmlns="" id="{4163372A-1765-79BC-82A3-05FAF2677C15}"/>
               </a:ext>
             </a:extLst>
           </p:cNvPr>
